--- a/Drawing Board.pptx
+++ b/Drawing Board.pptx
@@ -6,6 +6,9 @@
   </p:sldMasterIdLst>
   <p:sldIdLst>
     <p:sldId id="256" r:id="rId2"/>
+    <p:sldId id="257" r:id="rId3"/>
+    <p:sldId id="258" r:id="rId4"/>
+    <p:sldId id="259" r:id="rId5"/>
   </p:sldIdLst>
   <p:sldSz cx="12192000" cy="6858000"/>
   <p:notesSz cx="6858000" cy="9144000"/>
@@ -104,6 +107,11 @@
       </a:defRPr>
     </a:lvl9pPr>
   </p:defaultTextStyle>
+  <p:extLst>
+    <p:ext uri="{EFAFB233-063F-42B5-8137-9DF3F51BA10A}">
+      <p15:sldGuideLst xmlns:p15="http://schemas.microsoft.com/office/powerpoint/2012/main"/>
+    </p:ext>
+  </p:extLst>
 </p:presentation>
 </file>
 
@@ -3342,10 +3350,5434 @@
           <a:chExt cx="0" cy="0"/>
         </a:xfrm>
       </p:grpSpPr>
+      <p:sp>
+        <p:nvSpPr>
+          <p:cNvPr id="2" name="Rechteck 1">
+            <a:extLst>
+              <a:ext uri="{FF2B5EF4-FFF2-40B4-BE49-F238E27FC236}">
+                <a16:creationId xmlns:a16="http://schemas.microsoft.com/office/drawing/2014/main" id="{C4A67B38-4711-41EE-B2D1-DED939BCE827}"/>
+              </a:ext>
+            </a:extLst>
+          </p:cNvPr>
+          <p:cNvSpPr/>
+          <p:nvPr/>
+        </p:nvSpPr>
+        <p:spPr>
+          <a:xfrm>
+            <a:off x="686541" y="745724"/>
+            <a:ext cx="4847208" cy="3744996"/>
+          </a:xfrm>
+          <a:prstGeom prst="rect">
+            <a:avLst/>
+          </a:prstGeom>
+          <a:solidFill>
+            <a:schemeClr val="bg1"/>
+          </a:solidFill>
+          <a:ln>
+            <a:solidFill>
+              <a:schemeClr val="tx1"/>
+            </a:solidFill>
+          </a:ln>
+          <a:effectLst/>
+        </p:spPr>
+        <p:style>
+          <a:lnRef idx="2">
+            <a:schemeClr val="accent1">
+              <a:shade val="50000"/>
+            </a:schemeClr>
+          </a:lnRef>
+          <a:fillRef idx="1">
+            <a:schemeClr val="accent1"/>
+          </a:fillRef>
+          <a:effectRef idx="0">
+            <a:schemeClr val="accent1"/>
+          </a:effectRef>
+          <a:fontRef idx="minor">
+            <a:schemeClr val="lt1"/>
+          </a:fontRef>
+        </p:style>
+        <p:txBody>
+          <a:bodyPr rtlCol="0" anchor="ctr"/>
+          <a:lstStyle/>
+          <a:p>
+            <a:pPr algn="ctr"/>
+            <a:endParaRPr lang="de-CH"/>
+          </a:p>
+        </p:txBody>
+      </p:sp>
+      <p:sp>
+        <p:nvSpPr>
+          <p:cNvPr id="3" name="Rechteck 2">
+            <a:extLst>
+              <a:ext uri="{FF2B5EF4-FFF2-40B4-BE49-F238E27FC236}">
+                <a16:creationId xmlns:a16="http://schemas.microsoft.com/office/drawing/2014/main" id="{FD3B7B29-CC40-43B5-ABC4-72D77B5A54EF}"/>
+              </a:ext>
+            </a:extLst>
+          </p:cNvPr>
+          <p:cNvSpPr/>
+          <p:nvPr/>
+        </p:nvSpPr>
+        <p:spPr>
+          <a:xfrm>
+            <a:off x="5864441" y="695418"/>
+            <a:ext cx="463117" cy="2733582"/>
+          </a:xfrm>
+          <a:prstGeom prst="rect">
+            <a:avLst/>
+          </a:prstGeom>
+          <a:solidFill>
+            <a:schemeClr val="accent6">
+              <a:lumMod val="60000"/>
+              <a:lumOff val="40000"/>
+            </a:schemeClr>
+          </a:solidFill>
+          <a:ln>
+            <a:solidFill>
+              <a:schemeClr val="tx1"/>
+            </a:solidFill>
+          </a:ln>
+          <a:effectLst/>
+        </p:spPr>
+        <p:style>
+          <a:lnRef idx="2">
+            <a:schemeClr val="accent1">
+              <a:shade val="50000"/>
+            </a:schemeClr>
+          </a:lnRef>
+          <a:fillRef idx="1">
+            <a:schemeClr val="accent1"/>
+          </a:fillRef>
+          <a:effectRef idx="0">
+            <a:schemeClr val="accent1"/>
+          </a:effectRef>
+          <a:fontRef idx="minor">
+            <a:schemeClr val="lt1"/>
+          </a:fontRef>
+        </p:style>
+        <p:txBody>
+          <a:bodyPr rtlCol="0" anchor="ctr"/>
+          <a:lstStyle/>
+          <a:p>
+            <a:pPr algn="ctr"/>
+            <a:endParaRPr lang="de-CH"/>
+          </a:p>
+        </p:txBody>
+      </p:sp>
+      <p:sp>
+        <p:nvSpPr>
+          <p:cNvPr id="4" name="Rechteck 3">
+            <a:extLst>
+              <a:ext uri="{FF2B5EF4-FFF2-40B4-BE49-F238E27FC236}">
+                <a16:creationId xmlns:a16="http://schemas.microsoft.com/office/drawing/2014/main" id="{F7B0D917-978C-45B5-9677-52AF6F87DDCD}"/>
+              </a:ext>
+            </a:extLst>
+          </p:cNvPr>
+          <p:cNvSpPr/>
+          <p:nvPr/>
+        </p:nvSpPr>
+        <p:spPr>
+          <a:xfrm>
+            <a:off x="6628663" y="695418"/>
+            <a:ext cx="463117" cy="2733582"/>
+          </a:xfrm>
+          <a:prstGeom prst="rect">
+            <a:avLst/>
+          </a:prstGeom>
+          <a:solidFill>
+            <a:schemeClr val="accent6">
+              <a:lumMod val="60000"/>
+              <a:lumOff val="40000"/>
+            </a:schemeClr>
+          </a:solidFill>
+          <a:ln>
+            <a:solidFill>
+              <a:schemeClr val="tx1"/>
+            </a:solidFill>
+          </a:ln>
+          <a:effectLst/>
+        </p:spPr>
+        <p:style>
+          <a:lnRef idx="2">
+            <a:schemeClr val="accent1">
+              <a:shade val="50000"/>
+            </a:schemeClr>
+          </a:lnRef>
+          <a:fillRef idx="1">
+            <a:schemeClr val="accent1"/>
+          </a:fillRef>
+          <a:effectRef idx="0">
+            <a:schemeClr val="accent1"/>
+          </a:effectRef>
+          <a:fontRef idx="minor">
+            <a:schemeClr val="lt1"/>
+          </a:fontRef>
+        </p:style>
+        <p:txBody>
+          <a:bodyPr rtlCol="0" anchor="ctr"/>
+          <a:lstStyle/>
+          <a:p>
+            <a:pPr algn="ctr"/>
+            <a:endParaRPr lang="de-CH"/>
+          </a:p>
+        </p:txBody>
+      </p:sp>
+      <p:sp>
+        <p:nvSpPr>
+          <p:cNvPr id="6" name="Rechteck 5">
+            <a:extLst>
+              <a:ext uri="{FF2B5EF4-FFF2-40B4-BE49-F238E27FC236}">
+                <a16:creationId xmlns:a16="http://schemas.microsoft.com/office/drawing/2014/main" id="{0DC017DB-61F4-4B9F-A851-76BDEEFC0467}"/>
+              </a:ext>
+            </a:extLst>
+          </p:cNvPr>
+          <p:cNvSpPr/>
+          <p:nvPr/>
+        </p:nvSpPr>
+        <p:spPr>
+          <a:xfrm>
+            <a:off x="7392885" y="695418"/>
+            <a:ext cx="958048" cy="2733582"/>
+          </a:xfrm>
+          <a:prstGeom prst="rect">
+            <a:avLst/>
+          </a:prstGeom>
+          <a:solidFill>
+            <a:schemeClr val="accent1">
+              <a:lumMod val="60000"/>
+              <a:lumOff val="40000"/>
+            </a:schemeClr>
+          </a:solidFill>
+          <a:ln>
+            <a:solidFill>
+              <a:schemeClr val="tx1"/>
+            </a:solidFill>
+          </a:ln>
+          <a:effectLst/>
+        </p:spPr>
+        <p:style>
+          <a:lnRef idx="2">
+            <a:schemeClr val="accent1">
+              <a:shade val="50000"/>
+            </a:schemeClr>
+          </a:lnRef>
+          <a:fillRef idx="1">
+            <a:schemeClr val="accent1"/>
+          </a:fillRef>
+          <a:effectRef idx="0">
+            <a:schemeClr val="accent1"/>
+          </a:effectRef>
+          <a:fontRef idx="minor">
+            <a:schemeClr val="lt1"/>
+          </a:fontRef>
+        </p:style>
+        <p:txBody>
+          <a:bodyPr rtlCol="0" anchor="ctr"/>
+          <a:lstStyle/>
+          <a:p>
+            <a:pPr algn="ctr"/>
+            <a:endParaRPr lang="de-CH"/>
+          </a:p>
+        </p:txBody>
+      </p:sp>
+      <p:sp>
+        <p:nvSpPr>
+          <p:cNvPr id="7" name="Rechteck 6">
+            <a:extLst>
+              <a:ext uri="{FF2B5EF4-FFF2-40B4-BE49-F238E27FC236}">
+                <a16:creationId xmlns:a16="http://schemas.microsoft.com/office/drawing/2014/main" id="{13DFBE57-9E51-47C4-8F4A-2FCA6CD094DC}"/>
+              </a:ext>
+            </a:extLst>
+          </p:cNvPr>
+          <p:cNvSpPr/>
+          <p:nvPr/>
+        </p:nvSpPr>
+        <p:spPr>
+          <a:xfrm>
+            <a:off x="8652038" y="695418"/>
+            <a:ext cx="958048" cy="2733582"/>
+          </a:xfrm>
+          <a:prstGeom prst="rect">
+            <a:avLst/>
+          </a:prstGeom>
+          <a:solidFill>
+            <a:schemeClr val="accent1">
+              <a:lumMod val="60000"/>
+              <a:lumOff val="40000"/>
+            </a:schemeClr>
+          </a:solidFill>
+          <a:ln>
+            <a:solidFill>
+              <a:schemeClr val="tx1"/>
+            </a:solidFill>
+          </a:ln>
+          <a:effectLst/>
+        </p:spPr>
+        <p:style>
+          <a:lnRef idx="2">
+            <a:schemeClr val="accent1">
+              <a:shade val="50000"/>
+            </a:schemeClr>
+          </a:lnRef>
+          <a:fillRef idx="1">
+            <a:schemeClr val="accent1"/>
+          </a:fillRef>
+          <a:effectRef idx="0">
+            <a:schemeClr val="accent1"/>
+          </a:effectRef>
+          <a:fontRef idx="minor">
+            <a:schemeClr val="lt1"/>
+          </a:fontRef>
+        </p:style>
+        <p:txBody>
+          <a:bodyPr rtlCol="0" anchor="ctr"/>
+          <a:lstStyle/>
+          <a:p>
+            <a:pPr algn="ctr"/>
+            <a:endParaRPr lang="de-CH"/>
+          </a:p>
+        </p:txBody>
+      </p:sp>
+      <p:sp>
+        <p:nvSpPr>
+          <p:cNvPr id="9" name="Freihandform: Form 8">
+            <a:extLst>
+              <a:ext uri="{FF2B5EF4-FFF2-40B4-BE49-F238E27FC236}">
+                <a16:creationId xmlns:a16="http://schemas.microsoft.com/office/drawing/2014/main" id="{EA0284F5-64CC-4650-B183-989F9A022DC6}"/>
+              </a:ext>
+            </a:extLst>
+          </p:cNvPr>
+          <p:cNvSpPr/>
+          <p:nvPr/>
+        </p:nvSpPr>
+        <p:spPr>
+          <a:xfrm>
+            <a:off x="777127" y="5192082"/>
+            <a:ext cx="3240350" cy="648488"/>
+          </a:xfrm>
+          <a:custGeom>
+            <a:avLst/>
+            <a:gdLst>
+              <a:gd name="connsiteX0" fmla="*/ 0 w 3240350"/>
+              <a:gd name="connsiteY0" fmla="*/ 648488 h 648488"/>
+              <a:gd name="connsiteX1" fmla="*/ 719091 w 3240350"/>
+              <a:gd name="connsiteY1" fmla="*/ 418 h 648488"/>
+              <a:gd name="connsiteX2" fmla="*/ 1553592 w 3240350"/>
+              <a:gd name="connsiteY2" fmla="*/ 541955 h 648488"/>
+              <a:gd name="connsiteX3" fmla="*/ 3240350 w 3240350"/>
+              <a:gd name="connsiteY3" fmla="*/ 35928 h 648488"/>
+            </a:gdLst>
+            <a:ahLst/>
+            <a:cxnLst>
+              <a:cxn ang="0">
+                <a:pos x="connsiteX0" y="connsiteY0"/>
+              </a:cxn>
+              <a:cxn ang="0">
+                <a:pos x="connsiteX1" y="connsiteY1"/>
+              </a:cxn>
+              <a:cxn ang="0">
+                <a:pos x="connsiteX2" y="connsiteY2"/>
+              </a:cxn>
+              <a:cxn ang="0">
+                <a:pos x="connsiteX3" y="connsiteY3"/>
+              </a:cxn>
+            </a:cxnLst>
+            <a:rect l="l" t="t" r="r" b="b"/>
+            <a:pathLst>
+              <a:path w="3240350" h="648488">
+                <a:moveTo>
+                  <a:pt x="0" y="648488"/>
+                </a:moveTo>
+                <a:cubicBezTo>
+                  <a:pt x="230079" y="333330"/>
+                  <a:pt x="460159" y="18173"/>
+                  <a:pt x="719091" y="418"/>
+                </a:cubicBezTo>
+                <a:cubicBezTo>
+                  <a:pt x="978023" y="-17338"/>
+                  <a:pt x="1133382" y="536037"/>
+                  <a:pt x="1553592" y="541955"/>
+                </a:cubicBezTo>
+                <a:cubicBezTo>
+                  <a:pt x="1973802" y="547873"/>
+                  <a:pt x="2607076" y="291900"/>
+                  <a:pt x="3240350" y="35928"/>
+                </a:cubicBezTo>
+              </a:path>
+            </a:pathLst>
+          </a:custGeom>
+          <a:ln w="38100">
+            <a:solidFill>
+              <a:schemeClr val="accent2">
+                <a:lumMod val="75000"/>
+              </a:schemeClr>
+            </a:solidFill>
+          </a:ln>
+        </p:spPr>
+        <p:style>
+          <a:lnRef idx="1">
+            <a:schemeClr val="accent2"/>
+          </a:lnRef>
+          <a:fillRef idx="0">
+            <a:schemeClr val="accent2"/>
+          </a:fillRef>
+          <a:effectRef idx="0">
+            <a:schemeClr val="accent2"/>
+          </a:effectRef>
+          <a:fontRef idx="minor">
+            <a:schemeClr val="tx1"/>
+          </a:fontRef>
+        </p:style>
+        <p:txBody>
+          <a:bodyPr rtlCol="0" anchor="ctr"/>
+          <a:lstStyle/>
+          <a:p>
+            <a:pPr algn="ctr"/>
+            <a:endParaRPr lang="de-CH"/>
+          </a:p>
+        </p:txBody>
+      </p:sp>
+      <p:grpSp>
+        <p:nvGrpSpPr>
+          <p:cNvPr id="38" name="Gruppieren 37">
+            <a:extLst>
+              <a:ext uri="{FF2B5EF4-FFF2-40B4-BE49-F238E27FC236}">
+                <a16:creationId xmlns:a16="http://schemas.microsoft.com/office/drawing/2014/main" id="{950CE234-F2D8-4A11-8F2F-D1F1FA92005E}"/>
+              </a:ext>
+            </a:extLst>
+          </p:cNvPr>
+          <p:cNvGrpSpPr/>
+          <p:nvPr/>
+        </p:nvGrpSpPr>
+        <p:grpSpPr>
+          <a:xfrm>
+            <a:off x="6628663" y="5142395"/>
+            <a:ext cx="3610431" cy="1342637"/>
+            <a:chOff x="5765904" y="4664887"/>
+            <a:chExt cx="3610431" cy="1342637"/>
+          </a:xfrm>
+        </p:grpSpPr>
+        <p:grpSp>
+          <p:nvGrpSpPr>
+            <p:cNvPr id="30" name="Gruppieren 29">
+              <a:extLst>
+                <a:ext uri="{FF2B5EF4-FFF2-40B4-BE49-F238E27FC236}">
+                  <a16:creationId xmlns:a16="http://schemas.microsoft.com/office/drawing/2014/main" id="{42B41345-C430-455C-A826-4AA2B5A2FAC5}"/>
+                </a:ext>
+              </a:extLst>
+            </p:cNvPr>
+            <p:cNvGrpSpPr/>
+            <p:nvPr/>
+          </p:nvGrpSpPr>
+          <p:grpSpPr>
+            <a:xfrm>
+              <a:off x="9257608" y="5335516"/>
+              <a:ext cx="118727" cy="254831"/>
+              <a:chOff x="9087092" y="5470329"/>
+              <a:chExt cx="118727" cy="254831"/>
+            </a:xfrm>
+          </p:grpSpPr>
+          <p:cxnSp>
+            <p:nvCxnSpPr>
+              <p:cNvPr id="17" name="Gerader Verbinder 16">
+                <a:extLst>
+                  <a:ext uri="{FF2B5EF4-FFF2-40B4-BE49-F238E27FC236}">
+                    <a16:creationId xmlns:a16="http://schemas.microsoft.com/office/drawing/2014/main" id="{7A8989A8-F69D-4776-A321-7DD37F1F24BF}"/>
+                  </a:ext>
+                </a:extLst>
+              </p:cNvPr>
+              <p:cNvCxnSpPr/>
+              <p:nvPr/>
+            </p:nvCxnSpPr>
+            <p:spPr>
+              <a:xfrm>
+                <a:off x="9146092" y="5477903"/>
+                <a:ext cx="59727" cy="247257"/>
+              </a:xfrm>
+              <a:prstGeom prst="line">
+                <a:avLst/>
+              </a:prstGeom>
+            </p:spPr>
+            <p:style>
+              <a:lnRef idx="1">
+                <a:schemeClr val="accent2"/>
+              </a:lnRef>
+              <a:fillRef idx="0">
+                <a:schemeClr val="accent2"/>
+              </a:fillRef>
+              <a:effectRef idx="0">
+                <a:schemeClr val="accent2"/>
+              </a:effectRef>
+              <a:fontRef idx="minor">
+                <a:schemeClr val="tx1"/>
+              </a:fontRef>
+            </p:style>
+          </p:cxnSp>
+          <p:grpSp>
+            <p:nvGrpSpPr>
+              <p:cNvPr id="29" name="Gruppieren 28">
+                <a:extLst>
+                  <a:ext uri="{FF2B5EF4-FFF2-40B4-BE49-F238E27FC236}">
+                    <a16:creationId xmlns:a16="http://schemas.microsoft.com/office/drawing/2014/main" id="{427A6699-2DF2-44DF-A6DD-506D3E928E55}"/>
+                  </a:ext>
+                </a:extLst>
+              </p:cNvPr>
+              <p:cNvGrpSpPr/>
+              <p:nvPr/>
+            </p:nvGrpSpPr>
+            <p:grpSpPr>
+              <a:xfrm>
+                <a:off x="9087092" y="5470329"/>
+                <a:ext cx="87940" cy="249751"/>
+                <a:chOff x="9574223" y="5681103"/>
+                <a:chExt cx="87940" cy="249751"/>
+              </a:xfrm>
+            </p:grpSpPr>
+            <p:cxnSp>
+              <p:nvCxnSpPr>
+                <p:cNvPr id="22" name="Gerader Verbinder 21">
+                  <a:extLst>
+                    <a:ext uri="{FF2B5EF4-FFF2-40B4-BE49-F238E27FC236}">
+                      <a16:creationId xmlns:a16="http://schemas.microsoft.com/office/drawing/2014/main" id="{DBD77CF3-11BE-463F-AFB8-D740B568DC13}"/>
+                    </a:ext>
+                  </a:extLst>
+                </p:cNvPr>
+                <p:cNvCxnSpPr>
+                  <a:cxnSpLocks/>
+                </p:cNvCxnSpPr>
+                <p:nvPr/>
+              </p:nvCxnSpPr>
+              <p:spPr>
+                <a:xfrm flipH="1">
+                  <a:off x="9574223" y="5688677"/>
+                  <a:ext cx="53303" cy="234603"/>
+                </a:xfrm>
+                <a:prstGeom prst="line">
+                  <a:avLst/>
+                </a:prstGeom>
+              </p:spPr>
+              <p:style>
+                <a:lnRef idx="1">
+                  <a:schemeClr val="accent2"/>
+                </a:lnRef>
+                <a:fillRef idx="0">
+                  <a:schemeClr val="accent2"/>
+                </a:fillRef>
+                <a:effectRef idx="0">
+                  <a:schemeClr val="accent2"/>
+                </a:effectRef>
+                <a:fontRef idx="minor">
+                  <a:schemeClr val="tx1"/>
+                </a:fontRef>
+              </p:style>
+            </p:cxnSp>
+            <p:cxnSp>
+              <p:nvCxnSpPr>
+                <p:cNvPr id="23" name="Gerader Verbinder 22">
+                  <a:extLst>
+                    <a:ext uri="{FF2B5EF4-FFF2-40B4-BE49-F238E27FC236}">
+                      <a16:creationId xmlns:a16="http://schemas.microsoft.com/office/drawing/2014/main" id="{99FFB983-EFDD-40A5-8C73-13958AD5FC5B}"/>
+                    </a:ext>
+                  </a:extLst>
+                </p:cNvPr>
+                <p:cNvCxnSpPr>
+                  <a:cxnSpLocks/>
+                </p:cNvCxnSpPr>
+                <p:nvPr/>
+              </p:nvCxnSpPr>
+              <p:spPr>
+                <a:xfrm>
+                  <a:off x="9627833" y="5681103"/>
+                  <a:ext cx="0" cy="242177"/>
+                </a:xfrm>
+                <a:prstGeom prst="line">
+                  <a:avLst/>
+                </a:prstGeom>
+              </p:spPr>
+              <p:style>
+                <a:lnRef idx="1">
+                  <a:schemeClr val="accent2"/>
+                </a:lnRef>
+                <a:fillRef idx="0">
+                  <a:schemeClr val="accent2"/>
+                </a:fillRef>
+                <a:effectRef idx="0">
+                  <a:schemeClr val="accent2"/>
+                </a:effectRef>
+                <a:fontRef idx="minor">
+                  <a:schemeClr val="tx1"/>
+                </a:fontRef>
+              </p:style>
+            </p:cxnSp>
+            <p:cxnSp>
+              <p:nvCxnSpPr>
+                <p:cNvPr id="24" name="Gerader Verbinder 23">
+                  <a:extLst>
+                    <a:ext uri="{FF2B5EF4-FFF2-40B4-BE49-F238E27FC236}">
+                      <a16:creationId xmlns:a16="http://schemas.microsoft.com/office/drawing/2014/main" id="{587C4A09-9D24-4117-933C-49189F25C201}"/>
+                    </a:ext>
+                  </a:extLst>
+                </p:cNvPr>
+                <p:cNvCxnSpPr>
+                  <a:cxnSpLocks/>
+                </p:cNvCxnSpPr>
+                <p:nvPr/>
+              </p:nvCxnSpPr>
+              <p:spPr>
+                <a:xfrm>
+                  <a:off x="9633532" y="5688677"/>
+                  <a:ext cx="28631" cy="242177"/>
+                </a:xfrm>
+                <a:prstGeom prst="line">
+                  <a:avLst/>
+                </a:prstGeom>
+              </p:spPr>
+              <p:style>
+                <a:lnRef idx="1">
+                  <a:schemeClr val="accent2"/>
+                </a:lnRef>
+                <a:fillRef idx="0">
+                  <a:schemeClr val="accent2"/>
+                </a:fillRef>
+                <a:effectRef idx="0">
+                  <a:schemeClr val="accent2"/>
+                </a:effectRef>
+                <a:fontRef idx="minor">
+                  <a:schemeClr val="tx1"/>
+                </a:fontRef>
+              </p:style>
+            </p:cxnSp>
+          </p:grpSp>
+        </p:grpSp>
+        <p:sp>
+          <p:nvSpPr>
+            <p:cNvPr id="14" name="Bogen 13">
+              <a:extLst>
+                <a:ext uri="{FF2B5EF4-FFF2-40B4-BE49-F238E27FC236}">
+                  <a16:creationId xmlns:a16="http://schemas.microsoft.com/office/drawing/2014/main" id="{81EE660A-6B67-40C3-B29F-8F9E6C85A14C}"/>
+                </a:ext>
+              </a:extLst>
+            </p:cNvPr>
+            <p:cNvSpPr/>
+            <p:nvPr/>
+          </p:nvSpPr>
+          <p:spPr>
+            <a:xfrm>
+              <a:off x="5765904" y="4703419"/>
+              <a:ext cx="3551068" cy="1304105"/>
+            </a:xfrm>
+            <a:prstGeom prst="arc">
+              <a:avLst/>
+            </a:prstGeom>
+            <a:ln w="57150">
+              <a:solidFill>
+                <a:srgbClr val="FF0000"/>
+              </a:solidFill>
+            </a:ln>
+          </p:spPr>
+          <p:style>
+            <a:lnRef idx="1">
+              <a:schemeClr val="accent1"/>
+            </a:lnRef>
+            <a:fillRef idx="0">
+              <a:schemeClr val="accent1"/>
+            </a:fillRef>
+            <a:effectRef idx="0">
+              <a:schemeClr val="accent1"/>
+            </a:effectRef>
+            <a:fontRef idx="minor">
+              <a:schemeClr val="tx1"/>
+            </a:fontRef>
+          </p:style>
+          <p:txBody>
+            <a:bodyPr rtlCol="0" anchor="ctr"/>
+            <a:lstStyle/>
+            <a:p>
+              <a:pPr algn="ctr"/>
+              <a:endParaRPr lang="de-CH"/>
+            </a:p>
+          </p:txBody>
+        </p:sp>
+        <p:grpSp>
+          <p:nvGrpSpPr>
+            <p:cNvPr id="32" name="Gruppieren 31">
+              <a:extLst>
+                <a:ext uri="{FF2B5EF4-FFF2-40B4-BE49-F238E27FC236}">
+                  <a16:creationId xmlns:a16="http://schemas.microsoft.com/office/drawing/2014/main" id="{2E45A633-5958-4206-BFC4-E3E0583C3F0A}"/>
+                </a:ext>
+              </a:extLst>
+            </p:cNvPr>
+            <p:cNvGrpSpPr/>
+            <p:nvPr/>
+          </p:nvGrpSpPr>
+          <p:grpSpPr>
+            <a:xfrm rot="4991125">
+              <a:off x="7406732" y="4596835"/>
+              <a:ext cx="118727" cy="254831"/>
+              <a:chOff x="9087092" y="5470329"/>
+              <a:chExt cx="118727" cy="254831"/>
+            </a:xfrm>
+          </p:grpSpPr>
+          <p:cxnSp>
+            <p:nvCxnSpPr>
+              <p:cNvPr id="33" name="Gerader Verbinder 32">
+                <a:extLst>
+                  <a:ext uri="{FF2B5EF4-FFF2-40B4-BE49-F238E27FC236}">
+                    <a16:creationId xmlns:a16="http://schemas.microsoft.com/office/drawing/2014/main" id="{880C92DE-5DBE-4A48-B722-F0AEADD24297}"/>
+                  </a:ext>
+                </a:extLst>
+              </p:cNvPr>
+              <p:cNvCxnSpPr/>
+              <p:nvPr/>
+            </p:nvCxnSpPr>
+            <p:spPr>
+              <a:xfrm>
+                <a:off x="9146092" y="5477903"/>
+                <a:ext cx="59727" cy="247257"/>
+              </a:xfrm>
+              <a:prstGeom prst="line">
+                <a:avLst/>
+              </a:prstGeom>
+            </p:spPr>
+            <p:style>
+              <a:lnRef idx="1">
+                <a:schemeClr val="accent2"/>
+              </a:lnRef>
+              <a:fillRef idx="0">
+                <a:schemeClr val="accent2"/>
+              </a:fillRef>
+              <a:effectRef idx="0">
+                <a:schemeClr val="accent2"/>
+              </a:effectRef>
+              <a:fontRef idx="minor">
+                <a:schemeClr val="tx1"/>
+              </a:fontRef>
+            </p:style>
+          </p:cxnSp>
+          <p:grpSp>
+            <p:nvGrpSpPr>
+              <p:cNvPr id="34" name="Gruppieren 33">
+                <a:extLst>
+                  <a:ext uri="{FF2B5EF4-FFF2-40B4-BE49-F238E27FC236}">
+                    <a16:creationId xmlns:a16="http://schemas.microsoft.com/office/drawing/2014/main" id="{0B3CABD8-443A-4C00-9BE8-8667C3CF0163}"/>
+                  </a:ext>
+                </a:extLst>
+              </p:cNvPr>
+              <p:cNvGrpSpPr/>
+              <p:nvPr/>
+            </p:nvGrpSpPr>
+            <p:grpSpPr>
+              <a:xfrm>
+                <a:off x="9087092" y="5470329"/>
+                <a:ext cx="87940" cy="249751"/>
+                <a:chOff x="9574223" y="5681103"/>
+                <a:chExt cx="87940" cy="249751"/>
+              </a:xfrm>
+            </p:grpSpPr>
+            <p:cxnSp>
+              <p:nvCxnSpPr>
+                <p:cNvPr id="35" name="Gerader Verbinder 34">
+                  <a:extLst>
+                    <a:ext uri="{FF2B5EF4-FFF2-40B4-BE49-F238E27FC236}">
+                      <a16:creationId xmlns:a16="http://schemas.microsoft.com/office/drawing/2014/main" id="{07B8001F-6DEE-4C2B-9D88-174B05B2D615}"/>
+                    </a:ext>
+                  </a:extLst>
+                </p:cNvPr>
+                <p:cNvCxnSpPr>
+                  <a:cxnSpLocks/>
+                </p:cNvCxnSpPr>
+                <p:nvPr/>
+              </p:nvCxnSpPr>
+              <p:spPr>
+                <a:xfrm flipH="1">
+                  <a:off x="9574223" y="5688677"/>
+                  <a:ext cx="53303" cy="234603"/>
+                </a:xfrm>
+                <a:prstGeom prst="line">
+                  <a:avLst/>
+                </a:prstGeom>
+              </p:spPr>
+              <p:style>
+                <a:lnRef idx="1">
+                  <a:schemeClr val="accent2"/>
+                </a:lnRef>
+                <a:fillRef idx="0">
+                  <a:schemeClr val="accent2"/>
+                </a:fillRef>
+                <a:effectRef idx="0">
+                  <a:schemeClr val="accent2"/>
+                </a:effectRef>
+                <a:fontRef idx="minor">
+                  <a:schemeClr val="tx1"/>
+                </a:fontRef>
+              </p:style>
+            </p:cxnSp>
+            <p:cxnSp>
+              <p:nvCxnSpPr>
+                <p:cNvPr id="36" name="Gerader Verbinder 35">
+                  <a:extLst>
+                    <a:ext uri="{FF2B5EF4-FFF2-40B4-BE49-F238E27FC236}">
+                      <a16:creationId xmlns:a16="http://schemas.microsoft.com/office/drawing/2014/main" id="{137E0C27-52EB-450B-B204-83BB650CC7F9}"/>
+                    </a:ext>
+                  </a:extLst>
+                </p:cNvPr>
+                <p:cNvCxnSpPr>
+                  <a:cxnSpLocks/>
+                </p:cNvCxnSpPr>
+                <p:nvPr/>
+              </p:nvCxnSpPr>
+              <p:spPr>
+                <a:xfrm>
+                  <a:off x="9627833" y="5681103"/>
+                  <a:ext cx="0" cy="242177"/>
+                </a:xfrm>
+                <a:prstGeom prst="line">
+                  <a:avLst/>
+                </a:prstGeom>
+              </p:spPr>
+              <p:style>
+                <a:lnRef idx="1">
+                  <a:schemeClr val="accent2"/>
+                </a:lnRef>
+                <a:fillRef idx="0">
+                  <a:schemeClr val="accent2"/>
+                </a:fillRef>
+                <a:effectRef idx="0">
+                  <a:schemeClr val="accent2"/>
+                </a:effectRef>
+                <a:fontRef idx="minor">
+                  <a:schemeClr val="tx1"/>
+                </a:fontRef>
+              </p:style>
+            </p:cxnSp>
+            <p:cxnSp>
+              <p:nvCxnSpPr>
+                <p:cNvPr id="37" name="Gerader Verbinder 36">
+                  <a:extLst>
+                    <a:ext uri="{FF2B5EF4-FFF2-40B4-BE49-F238E27FC236}">
+                      <a16:creationId xmlns:a16="http://schemas.microsoft.com/office/drawing/2014/main" id="{8EE24DFC-D5F1-4D75-8EC7-5C613F509C75}"/>
+                    </a:ext>
+                  </a:extLst>
+                </p:cNvPr>
+                <p:cNvCxnSpPr>
+                  <a:cxnSpLocks/>
+                </p:cNvCxnSpPr>
+                <p:nvPr/>
+              </p:nvCxnSpPr>
+              <p:spPr>
+                <a:xfrm>
+                  <a:off x="9633532" y="5688677"/>
+                  <a:ext cx="28631" cy="242177"/>
+                </a:xfrm>
+                <a:prstGeom prst="line">
+                  <a:avLst/>
+                </a:prstGeom>
+              </p:spPr>
+              <p:style>
+                <a:lnRef idx="1">
+                  <a:schemeClr val="accent2"/>
+                </a:lnRef>
+                <a:fillRef idx="0">
+                  <a:schemeClr val="accent2"/>
+                </a:fillRef>
+                <a:effectRef idx="0">
+                  <a:schemeClr val="accent2"/>
+                </a:effectRef>
+                <a:fontRef idx="minor">
+                  <a:schemeClr val="tx1"/>
+                </a:fontRef>
+              </p:style>
+            </p:cxnSp>
+          </p:grpSp>
+        </p:grpSp>
+      </p:grpSp>
+      <p:grpSp>
+        <p:nvGrpSpPr>
+          <p:cNvPr id="39" name="Gruppieren 38">
+            <a:extLst>
+              <a:ext uri="{FF2B5EF4-FFF2-40B4-BE49-F238E27FC236}">
+                <a16:creationId xmlns:a16="http://schemas.microsoft.com/office/drawing/2014/main" id="{B4FCFECB-78A3-4AC5-8AB9-EECF39991878}"/>
+              </a:ext>
+            </a:extLst>
+          </p:cNvPr>
+          <p:cNvGrpSpPr/>
+          <p:nvPr/>
+        </p:nvGrpSpPr>
+        <p:grpSpPr>
+          <a:xfrm>
+            <a:off x="5435996" y="5526708"/>
+            <a:ext cx="3610431" cy="1342637"/>
+            <a:chOff x="5765904" y="4664887"/>
+            <a:chExt cx="3610431" cy="1342637"/>
+          </a:xfrm>
+        </p:grpSpPr>
+        <p:grpSp>
+          <p:nvGrpSpPr>
+            <p:cNvPr id="40" name="Gruppieren 39">
+              <a:extLst>
+                <a:ext uri="{FF2B5EF4-FFF2-40B4-BE49-F238E27FC236}">
+                  <a16:creationId xmlns:a16="http://schemas.microsoft.com/office/drawing/2014/main" id="{7E2F037B-638E-4AF3-87DA-B281C54A5CEC}"/>
+                </a:ext>
+              </a:extLst>
+            </p:cNvPr>
+            <p:cNvGrpSpPr/>
+            <p:nvPr/>
+          </p:nvGrpSpPr>
+          <p:grpSpPr>
+            <a:xfrm>
+              <a:off x="9257608" y="5335516"/>
+              <a:ext cx="118727" cy="254831"/>
+              <a:chOff x="9087092" y="5470329"/>
+              <a:chExt cx="118727" cy="254831"/>
+            </a:xfrm>
+          </p:grpSpPr>
+          <p:cxnSp>
+            <p:nvCxnSpPr>
+              <p:cNvPr id="48" name="Gerader Verbinder 47">
+                <a:extLst>
+                  <a:ext uri="{FF2B5EF4-FFF2-40B4-BE49-F238E27FC236}">
+                    <a16:creationId xmlns:a16="http://schemas.microsoft.com/office/drawing/2014/main" id="{5507FD7D-EE29-4593-8AB7-9FD231A655C4}"/>
+                  </a:ext>
+                </a:extLst>
+              </p:cNvPr>
+              <p:cNvCxnSpPr/>
+              <p:nvPr/>
+            </p:nvCxnSpPr>
+            <p:spPr>
+              <a:xfrm>
+                <a:off x="9146092" y="5477903"/>
+                <a:ext cx="59727" cy="247257"/>
+              </a:xfrm>
+              <a:prstGeom prst="line">
+                <a:avLst/>
+              </a:prstGeom>
+            </p:spPr>
+            <p:style>
+              <a:lnRef idx="1">
+                <a:schemeClr val="accent2"/>
+              </a:lnRef>
+              <a:fillRef idx="0">
+                <a:schemeClr val="accent2"/>
+              </a:fillRef>
+              <a:effectRef idx="0">
+                <a:schemeClr val="accent2"/>
+              </a:effectRef>
+              <a:fontRef idx="minor">
+                <a:schemeClr val="tx1"/>
+              </a:fontRef>
+            </p:style>
+          </p:cxnSp>
+          <p:grpSp>
+            <p:nvGrpSpPr>
+              <p:cNvPr id="49" name="Gruppieren 48">
+                <a:extLst>
+                  <a:ext uri="{FF2B5EF4-FFF2-40B4-BE49-F238E27FC236}">
+                    <a16:creationId xmlns:a16="http://schemas.microsoft.com/office/drawing/2014/main" id="{3D1D8D9F-F3EE-462C-AC25-ED7A50D3EDA1}"/>
+                  </a:ext>
+                </a:extLst>
+              </p:cNvPr>
+              <p:cNvGrpSpPr/>
+              <p:nvPr/>
+            </p:nvGrpSpPr>
+            <p:grpSpPr>
+              <a:xfrm>
+                <a:off x="9087092" y="5470329"/>
+                <a:ext cx="87940" cy="249751"/>
+                <a:chOff x="9574223" y="5681103"/>
+                <a:chExt cx="87940" cy="249751"/>
+              </a:xfrm>
+            </p:grpSpPr>
+            <p:cxnSp>
+              <p:nvCxnSpPr>
+                <p:cNvPr id="50" name="Gerader Verbinder 49">
+                  <a:extLst>
+                    <a:ext uri="{FF2B5EF4-FFF2-40B4-BE49-F238E27FC236}">
+                      <a16:creationId xmlns:a16="http://schemas.microsoft.com/office/drawing/2014/main" id="{FB5D3346-E42D-493A-90EE-D519EB9B3555}"/>
+                    </a:ext>
+                  </a:extLst>
+                </p:cNvPr>
+                <p:cNvCxnSpPr>
+                  <a:cxnSpLocks/>
+                </p:cNvCxnSpPr>
+                <p:nvPr/>
+              </p:nvCxnSpPr>
+              <p:spPr>
+                <a:xfrm flipH="1">
+                  <a:off x="9574223" y="5688677"/>
+                  <a:ext cx="53303" cy="234603"/>
+                </a:xfrm>
+                <a:prstGeom prst="line">
+                  <a:avLst/>
+                </a:prstGeom>
+              </p:spPr>
+              <p:style>
+                <a:lnRef idx="1">
+                  <a:schemeClr val="accent2"/>
+                </a:lnRef>
+                <a:fillRef idx="0">
+                  <a:schemeClr val="accent2"/>
+                </a:fillRef>
+                <a:effectRef idx="0">
+                  <a:schemeClr val="accent2"/>
+                </a:effectRef>
+                <a:fontRef idx="minor">
+                  <a:schemeClr val="tx1"/>
+                </a:fontRef>
+              </p:style>
+            </p:cxnSp>
+            <p:cxnSp>
+              <p:nvCxnSpPr>
+                <p:cNvPr id="51" name="Gerader Verbinder 50">
+                  <a:extLst>
+                    <a:ext uri="{FF2B5EF4-FFF2-40B4-BE49-F238E27FC236}">
+                      <a16:creationId xmlns:a16="http://schemas.microsoft.com/office/drawing/2014/main" id="{B849E7F7-6718-495E-B45E-1DDA402297D8}"/>
+                    </a:ext>
+                  </a:extLst>
+                </p:cNvPr>
+                <p:cNvCxnSpPr>
+                  <a:cxnSpLocks/>
+                </p:cNvCxnSpPr>
+                <p:nvPr/>
+              </p:nvCxnSpPr>
+              <p:spPr>
+                <a:xfrm>
+                  <a:off x="9627833" y="5681103"/>
+                  <a:ext cx="0" cy="242177"/>
+                </a:xfrm>
+                <a:prstGeom prst="line">
+                  <a:avLst/>
+                </a:prstGeom>
+              </p:spPr>
+              <p:style>
+                <a:lnRef idx="1">
+                  <a:schemeClr val="accent2"/>
+                </a:lnRef>
+                <a:fillRef idx="0">
+                  <a:schemeClr val="accent2"/>
+                </a:fillRef>
+                <a:effectRef idx="0">
+                  <a:schemeClr val="accent2"/>
+                </a:effectRef>
+                <a:fontRef idx="minor">
+                  <a:schemeClr val="tx1"/>
+                </a:fontRef>
+              </p:style>
+            </p:cxnSp>
+            <p:cxnSp>
+              <p:nvCxnSpPr>
+                <p:cNvPr id="52" name="Gerader Verbinder 51">
+                  <a:extLst>
+                    <a:ext uri="{FF2B5EF4-FFF2-40B4-BE49-F238E27FC236}">
+                      <a16:creationId xmlns:a16="http://schemas.microsoft.com/office/drawing/2014/main" id="{F2A20767-E019-4088-AF7C-4B9A93CADEB9}"/>
+                    </a:ext>
+                  </a:extLst>
+                </p:cNvPr>
+                <p:cNvCxnSpPr>
+                  <a:cxnSpLocks/>
+                </p:cNvCxnSpPr>
+                <p:nvPr/>
+              </p:nvCxnSpPr>
+              <p:spPr>
+                <a:xfrm>
+                  <a:off x="9633532" y="5688677"/>
+                  <a:ext cx="28631" cy="242177"/>
+                </a:xfrm>
+                <a:prstGeom prst="line">
+                  <a:avLst/>
+                </a:prstGeom>
+              </p:spPr>
+              <p:style>
+                <a:lnRef idx="1">
+                  <a:schemeClr val="accent2"/>
+                </a:lnRef>
+                <a:fillRef idx="0">
+                  <a:schemeClr val="accent2"/>
+                </a:fillRef>
+                <a:effectRef idx="0">
+                  <a:schemeClr val="accent2"/>
+                </a:effectRef>
+                <a:fontRef idx="minor">
+                  <a:schemeClr val="tx1"/>
+                </a:fontRef>
+              </p:style>
+            </p:cxnSp>
+          </p:grpSp>
+        </p:grpSp>
+        <p:sp>
+          <p:nvSpPr>
+            <p:cNvPr id="41" name="Bogen 40">
+              <a:extLst>
+                <a:ext uri="{FF2B5EF4-FFF2-40B4-BE49-F238E27FC236}">
+                  <a16:creationId xmlns:a16="http://schemas.microsoft.com/office/drawing/2014/main" id="{2259DA07-56E6-49E6-8F99-12C356C1C26C}"/>
+                </a:ext>
+              </a:extLst>
+            </p:cNvPr>
+            <p:cNvSpPr/>
+            <p:nvPr/>
+          </p:nvSpPr>
+          <p:spPr>
+            <a:xfrm>
+              <a:off x="5765904" y="4703419"/>
+              <a:ext cx="3551068" cy="1304105"/>
+            </a:xfrm>
+            <a:prstGeom prst="arc">
+              <a:avLst/>
+            </a:prstGeom>
+            <a:ln w="57150">
+              <a:solidFill>
+                <a:srgbClr val="FF0000"/>
+              </a:solidFill>
+            </a:ln>
+          </p:spPr>
+          <p:style>
+            <a:lnRef idx="1">
+              <a:schemeClr val="accent1"/>
+            </a:lnRef>
+            <a:fillRef idx="0">
+              <a:schemeClr val="accent1"/>
+            </a:fillRef>
+            <a:effectRef idx="0">
+              <a:schemeClr val="accent1"/>
+            </a:effectRef>
+            <a:fontRef idx="minor">
+              <a:schemeClr val="tx1"/>
+            </a:fontRef>
+          </p:style>
+          <p:txBody>
+            <a:bodyPr rtlCol="0" anchor="ctr"/>
+            <a:lstStyle/>
+            <a:p>
+              <a:pPr algn="ctr"/>
+              <a:endParaRPr lang="de-CH"/>
+            </a:p>
+          </p:txBody>
+        </p:sp>
+        <p:grpSp>
+          <p:nvGrpSpPr>
+            <p:cNvPr id="42" name="Gruppieren 41">
+              <a:extLst>
+                <a:ext uri="{FF2B5EF4-FFF2-40B4-BE49-F238E27FC236}">
+                  <a16:creationId xmlns:a16="http://schemas.microsoft.com/office/drawing/2014/main" id="{52CD44DB-EA3A-43B5-BFB7-8192BF9E222F}"/>
+                </a:ext>
+              </a:extLst>
+            </p:cNvPr>
+            <p:cNvGrpSpPr/>
+            <p:nvPr/>
+          </p:nvGrpSpPr>
+          <p:grpSpPr>
+            <a:xfrm rot="4991125">
+              <a:off x="7406732" y="4596835"/>
+              <a:ext cx="118727" cy="254831"/>
+              <a:chOff x="9087092" y="5470329"/>
+              <a:chExt cx="118727" cy="254831"/>
+            </a:xfrm>
+          </p:grpSpPr>
+          <p:cxnSp>
+            <p:nvCxnSpPr>
+              <p:cNvPr id="43" name="Gerader Verbinder 42">
+                <a:extLst>
+                  <a:ext uri="{FF2B5EF4-FFF2-40B4-BE49-F238E27FC236}">
+                    <a16:creationId xmlns:a16="http://schemas.microsoft.com/office/drawing/2014/main" id="{A85DC58F-A141-4BA2-9660-E5620A2006C8}"/>
+                  </a:ext>
+                </a:extLst>
+              </p:cNvPr>
+              <p:cNvCxnSpPr/>
+              <p:nvPr/>
+            </p:nvCxnSpPr>
+            <p:spPr>
+              <a:xfrm>
+                <a:off x="9146092" y="5477903"/>
+                <a:ext cx="59727" cy="247257"/>
+              </a:xfrm>
+              <a:prstGeom prst="line">
+                <a:avLst/>
+              </a:prstGeom>
+            </p:spPr>
+            <p:style>
+              <a:lnRef idx="1">
+                <a:schemeClr val="accent2"/>
+              </a:lnRef>
+              <a:fillRef idx="0">
+                <a:schemeClr val="accent2"/>
+              </a:fillRef>
+              <a:effectRef idx="0">
+                <a:schemeClr val="accent2"/>
+              </a:effectRef>
+              <a:fontRef idx="minor">
+                <a:schemeClr val="tx1"/>
+              </a:fontRef>
+            </p:style>
+          </p:cxnSp>
+          <p:grpSp>
+            <p:nvGrpSpPr>
+              <p:cNvPr id="44" name="Gruppieren 43">
+                <a:extLst>
+                  <a:ext uri="{FF2B5EF4-FFF2-40B4-BE49-F238E27FC236}">
+                    <a16:creationId xmlns:a16="http://schemas.microsoft.com/office/drawing/2014/main" id="{78194D53-9C7C-4B9E-AC16-0AFBAB1787C4}"/>
+                  </a:ext>
+                </a:extLst>
+              </p:cNvPr>
+              <p:cNvGrpSpPr/>
+              <p:nvPr/>
+            </p:nvGrpSpPr>
+            <p:grpSpPr>
+              <a:xfrm>
+                <a:off x="9087092" y="5470329"/>
+                <a:ext cx="87940" cy="249751"/>
+                <a:chOff x="9574223" y="5681103"/>
+                <a:chExt cx="87940" cy="249751"/>
+              </a:xfrm>
+            </p:grpSpPr>
+            <p:cxnSp>
+              <p:nvCxnSpPr>
+                <p:cNvPr id="45" name="Gerader Verbinder 44">
+                  <a:extLst>
+                    <a:ext uri="{FF2B5EF4-FFF2-40B4-BE49-F238E27FC236}">
+                      <a16:creationId xmlns:a16="http://schemas.microsoft.com/office/drawing/2014/main" id="{51D58B78-C9CF-45D9-9435-442655A0E76D}"/>
+                    </a:ext>
+                  </a:extLst>
+                </p:cNvPr>
+                <p:cNvCxnSpPr>
+                  <a:cxnSpLocks/>
+                </p:cNvCxnSpPr>
+                <p:nvPr/>
+              </p:nvCxnSpPr>
+              <p:spPr>
+                <a:xfrm flipH="1">
+                  <a:off x="9574223" y="5688677"/>
+                  <a:ext cx="53303" cy="234603"/>
+                </a:xfrm>
+                <a:prstGeom prst="line">
+                  <a:avLst/>
+                </a:prstGeom>
+              </p:spPr>
+              <p:style>
+                <a:lnRef idx="1">
+                  <a:schemeClr val="accent2"/>
+                </a:lnRef>
+                <a:fillRef idx="0">
+                  <a:schemeClr val="accent2"/>
+                </a:fillRef>
+                <a:effectRef idx="0">
+                  <a:schemeClr val="accent2"/>
+                </a:effectRef>
+                <a:fontRef idx="minor">
+                  <a:schemeClr val="tx1"/>
+                </a:fontRef>
+              </p:style>
+            </p:cxnSp>
+            <p:cxnSp>
+              <p:nvCxnSpPr>
+                <p:cNvPr id="46" name="Gerader Verbinder 45">
+                  <a:extLst>
+                    <a:ext uri="{FF2B5EF4-FFF2-40B4-BE49-F238E27FC236}">
+                      <a16:creationId xmlns:a16="http://schemas.microsoft.com/office/drawing/2014/main" id="{B91A7786-1D07-40DB-847C-A44AFC63E527}"/>
+                    </a:ext>
+                  </a:extLst>
+                </p:cNvPr>
+                <p:cNvCxnSpPr>
+                  <a:cxnSpLocks/>
+                </p:cNvCxnSpPr>
+                <p:nvPr/>
+              </p:nvCxnSpPr>
+              <p:spPr>
+                <a:xfrm>
+                  <a:off x="9627833" y="5681103"/>
+                  <a:ext cx="0" cy="242177"/>
+                </a:xfrm>
+                <a:prstGeom prst="line">
+                  <a:avLst/>
+                </a:prstGeom>
+              </p:spPr>
+              <p:style>
+                <a:lnRef idx="1">
+                  <a:schemeClr val="accent2"/>
+                </a:lnRef>
+                <a:fillRef idx="0">
+                  <a:schemeClr val="accent2"/>
+                </a:fillRef>
+                <a:effectRef idx="0">
+                  <a:schemeClr val="accent2"/>
+                </a:effectRef>
+                <a:fontRef idx="minor">
+                  <a:schemeClr val="tx1"/>
+                </a:fontRef>
+              </p:style>
+            </p:cxnSp>
+            <p:cxnSp>
+              <p:nvCxnSpPr>
+                <p:cNvPr id="47" name="Gerader Verbinder 46">
+                  <a:extLst>
+                    <a:ext uri="{FF2B5EF4-FFF2-40B4-BE49-F238E27FC236}">
+                      <a16:creationId xmlns:a16="http://schemas.microsoft.com/office/drawing/2014/main" id="{B84ED4FD-D74E-4C94-AB48-AE289943F05B}"/>
+                    </a:ext>
+                  </a:extLst>
+                </p:cNvPr>
+                <p:cNvCxnSpPr>
+                  <a:cxnSpLocks/>
+                </p:cNvCxnSpPr>
+                <p:nvPr/>
+              </p:nvCxnSpPr>
+              <p:spPr>
+                <a:xfrm>
+                  <a:off x="9633532" y="5688677"/>
+                  <a:ext cx="28631" cy="242177"/>
+                </a:xfrm>
+                <a:prstGeom prst="line">
+                  <a:avLst/>
+                </a:prstGeom>
+              </p:spPr>
+              <p:style>
+                <a:lnRef idx="1">
+                  <a:schemeClr val="accent2"/>
+                </a:lnRef>
+                <a:fillRef idx="0">
+                  <a:schemeClr val="accent2"/>
+                </a:fillRef>
+                <a:effectRef idx="0">
+                  <a:schemeClr val="accent2"/>
+                </a:effectRef>
+                <a:fontRef idx="minor">
+                  <a:schemeClr val="tx1"/>
+                </a:fontRef>
+              </p:style>
+            </p:cxnSp>
+          </p:grpSp>
+        </p:grpSp>
+      </p:grpSp>
+      <p:sp>
+        <p:nvSpPr>
+          <p:cNvPr id="53" name="Textfeld 52">
+            <a:extLst>
+              <a:ext uri="{FF2B5EF4-FFF2-40B4-BE49-F238E27FC236}">
+                <a16:creationId xmlns:a16="http://schemas.microsoft.com/office/drawing/2014/main" id="{FA6E63EF-9C1E-4B76-A8E8-1F3CBFC00283}"/>
+              </a:ext>
+            </a:extLst>
+          </p:cNvPr>
+          <p:cNvSpPr txBox="1"/>
+          <p:nvPr/>
+        </p:nvSpPr>
+        <p:spPr>
+          <a:xfrm>
+            <a:off x="568960" y="203200"/>
+            <a:ext cx="2265680" cy="369332"/>
+          </a:xfrm>
+          <a:prstGeom prst="rect">
+            <a:avLst/>
+          </a:prstGeom>
+          <a:noFill/>
+        </p:spPr>
+        <p:txBody>
+          <a:bodyPr wrap="square" rtlCol="0">
+            <a:spAutoFit/>
+          </a:bodyPr>
+          <a:lstStyle/>
+          <a:p>
+            <a:r>
+              <a:rPr lang="de-CH" dirty="0"/>
+              <a:t>Paper</a:t>
+            </a:r>
+          </a:p>
+        </p:txBody>
+      </p:sp>
+      <p:sp>
+        <p:nvSpPr>
+          <p:cNvPr id="54" name="Textfeld 53">
+            <a:extLst>
+              <a:ext uri="{FF2B5EF4-FFF2-40B4-BE49-F238E27FC236}">
+                <a16:creationId xmlns:a16="http://schemas.microsoft.com/office/drawing/2014/main" id="{5ADFC6E9-6A96-4F50-927B-FFD670F85BA1}"/>
+              </a:ext>
+            </a:extLst>
+          </p:cNvPr>
+          <p:cNvSpPr txBox="1"/>
+          <p:nvPr/>
+        </p:nvSpPr>
+        <p:spPr>
+          <a:xfrm>
+            <a:off x="5606229" y="115254"/>
+            <a:ext cx="2265680" cy="369332"/>
+          </a:xfrm>
+          <a:prstGeom prst="rect">
+            <a:avLst/>
+          </a:prstGeom>
+          <a:noFill/>
+        </p:spPr>
+        <p:txBody>
+          <a:bodyPr wrap="square" rtlCol="0">
+            <a:spAutoFit/>
+          </a:bodyPr>
+          <a:lstStyle/>
+          <a:p>
+            <a:r>
+              <a:rPr lang="de-CH" dirty="0"/>
+              <a:t>8 </a:t>
+            </a:r>
+            <a:r>
+              <a:rPr lang="de-CH" dirty="0" err="1"/>
+              <a:t>Pieces</a:t>
+            </a:r>
+            <a:r>
+              <a:rPr lang="de-CH" dirty="0"/>
+              <a:t> </a:t>
+            </a:r>
+            <a:r>
+              <a:rPr lang="de-CH" dirty="0" err="1"/>
+              <a:t>of</a:t>
+            </a:r>
+            <a:r>
+              <a:rPr lang="de-CH" dirty="0"/>
+              <a:t> Tape</a:t>
+            </a:r>
+          </a:p>
+        </p:txBody>
+      </p:sp>
+      <p:sp>
+        <p:nvSpPr>
+          <p:cNvPr id="55" name="Textfeld 54">
+            <a:extLst>
+              <a:ext uri="{FF2B5EF4-FFF2-40B4-BE49-F238E27FC236}">
+                <a16:creationId xmlns:a16="http://schemas.microsoft.com/office/drawing/2014/main" id="{D0A7386A-822E-42DF-A592-2D7B2D5C83F0}"/>
+              </a:ext>
+            </a:extLst>
+          </p:cNvPr>
+          <p:cNvSpPr txBox="1"/>
+          <p:nvPr/>
+        </p:nvSpPr>
+        <p:spPr>
+          <a:xfrm>
+            <a:off x="489140" y="6020245"/>
+            <a:ext cx="2265680" cy="369332"/>
+          </a:xfrm>
+          <a:prstGeom prst="rect">
+            <a:avLst/>
+          </a:prstGeom>
+          <a:noFill/>
+        </p:spPr>
+        <p:txBody>
+          <a:bodyPr wrap="square" rtlCol="0">
+            <a:spAutoFit/>
+          </a:bodyPr>
+          <a:lstStyle/>
+          <a:p>
+            <a:r>
+              <a:rPr lang="de-CH" dirty="0"/>
+              <a:t>Sample Fiber</a:t>
+            </a:r>
+          </a:p>
+        </p:txBody>
+      </p:sp>
+      <p:sp>
+        <p:nvSpPr>
+          <p:cNvPr id="56" name="Textfeld 55">
+            <a:extLst>
+              <a:ext uri="{FF2B5EF4-FFF2-40B4-BE49-F238E27FC236}">
+                <a16:creationId xmlns:a16="http://schemas.microsoft.com/office/drawing/2014/main" id="{5D6AF702-DA40-4409-9B7E-EE4FAB82161B}"/>
+              </a:ext>
+            </a:extLst>
+          </p:cNvPr>
+          <p:cNvSpPr txBox="1"/>
+          <p:nvPr/>
+        </p:nvSpPr>
+        <p:spPr>
+          <a:xfrm>
+            <a:off x="4403772" y="6141333"/>
+            <a:ext cx="2265680" cy="369332"/>
+          </a:xfrm>
+          <a:prstGeom prst="rect">
+            <a:avLst/>
+          </a:prstGeom>
+          <a:noFill/>
+        </p:spPr>
+        <p:txBody>
+          <a:bodyPr wrap="square" rtlCol="0">
+            <a:spAutoFit/>
+          </a:bodyPr>
+          <a:lstStyle/>
+          <a:p>
+            <a:r>
+              <a:rPr lang="de-CH" dirty="0" err="1"/>
+              <a:t>Silver</a:t>
+            </a:r>
+            <a:r>
+              <a:rPr lang="de-CH" dirty="0"/>
+              <a:t> </a:t>
+            </a:r>
+            <a:r>
+              <a:rPr lang="de-CH" dirty="0" err="1"/>
+              <a:t>Epoxy</a:t>
+            </a:r>
+            <a:endParaRPr lang="de-CH" dirty="0"/>
+          </a:p>
+        </p:txBody>
+      </p:sp>
+      <p:sp>
+        <p:nvSpPr>
+          <p:cNvPr id="57" name="Textfeld 56">
+            <a:extLst>
+              <a:ext uri="{FF2B5EF4-FFF2-40B4-BE49-F238E27FC236}">
+                <a16:creationId xmlns:a16="http://schemas.microsoft.com/office/drawing/2014/main" id="{E4DBF538-E4D2-421D-A09E-18437401E483}"/>
+              </a:ext>
+            </a:extLst>
+          </p:cNvPr>
+          <p:cNvSpPr txBox="1"/>
+          <p:nvPr/>
+        </p:nvSpPr>
+        <p:spPr>
+          <a:xfrm>
+            <a:off x="6812585" y="4555677"/>
+            <a:ext cx="3183224" cy="369332"/>
+          </a:xfrm>
+          <a:prstGeom prst="rect">
+            <a:avLst/>
+          </a:prstGeom>
+          <a:noFill/>
+        </p:spPr>
+        <p:txBody>
+          <a:bodyPr wrap="square" rtlCol="0">
+            <a:spAutoFit/>
+          </a:bodyPr>
+          <a:lstStyle/>
+          <a:p>
+            <a:r>
+              <a:rPr lang="de-CH" dirty="0"/>
+              <a:t>Cable </a:t>
+            </a:r>
+            <a:r>
+              <a:rPr lang="de-CH" dirty="0" err="1"/>
+              <a:t>with</a:t>
+            </a:r>
+            <a:r>
+              <a:rPr lang="de-CH" dirty="0"/>
+              <a:t> </a:t>
+            </a:r>
+            <a:r>
+              <a:rPr lang="de-CH" dirty="0" err="1"/>
+              <a:t>derubberized</a:t>
+            </a:r>
+            <a:r>
+              <a:rPr lang="de-CH" dirty="0"/>
+              <a:t> </a:t>
+            </a:r>
+            <a:r>
+              <a:rPr lang="de-CH" dirty="0" err="1"/>
+              <a:t>ends</a:t>
+            </a:r>
+            <a:endParaRPr lang="de-CH" dirty="0"/>
+          </a:p>
+        </p:txBody>
+      </p:sp>
+      <p:sp>
+        <p:nvSpPr>
+          <p:cNvPr id="58" name="Rechteck 57">
+            <a:extLst>
+              <a:ext uri="{FF2B5EF4-FFF2-40B4-BE49-F238E27FC236}">
+                <a16:creationId xmlns:a16="http://schemas.microsoft.com/office/drawing/2014/main" id="{E4F5A78A-AF45-4E7C-BAD2-31533891047F}"/>
+              </a:ext>
+            </a:extLst>
+          </p:cNvPr>
+          <p:cNvSpPr/>
+          <p:nvPr/>
+        </p:nvSpPr>
+        <p:spPr>
+          <a:xfrm>
+            <a:off x="10714867" y="677443"/>
+            <a:ext cx="502571" cy="1906682"/>
+          </a:xfrm>
+          <a:prstGeom prst="rect">
+            <a:avLst/>
+          </a:prstGeom>
+          <a:solidFill>
+            <a:schemeClr val="accent2">
+              <a:lumMod val="75000"/>
+            </a:schemeClr>
+          </a:solidFill>
+          <a:ln>
+            <a:solidFill>
+              <a:schemeClr val="tx1"/>
+            </a:solidFill>
+          </a:ln>
+          <a:effectLst/>
+        </p:spPr>
+        <p:style>
+          <a:lnRef idx="2">
+            <a:schemeClr val="accent1">
+              <a:shade val="50000"/>
+            </a:schemeClr>
+          </a:lnRef>
+          <a:fillRef idx="1">
+            <a:schemeClr val="accent1"/>
+          </a:fillRef>
+          <a:effectRef idx="0">
+            <a:schemeClr val="accent1"/>
+          </a:effectRef>
+          <a:fontRef idx="minor">
+            <a:schemeClr val="lt1"/>
+          </a:fontRef>
+        </p:style>
+        <p:txBody>
+          <a:bodyPr rtlCol="0" anchor="ctr"/>
+          <a:lstStyle/>
+          <a:p>
+            <a:pPr algn="ctr"/>
+            <a:endParaRPr lang="de-CH"/>
+          </a:p>
+        </p:txBody>
+      </p:sp>
+      <p:sp>
+        <p:nvSpPr>
+          <p:cNvPr id="61" name="Rechteck 60">
+            <a:extLst>
+              <a:ext uri="{FF2B5EF4-FFF2-40B4-BE49-F238E27FC236}">
+                <a16:creationId xmlns:a16="http://schemas.microsoft.com/office/drawing/2014/main" id="{E7E2A9AD-94F4-49D8-882F-F8D58C6A402C}"/>
+              </a:ext>
+            </a:extLst>
+          </p:cNvPr>
+          <p:cNvSpPr/>
+          <p:nvPr/>
+        </p:nvSpPr>
+        <p:spPr>
+          <a:xfrm>
+            <a:off x="9911191" y="677443"/>
+            <a:ext cx="502571" cy="1906682"/>
+          </a:xfrm>
+          <a:prstGeom prst="rect">
+            <a:avLst/>
+          </a:prstGeom>
+          <a:solidFill>
+            <a:schemeClr val="accent2">
+              <a:lumMod val="75000"/>
+            </a:schemeClr>
+          </a:solidFill>
+          <a:ln>
+            <a:solidFill>
+              <a:schemeClr val="tx1"/>
+            </a:solidFill>
+          </a:ln>
+          <a:effectLst/>
+        </p:spPr>
+        <p:style>
+          <a:lnRef idx="2">
+            <a:schemeClr val="accent1">
+              <a:shade val="50000"/>
+            </a:schemeClr>
+          </a:lnRef>
+          <a:fillRef idx="1">
+            <a:schemeClr val="accent1"/>
+          </a:fillRef>
+          <a:effectRef idx="0">
+            <a:schemeClr val="accent1"/>
+          </a:effectRef>
+          <a:fontRef idx="minor">
+            <a:schemeClr val="lt1"/>
+          </a:fontRef>
+        </p:style>
+        <p:txBody>
+          <a:bodyPr rtlCol="0" anchor="ctr"/>
+          <a:lstStyle/>
+          <a:p>
+            <a:pPr algn="ctr"/>
+            <a:endParaRPr lang="de-CH"/>
+          </a:p>
+        </p:txBody>
+      </p:sp>
+      <p:sp>
+        <p:nvSpPr>
+          <p:cNvPr id="62" name="Wolke 61">
+            <a:extLst>
+              <a:ext uri="{FF2B5EF4-FFF2-40B4-BE49-F238E27FC236}">
+                <a16:creationId xmlns:a16="http://schemas.microsoft.com/office/drawing/2014/main" id="{C47DF43D-47B0-42C8-850E-A65C35D2F306}"/>
+              </a:ext>
+            </a:extLst>
+          </p:cNvPr>
+          <p:cNvSpPr/>
+          <p:nvPr/>
+        </p:nvSpPr>
+        <p:spPr>
+          <a:xfrm>
+            <a:off x="4550543" y="5418326"/>
+            <a:ext cx="369341" cy="336093"/>
+          </a:xfrm>
+          <a:prstGeom prst="cloud">
+            <a:avLst/>
+          </a:prstGeom>
+          <a:solidFill>
+            <a:schemeClr val="bg1">
+              <a:lumMod val="75000"/>
+            </a:schemeClr>
+          </a:solidFill>
+          <a:ln>
+            <a:solidFill>
+              <a:schemeClr val="bg1">
+                <a:lumMod val="75000"/>
+              </a:schemeClr>
+            </a:solidFill>
+          </a:ln>
+        </p:spPr>
+        <p:style>
+          <a:lnRef idx="2">
+            <a:schemeClr val="accent1">
+              <a:shade val="50000"/>
+            </a:schemeClr>
+          </a:lnRef>
+          <a:fillRef idx="1">
+            <a:schemeClr val="accent1"/>
+          </a:fillRef>
+          <a:effectRef idx="0">
+            <a:schemeClr val="accent1"/>
+          </a:effectRef>
+          <a:fontRef idx="minor">
+            <a:schemeClr val="lt1"/>
+          </a:fontRef>
+        </p:style>
+        <p:txBody>
+          <a:bodyPr rtlCol="0" anchor="ctr"/>
+          <a:lstStyle/>
+          <a:p>
+            <a:pPr algn="ctr"/>
+            <a:endParaRPr lang="de-CH"/>
+          </a:p>
+        </p:txBody>
+      </p:sp>
+      <p:sp>
+        <p:nvSpPr>
+          <p:cNvPr id="63" name="Wolke 62">
+            <a:extLst>
+              <a:ext uri="{FF2B5EF4-FFF2-40B4-BE49-F238E27FC236}">
+                <a16:creationId xmlns:a16="http://schemas.microsoft.com/office/drawing/2014/main" id="{2FF500D9-B650-4D5F-AA57-BC62AB16023A}"/>
+              </a:ext>
+            </a:extLst>
+          </p:cNvPr>
+          <p:cNvSpPr/>
+          <p:nvPr/>
+        </p:nvSpPr>
+        <p:spPr>
+          <a:xfrm>
+            <a:off x="5284585" y="5459253"/>
+            <a:ext cx="369341" cy="336093"/>
+          </a:xfrm>
+          <a:prstGeom prst="cloud">
+            <a:avLst/>
+          </a:prstGeom>
+          <a:solidFill>
+            <a:schemeClr val="bg1">
+              <a:lumMod val="75000"/>
+            </a:schemeClr>
+          </a:solidFill>
+          <a:ln>
+            <a:solidFill>
+              <a:schemeClr val="bg1">
+                <a:lumMod val="75000"/>
+              </a:schemeClr>
+            </a:solidFill>
+          </a:ln>
+        </p:spPr>
+        <p:style>
+          <a:lnRef idx="2">
+            <a:schemeClr val="accent1">
+              <a:shade val="50000"/>
+            </a:schemeClr>
+          </a:lnRef>
+          <a:fillRef idx="1">
+            <a:schemeClr val="accent1"/>
+          </a:fillRef>
+          <a:effectRef idx="0">
+            <a:schemeClr val="accent1"/>
+          </a:effectRef>
+          <a:fontRef idx="minor">
+            <a:schemeClr val="lt1"/>
+          </a:fontRef>
+        </p:style>
+        <p:txBody>
+          <a:bodyPr rtlCol="0" anchor="ctr"/>
+          <a:lstStyle/>
+          <a:p>
+            <a:pPr algn="ctr"/>
+            <a:endParaRPr lang="de-CH"/>
+          </a:p>
+        </p:txBody>
+      </p:sp>
+      <p:sp>
+        <p:nvSpPr>
+          <p:cNvPr id="64" name="Rechteck 63">
+            <a:extLst>
+              <a:ext uri="{FF2B5EF4-FFF2-40B4-BE49-F238E27FC236}">
+                <a16:creationId xmlns:a16="http://schemas.microsoft.com/office/drawing/2014/main" id="{7572CA61-322D-4E99-B74B-C4040E4BF67F}"/>
+              </a:ext>
+            </a:extLst>
+          </p:cNvPr>
+          <p:cNvSpPr/>
+          <p:nvPr/>
+        </p:nvSpPr>
+        <p:spPr>
+          <a:xfrm>
+            <a:off x="9922384" y="2749738"/>
+            <a:ext cx="502571" cy="1906682"/>
+          </a:xfrm>
+          <a:prstGeom prst="rect">
+            <a:avLst/>
+          </a:prstGeom>
+          <a:solidFill>
+            <a:schemeClr val="accent4">
+              <a:lumMod val="60000"/>
+              <a:lumOff val="40000"/>
+            </a:schemeClr>
+          </a:solidFill>
+          <a:ln>
+            <a:solidFill>
+              <a:schemeClr val="tx1"/>
+            </a:solidFill>
+          </a:ln>
+          <a:effectLst/>
+        </p:spPr>
+        <p:style>
+          <a:lnRef idx="2">
+            <a:schemeClr val="accent1">
+              <a:shade val="50000"/>
+            </a:schemeClr>
+          </a:lnRef>
+          <a:fillRef idx="1">
+            <a:schemeClr val="accent1"/>
+          </a:fillRef>
+          <a:effectRef idx="0">
+            <a:schemeClr val="accent1"/>
+          </a:effectRef>
+          <a:fontRef idx="minor">
+            <a:schemeClr val="lt1"/>
+          </a:fontRef>
+        </p:style>
+        <p:txBody>
+          <a:bodyPr rtlCol="0" anchor="ctr"/>
+          <a:lstStyle/>
+          <a:p>
+            <a:pPr algn="ctr"/>
+            <a:endParaRPr lang="de-CH"/>
+          </a:p>
+        </p:txBody>
+      </p:sp>
+      <p:sp>
+        <p:nvSpPr>
+          <p:cNvPr id="65" name="Rechteck 64">
+            <a:extLst>
+              <a:ext uri="{FF2B5EF4-FFF2-40B4-BE49-F238E27FC236}">
+                <a16:creationId xmlns:a16="http://schemas.microsoft.com/office/drawing/2014/main" id="{C65DA8D1-2A63-41D6-9A70-97F423A5A28F}"/>
+              </a:ext>
+            </a:extLst>
+          </p:cNvPr>
+          <p:cNvSpPr/>
+          <p:nvPr/>
+        </p:nvSpPr>
+        <p:spPr>
+          <a:xfrm>
+            <a:off x="10737253" y="2749738"/>
+            <a:ext cx="502571" cy="1906682"/>
+          </a:xfrm>
+          <a:prstGeom prst="rect">
+            <a:avLst/>
+          </a:prstGeom>
+          <a:solidFill>
+            <a:schemeClr val="accent4">
+              <a:lumMod val="60000"/>
+              <a:lumOff val="40000"/>
+            </a:schemeClr>
+          </a:solidFill>
+          <a:ln>
+            <a:solidFill>
+              <a:schemeClr val="tx1"/>
+            </a:solidFill>
+          </a:ln>
+          <a:effectLst/>
+        </p:spPr>
+        <p:style>
+          <a:lnRef idx="2">
+            <a:schemeClr val="accent1">
+              <a:shade val="50000"/>
+            </a:schemeClr>
+          </a:lnRef>
+          <a:fillRef idx="1">
+            <a:schemeClr val="accent1"/>
+          </a:fillRef>
+          <a:effectRef idx="0">
+            <a:schemeClr val="accent1"/>
+          </a:effectRef>
+          <a:fontRef idx="minor">
+            <a:schemeClr val="lt1"/>
+          </a:fontRef>
+        </p:style>
+        <p:txBody>
+          <a:bodyPr rtlCol="0" anchor="ctr"/>
+          <a:lstStyle/>
+          <a:p>
+            <a:pPr algn="ctr"/>
+            <a:endParaRPr lang="de-CH"/>
+          </a:p>
+        </p:txBody>
+      </p:sp>
     </p:spTree>
     <p:extLst>
       <p:ext uri="{BB962C8B-B14F-4D97-AF65-F5344CB8AC3E}">
         <p14:creationId xmlns:p14="http://schemas.microsoft.com/office/powerpoint/2010/main" val="3343583451"/>
+      </p:ext>
+    </p:extLst>
+  </p:cSld>
+  <p:clrMapOvr>
+    <a:masterClrMapping/>
+  </p:clrMapOvr>
+</p:sld>
+</file>
+
+<file path=ppt/slides/slide2.xml><?xml version="1.0" encoding="utf-8"?>
+<p:sld xmlns:a="http://schemas.openxmlformats.org/drawingml/2006/main" xmlns:r="http://schemas.openxmlformats.org/officeDocument/2006/relationships" xmlns:p="http://schemas.openxmlformats.org/presentationml/2006/main">
+  <p:cSld>
+    <p:spTree>
+      <p:nvGrpSpPr>
+        <p:cNvPr id="1" name=""/>
+        <p:cNvGrpSpPr/>
+        <p:nvPr/>
+      </p:nvGrpSpPr>
+      <p:grpSpPr>
+        <a:xfrm>
+          <a:off x="0" y="0"/>
+          <a:ext cx="0" cy="0"/>
+          <a:chOff x="0" y="0"/>
+          <a:chExt cx="0" cy="0"/>
+        </a:xfrm>
+      </p:grpSpPr>
+      <p:grpSp>
+        <p:nvGrpSpPr>
+          <p:cNvPr id="38" name="Gruppieren 37">
+            <a:extLst>
+              <a:ext uri="{FF2B5EF4-FFF2-40B4-BE49-F238E27FC236}">
+                <a16:creationId xmlns:a16="http://schemas.microsoft.com/office/drawing/2014/main" id="{950CE234-F2D8-4A11-8F2F-D1F1FA92005E}"/>
+              </a:ext>
+            </a:extLst>
+          </p:cNvPr>
+          <p:cNvGrpSpPr/>
+          <p:nvPr/>
+        </p:nvGrpSpPr>
+        <p:grpSpPr>
+          <a:xfrm>
+            <a:off x="4074702" y="4747989"/>
+            <a:ext cx="3610431" cy="1342637"/>
+            <a:chOff x="5765904" y="4664887"/>
+            <a:chExt cx="3610431" cy="1342637"/>
+          </a:xfrm>
+        </p:grpSpPr>
+        <p:grpSp>
+          <p:nvGrpSpPr>
+            <p:cNvPr id="30" name="Gruppieren 29">
+              <a:extLst>
+                <a:ext uri="{FF2B5EF4-FFF2-40B4-BE49-F238E27FC236}">
+                  <a16:creationId xmlns:a16="http://schemas.microsoft.com/office/drawing/2014/main" id="{42B41345-C430-455C-A826-4AA2B5A2FAC5}"/>
+                </a:ext>
+              </a:extLst>
+            </p:cNvPr>
+            <p:cNvGrpSpPr/>
+            <p:nvPr/>
+          </p:nvGrpSpPr>
+          <p:grpSpPr>
+            <a:xfrm>
+              <a:off x="9257608" y="5335516"/>
+              <a:ext cx="118727" cy="254831"/>
+              <a:chOff x="9087092" y="5470329"/>
+              <a:chExt cx="118727" cy="254831"/>
+            </a:xfrm>
+          </p:grpSpPr>
+          <p:cxnSp>
+            <p:nvCxnSpPr>
+              <p:cNvPr id="17" name="Gerader Verbinder 16">
+                <a:extLst>
+                  <a:ext uri="{FF2B5EF4-FFF2-40B4-BE49-F238E27FC236}">
+                    <a16:creationId xmlns:a16="http://schemas.microsoft.com/office/drawing/2014/main" id="{7A8989A8-F69D-4776-A321-7DD37F1F24BF}"/>
+                  </a:ext>
+                </a:extLst>
+              </p:cNvPr>
+              <p:cNvCxnSpPr/>
+              <p:nvPr/>
+            </p:nvCxnSpPr>
+            <p:spPr>
+              <a:xfrm>
+                <a:off x="9146092" y="5477903"/>
+                <a:ext cx="59727" cy="247257"/>
+              </a:xfrm>
+              <a:prstGeom prst="line">
+                <a:avLst/>
+              </a:prstGeom>
+            </p:spPr>
+            <p:style>
+              <a:lnRef idx="1">
+                <a:schemeClr val="accent2"/>
+              </a:lnRef>
+              <a:fillRef idx="0">
+                <a:schemeClr val="accent2"/>
+              </a:fillRef>
+              <a:effectRef idx="0">
+                <a:schemeClr val="accent2"/>
+              </a:effectRef>
+              <a:fontRef idx="minor">
+                <a:schemeClr val="tx1"/>
+              </a:fontRef>
+            </p:style>
+          </p:cxnSp>
+          <p:grpSp>
+            <p:nvGrpSpPr>
+              <p:cNvPr id="29" name="Gruppieren 28">
+                <a:extLst>
+                  <a:ext uri="{FF2B5EF4-FFF2-40B4-BE49-F238E27FC236}">
+                    <a16:creationId xmlns:a16="http://schemas.microsoft.com/office/drawing/2014/main" id="{427A6699-2DF2-44DF-A6DD-506D3E928E55}"/>
+                  </a:ext>
+                </a:extLst>
+              </p:cNvPr>
+              <p:cNvGrpSpPr/>
+              <p:nvPr/>
+            </p:nvGrpSpPr>
+            <p:grpSpPr>
+              <a:xfrm>
+                <a:off x="9087092" y="5470329"/>
+                <a:ext cx="87940" cy="249751"/>
+                <a:chOff x="9574223" y="5681103"/>
+                <a:chExt cx="87940" cy="249751"/>
+              </a:xfrm>
+            </p:grpSpPr>
+            <p:cxnSp>
+              <p:nvCxnSpPr>
+                <p:cNvPr id="22" name="Gerader Verbinder 21">
+                  <a:extLst>
+                    <a:ext uri="{FF2B5EF4-FFF2-40B4-BE49-F238E27FC236}">
+                      <a16:creationId xmlns:a16="http://schemas.microsoft.com/office/drawing/2014/main" id="{DBD77CF3-11BE-463F-AFB8-D740B568DC13}"/>
+                    </a:ext>
+                  </a:extLst>
+                </p:cNvPr>
+                <p:cNvCxnSpPr>
+                  <a:cxnSpLocks/>
+                </p:cNvCxnSpPr>
+                <p:nvPr/>
+              </p:nvCxnSpPr>
+              <p:spPr>
+                <a:xfrm flipH="1">
+                  <a:off x="9574223" y="5688677"/>
+                  <a:ext cx="53303" cy="234603"/>
+                </a:xfrm>
+                <a:prstGeom prst="line">
+                  <a:avLst/>
+                </a:prstGeom>
+              </p:spPr>
+              <p:style>
+                <a:lnRef idx="1">
+                  <a:schemeClr val="accent2"/>
+                </a:lnRef>
+                <a:fillRef idx="0">
+                  <a:schemeClr val="accent2"/>
+                </a:fillRef>
+                <a:effectRef idx="0">
+                  <a:schemeClr val="accent2"/>
+                </a:effectRef>
+                <a:fontRef idx="minor">
+                  <a:schemeClr val="tx1"/>
+                </a:fontRef>
+              </p:style>
+            </p:cxnSp>
+            <p:cxnSp>
+              <p:nvCxnSpPr>
+                <p:cNvPr id="23" name="Gerader Verbinder 22">
+                  <a:extLst>
+                    <a:ext uri="{FF2B5EF4-FFF2-40B4-BE49-F238E27FC236}">
+                      <a16:creationId xmlns:a16="http://schemas.microsoft.com/office/drawing/2014/main" id="{99FFB983-EFDD-40A5-8C73-13958AD5FC5B}"/>
+                    </a:ext>
+                  </a:extLst>
+                </p:cNvPr>
+                <p:cNvCxnSpPr>
+                  <a:cxnSpLocks/>
+                </p:cNvCxnSpPr>
+                <p:nvPr/>
+              </p:nvCxnSpPr>
+              <p:spPr>
+                <a:xfrm>
+                  <a:off x="9627833" y="5681103"/>
+                  <a:ext cx="0" cy="242177"/>
+                </a:xfrm>
+                <a:prstGeom prst="line">
+                  <a:avLst/>
+                </a:prstGeom>
+              </p:spPr>
+              <p:style>
+                <a:lnRef idx="1">
+                  <a:schemeClr val="accent2"/>
+                </a:lnRef>
+                <a:fillRef idx="0">
+                  <a:schemeClr val="accent2"/>
+                </a:fillRef>
+                <a:effectRef idx="0">
+                  <a:schemeClr val="accent2"/>
+                </a:effectRef>
+                <a:fontRef idx="minor">
+                  <a:schemeClr val="tx1"/>
+                </a:fontRef>
+              </p:style>
+            </p:cxnSp>
+            <p:cxnSp>
+              <p:nvCxnSpPr>
+                <p:cNvPr id="24" name="Gerader Verbinder 23">
+                  <a:extLst>
+                    <a:ext uri="{FF2B5EF4-FFF2-40B4-BE49-F238E27FC236}">
+                      <a16:creationId xmlns:a16="http://schemas.microsoft.com/office/drawing/2014/main" id="{587C4A09-9D24-4117-933C-49189F25C201}"/>
+                    </a:ext>
+                  </a:extLst>
+                </p:cNvPr>
+                <p:cNvCxnSpPr>
+                  <a:cxnSpLocks/>
+                </p:cNvCxnSpPr>
+                <p:nvPr/>
+              </p:nvCxnSpPr>
+              <p:spPr>
+                <a:xfrm>
+                  <a:off x="9633532" y="5688677"/>
+                  <a:ext cx="28631" cy="242177"/>
+                </a:xfrm>
+                <a:prstGeom prst="line">
+                  <a:avLst/>
+                </a:prstGeom>
+              </p:spPr>
+              <p:style>
+                <a:lnRef idx="1">
+                  <a:schemeClr val="accent2"/>
+                </a:lnRef>
+                <a:fillRef idx="0">
+                  <a:schemeClr val="accent2"/>
+                </a:fillRef>
+                <a:effectRef idx="0">
+                  <a:schemeClr val="accent2"/>
+                </a:effectRef>
+                <a:fontRef idx="minor">
+                  <a:schemeClr val="tx1"/>
+                </a:fontRef>
+              </p:style>
+            </p:cxnSp>
+          </p:grpSp>
+        </p:grpSp>
+        <p:sp>
+          <p:nvSpPr>
+            <p:cNvPr id="14" name="Bogen 13">
+              <a:extLst>
+                <a:ext uri="{FF2B5EF4-FFF2-40B4-BE49-F238E27FC236}">
+                  <a16:creationId xmlns:a16="http://schemas.microsoft.com/office/drawing/2014/main" id="{81EE660A-6B67-40C3-B29F-8F9E6C85A14C}"/>
+                </a:ext>
+              </a:extLst>
+            </p:cNvPr>
+            <p:cNvSpPr/>
+            <p:nvPr/>
+          </p:nvSpPr>
+          <p:spPr>
+            <a:xfrm>
+              <a:off x="5765904" y="4703419"/>
+              <a:ext cx="3551068" cy="1304105"/>
+            </a:xfrm>
+            <a:prstGeom prst="arc">
+              <a:avLst/>
+            </a:prstGeom>
+            <a:ln w="57150">
+              <a:solidFill>
+                <a:srgbClr val="FF0000"/>
+              </a:solidFill>
+            </a:ln>
+          </p:spPr>
+          <p:style>
+            <a:lnRef idx="1">
+              <a:schemeClr val="accent1"/>
+            </a:lnRef>
+            <a:fillRef idx="0">
+              <a:schemeClr val="accent1"/>
+            </a:fillRef>
+            <a:effectRef idx="0">
+              <a:schemeClr val="accent1"/>
+            </a:effectRef>
+            <a:fontRef idx="minor">
+              <a:schemeClr val="tx1"/>
+            </a:fontRef>
+          </p:style>
+          <p:txBody>
+            <a:bodyPr rtlCol="0" anchor="ctr"/>
+            <a:lstStyle/>
+            <a:p>
+              <a:pPr algn="ctr"/>
+              <a:endParaRPr lang="de-CH"/>
+            </a:p>
+          </p:txBody>
+        </p:sp>
+        <p:grpSp>
+          <p:nvGrpSpPr>
+            <p:cNvPr id="32" name="Gruppieren 31">
+              <a:extLst>
+                <a:ext uri="{FF2B5EF4-FFF2-40B4-BE49-F238E27FC236}">
+                  <a16:creationId xmlns:a16="http://schemas.microsoft.com/office/drawing/2014/main" id="{2E45A633-5958-4206-BFC4-E3E0583C3F0A}"/>
+                </a:ext>
+              </a:extLst>
+            </p:cNvPr>
+            <p:cNvGrpSpPr/>
+            <p:nvPr/>
+          </p:nvGrpSpPr>
+          <p:grpSpPr>
+            <a:xfrm rot="4991125">
+              <a:off x="7406732" y="4596835"/>
+              <a:ext cx="118727" cy="254831"/>
+              <a:chOff x="9087092" y="5470329"/>
+              <a:chExt cx="118727" cy="254831"/>
+            </a:xfrm>
+          </p:grpSpPr>
+          <p:cxnSp>
+            <p:nvCxnSpPr>
+              <p:cNvPr id="33" name="Gerader Verbinder 32">
+                <a:extLst>
+                  <a:ext uri="{FF2B5EF4-FFF2-40B4-BE49-F238E27FC236}">
+                    <a16:creationId xmlns:a16="http://schemas.microsoft.com/office/drawing/2014/main" id="{880C92DE-5DBE-4A48-B722-F0AEADD24297}"/>
+                  </a:ext>
+                </a:extLst>
+              </p:cNvPr>
+              <p:cNvCxnSpPr/>
+              <p:nvPr/>
+            </p:nvCxnSpPr>
+            <p:spPr>
+              <a:xfrm>
+                <a:off x="9146092" y="5477903"/>
+                <a:ext cx="59727" cy="247257"/>
+              </a:xfrm>
+              <a:prstGeom prst="line">
+                <a:avLst/>
+              </a:prstGeom>
+            </p:spPr>
+            <p:style>
+              <a:lnRef idx="1">
+                <a:schemeClr val="accent2"/>
+              </a:lnRef>
+              <a:fillRef idx="0">
+                <a:schemeClr val="accent2"/>
+              </a:fillRef>
+              <a:effectRef idx="0">
+                <a:schemeClr val="accent2"/>
+              </a:effectRef>
+              <a:fontRef idx="minor">
+                <a:schemeClr val="tx1"/>
+              </a:fontRef>
+            </p:style>
+          </p:cxnSp>
+          <p:grpSp>
+            <p:nvGrpSpPr>
+              <p:cNvPr id="34" name="Gruppieren 33">
+                <a:extLst>
+                  <a:ext uri="{FF2B5EF4-FFF2-40B4-BE49-F238E27FC236}">
+                    <a16:creationId xmlns:a16="http://schemas.microsoft.com/office/drawing/2014/main" id="{0B3CABD8-443A-4C00-9BE8-8667C3CF0163}"/>
+                  </a:ext>
+                </a:extLst>
+              </p:cNvPr>
+              <p:cNvGrpSpPr/>
+              <p:nvPr/>
+            </p:nvGrpSpPr>
+            <p:grpSpPr>
+              <a:xfrm>
+                <a:off x="9087092" y="5470329"/>
+                <a:ext cx="87940" cy="249751"/>
+                <a:chOff x="9574223" y="5681103"/>
+                <a:chExt cx="87940" cy="249751"/>
+              </a:xfrm>
+            </p:grpSpPr>
+            <p:cxnSp>
+              <p:nvCxnSpPr>
+                <p:cNvPr id="35" name="Gerader Verbinder 34">
+                  <a:extLst>
+                    <a:ext uri="{FF2B5EF4-FFF2-40B4-BE49-F238E27FC236}">
+                      <a16:creationId xmlns:a16="http://schemas.microsoft.com/office/drawing/2014/main" id="{07B8001F-6DEE-4C2B-9D88-174B05B2D615}"/>
+                    </a:ext>
+                  </a:extLst>
+                </p:cNvPr>
+                <p:cNvCxnSpPr>
+                  <a:cxnSpLocks/>
+                </p:cNvCxnSpPr>
+                <p:nvPr/>
+              </p:nvCxnSpPr>
+              <p:spPr>
+                <a:xfrm flipH="1">
+                  <a:off x="9574223" y="5688677"/>
+                  <a:ext cx="53303" cy="234603"/>
+                </a:xfrm>
+                <a:prstGeom prst="line">
+                  <a:avLst/>
+                </a:prstGeom>
+              </p:spPr>
+              <p:style>
+                <a:lnRef idx="1">
+                  <a:schemeClr val="accent2"/>
+                </a:lnRef>
+                <a:fillRef idx="0">
+                  <a:schemeClr val="accent2"/>
+                </a:fillRef>
+                <a:effectRef idx="0">
+                  <a:schemeClr val="accent2"/>
+                </a:effectRef>
+                <a:fontRef idx="minor">
+                  <a:schemeClr val="tx1"/>
+                </a:fontRef>
+              </p:style>
+            </p:cxnSp>
+            <p:cxnSp>
+              <p:nvCxnSpPr>
+                <p:cNvPr id="36" name="Gerader Verbinder 35">
+                  <a:extLst>
+                    <a:ext uri="{FF2B5EF4-FFF2-40B4-BE49-F238E27FC236}">
+                      <a16:creationId xmlns:a16="http://schemas.microsoft.com/office/drawing/2014/main" id="{137E0C27-52EB-450B-B204-83BB650CC7F9}"/>
+                    </a:ext>
+                  </a:extLst>
+                </p:cNvPr>
+                <p:cNvCxnSpPr>
+                  <a:cxnSpLocks/>
+                </p:cNvCxnSpPr>
+                <p:nvPr/>
+              </p:nvCxnSpPr>
+              <p:spPr>
+                <a:xfrm>
+                  <a:off x="9627833" y="5681103"/>
+                  <a:ext cx="0" cy="242177"/>
+                </a:xfrm>
+                <a:prstGeom prst="line">
+                  <a:avLst/>
+                </a:prstGeom>
+              </p:spPr>
+              <p:style>
+                <a:lnRef idx="1">
+                  <a:schemeClr val="accent2"/>
+                </a:lnRef>
+                <a:fillRef idx="0">
+                  <a:schemeClr val="accent2"/>
+                </a:fillRef>
+                <a:effectRef idx="0">
+                  <a:schemeClr val="accent2"/>
+                </a:effectRef>
+                <a:fontRef idx="minor">
+                  <a:schemeClr val="tx1"/>
+                </a:fontRef>
+              </p:style>
+            </p:cxnSp>
+            <p:cxnSp>
+              <p:nvCxnSpPr>
+                <p:cNvPr id="37" name="Gerader Verbinder 36">
+                  <a:extLst>
+                    <a:ext uri="{FF2B5EF4-FFF2-40B4-BE49-F238E27FC236}">
+                      <a16:creationId xmlns:a16="http://schemas.microsoft.com/office/drawing/2014/main" id="{8EE24DFC-D5F1-4D75-8EC7-5C613F509C75}"/>
+                    </a:ext>
+                  </a:extLst>
+                </p:cNvPr>
+                <p:cNvCxnSpPr>
+                  <a:cxnSpLocks/>
+                </p:cNvCxnSpPr>
+                <p:nvPr/>
+              </p:nvCxnSpPr>
+              <p:spPr>
+                <a:xfrm>
+                  <a:off x="9633532" y="5688677"/>
+                  <a:ext cx="28631" cy="242177"/>
+                </a:xfrm>
+                <a:prstGeom prst="line">
+                  <a:avLst/>
+                </a:prstGeom>
+              </p:spPr>
+              <p:style>
+                <a:lnRef idx="1">
+                  <a:schemeClr val="accent2"/>
+                </a:lnRef>
+                <a:fillRef idx="0">
+                  <a:schemeClr val="accent2"/>
+                </a:fillRef>
+                <a:effectRef idx="0">
+                  <a:schemeClr val="accent2"/>
+                </a:effectRef>
+                <a:fontRef idx="minor">
+                  <a:schemeClr val="tx1"/>
+                </a:fontRef>
+              </p:style>
+            </p:cxnSp>
+          </p:grpSp>
+        </p:grpSp>
+      </p:grpSp>
+      <p:grpSp>
+        <p:nvGrpSpPr>
+          <p:cNvPr id="5" name="Gruppieren 4">
+            <a:extLst>
+              <a:ext uri="{FF2B5EF4-FFF2-40B4-BE49-F238E27FC236}">
+                <a16:creationId xmlns:a16="http://schemas.microsoft.com/office/drawing/2014/main" id="{51BE145A-FB59-4621-ACD1-A85C249DA2B1}"/>
+              </a:ext>
+            </a:extLst>
+          </p:cNvPr>
+          <p:cNvGrpSpPr/>
+          <p:nvPr/>
+        </p:nvGrpSpPr>
+        <p:grpSpPr>
+          <a:xfrm>
+            <a:off x="4279134" y="744071"/>
+            <a:ext cx="5847956" cy="3744996"/>
+            <a:chOff x="672334" y="80134"/>
+            <a:chExt cx="5847956" cy="3744996"/>
+          </a:xfrm>
+        </p:grpSpPr>
+        <p:sp>
+          <p:nvSpPr>
+            <p:cNvPr id="53" name="Rechteck 52">
+              <a:extLst>
+                <a:ext uri="{FF2B5EF4-FFF2-40B4-BE49-F238E27FC236}">
+                  <a16:creationId xmlns:a16="http://schemas.microsoft.com/office/drawing/2014/main" id="{8A3D7A33-E333-450D-87C3-7DDB4F750B6A}"/>
+                </a:ext>
+              </a:extLst>
+            </p:cNvPr>
+            <p:cNvSpPr/>
+            <p:nvPr/>
+          </p:nvSpPr>
+          <p:spPr>
+            <a:xfrm>
+              <a:off x="672334" y="80134"/>
+              <a:ext cx="4847208" cy="3744996"/>
+            </a:xfrm>
+            <a:prstGeom prst="rect">
+              <a:avLst/>
+            </a:prstGeom>
+            <a:solidFill>
+              <a:schemeClr val="bg1"/>
+            </a:solidFill>
+            <a:ln>
+              <a:solidFill>
+                <a:schemeClr val="tx1"/>
+              </a:solidFill>
+            </a:ln>
+            <a:effectLst/>
+          </p:spPr>
+          <p:style>
+            <a:lnRef idx="2">
+              <a:schemeClr val="accent1">
+                <a:shade val="50000"/>
+              </a:schemeClr>
+            </a:lnRef>
+            <a:fillRef idx="1">
+              <a:schemeClr val="accent1"/>
+            </a:fillRef>
+            <a:effectRef idx="0">
+              <a:schemeClr val="accent1"/>
+            </a:effectRef>
+            <a:fontRef idx="minor">
+              <a:schemeClr val="lt1"/>
+            </a:fontRef>
+          </p:style>
+          <p:txBody>
+            <a:bodyPr rtlCol="0" anchor="ctr"/>
+            <a:lstStyle/>
+            <a:p>
+              <a:pPr algn="ctr"/>
+              <a:endParaRPr lang="de-CH"/>
+            </a:p>
+          </p:txBody>
+        </p:sp>
+        <p:sp>
+          <p:nvSpPr>
+            <p:cNvPr id="6" name="Rechteck 5">
+              <a:extLst>
+                <a:ext uri="{FF2B5EF4-FFF2-40B4-BE49-F238E27FC236}">
+                  <a16:creationId xmlns:a16="http://schemas.microsoft.com/office/drawing/2014/main" id="{0DC017DB-61F4-4B9F-A851-76BDEEFC0467}"/>
+                </a:ext>
+              </a:extLst>
+            </p:cNvPr>
+            <p:cNvSpPr/>
+            <p:nvPr/>
+          </p:nvSpPr>
+          <p:spPr>
+            <a:xfrm>
+              <a:off x="861134" y="834871"/>
+              <a:ext cx="958048" cy="2733582"/>
+            </a:xfrm>
+            <a:prstGeom prst="rect">
+              <a:avLst/>
+            </a:prstGeom>
+            <a:solidFill>
+              <a:schemeClr val="accent1">
+                <a:lumMod val="60000"/>
+                <a:lumOff val="40000"/>
+              </a:schemeClr>
+            </a:solidFill>
+            <a:ln>
+              <a:noFill/>
+            </a:ln>
+            <a:effectLst/>
+          </p:spPr>
+          <p:style>
+            <a:lnRef idx="2">
+              <a:schemeClr val="accent1">
+                <a:shade val="50000"/>
+              </a:schemeClr>
+            </a:lnRef>
+            <a:fillRef idx="1">
+              <a:schemeClr val="accent1"/>
+            </a:fillRef>
+            <a:effectRef idx="0">
+              <a:schemeClr val="accent1"/>
+            </a:effectRef>
+            <a:fontRef idx="minor">
+              <a:schemeClr val="lt1"/>
+            </a:fontRef>
+          </p:style>
+          <p:txBody>
+            <a:bodyPr rtlCol="0" anchor="ctr"/>
+            <a:lstStyle/>
+            <a:p>
+              <a:pPr algn="ctr"/>
+              <a:endParaRPr lang="de-CH"/>
+            </a:p>
+          </p:txBody>
+        </p:sp>
+        <p:sp>
+          <p:nvSpPr>
+            <p:cNvPr id="7" name="Rechteck 6">
+              <a:extLst>
+                <a:ext uri="{FF2B5EF4-FFF2-40B4-BE49-F238E27FC236}">
+                  <a16:creationId xmlns:a16="http://schemas.microsoft.com/office/drawing/2014/main" id="{13DFBE57-9E51-47C4-8F4A-2FCA6CD094DC}"/>
+                </a:ext>
+              </a:extLst>
+            </p:cNvPr>
+            <p:cNvSpPr/>
+            <p:nvPr/>
+          </p:nvSpPr>
+          <p:spPr>
+            <a:xfrm>
+              <a:off x="4364518" y="834871"/>
+              <a:ext cx="958048" cy="2733582"/>
+            </a:xfrm>
+            <a:prstGeom prst="rect">
+              <a:avLst/>
+            </a:prstGeom>
+            <a:solidFill>
+              <a:schemeClr val="accent1">
+                <a:lumMod val="60000"/>
+                <a:lumOff val="40000"/>
+              </a:schemeClr>
+            </a:solidFill>
+            <a:ln>
+              <a:noFill/>
+            </a:ln>
+            <a:effectLst/>
+          </p:spPr>
+          <p:style>
+            <a:lnRef idx="2">
+              <a:schemeClr val="accent1">
+                <a:shade val="50000"/>
+              </a:schemeClr>
+            </a:lnRef>
+            <a:fillRef idx="1">
+              <a:schemeClr val="accent1"/>
+            </a:fillRef>
+            <a:effectRef idx="0">
+              <a:schemeClr val="accent1"/>
+            </a:effectRef>
+            <a:fontRef idx="minor">
+              <a:schemeClr val="lt1"/>
+            </a:fontRef>
+          </p:style>
+          <p:txBody>
+            <a:bodyPr rtlCol="0" anchor="ctr"/>
+            <a:lstStyle/>
+            <a:p>
+              <a:pPr algn="ctr"/>
+              <a:endParaRPr lang="de-CH"/>
+            </a:p>
+          </p:txBody>
+        </p:sp>
+        <p:sp>
+          <p:nvSpPr>
+            <p:cNvPr id="9" name="Freihandform: Form 8">
+              <a:extLst>
+                <a:ext uri="{FF2B5EF4-FFF2-40B4-BE49-F238E27FC236}">
+                  <a16:creationId xmlns:a16="http://schemas.microsoft.com/office/drawing/2014/main" id="{EA0284F5-64CC-4650-B183-989F9A022DC6}"/>
+                </a:ext>
+              </a:extLst>
+            </p:cNvPr>
+            <p:cNvSpPr/>
+            <p:nvPr/>
+          </p:nvSpPr>
+          <p:spPr>
+            <a:xfrm>
+              <a:off x="1340158" y="1952632"/>
+              <a:ext cx="3668722" cy="313048"/>
+            </a:xfrm>
+            <a:custGeom>
+              <a:avLst/>
+              <a:gdLst>
+                <a:gd name="connsiteX0" fmla="*/ 0 w 3240350"/>
+                <a:gd name="connsiteY0" fmla="*/ 648488 h 648488"/>
+                <a:gd name="connsiteX1" fmla="*/ 719091 w 3240350"/>
+                <a:gd name="connsiteY1" fmla="*/ 418 h 648488"/>
+                <a:gd name="connsiteX2" fmla="*/ 1553592 w 3240350"/>
+                <a:gd name="connsiteY2" fmla="*/ 541955 h 648488"/>
+                <a:gd name="connsiteX3" fmla="*/ 3240350 w 3240350"/>
+                <a:gd name="connsiteY3" fmla="*/ 35928 h 648488"/>
+              </a:gdLst>
+              <a:ahLst/>
+              <a:cxnLst>
+                <a:cxn ang="0">
+                  <a:pos x="connsiteX0" y="connsiteY0"/>
+                </a:cxn>
+                <a:cxn ang="0">
+                  <a:pos x="connsiteX1" y="connsiteY1"/>
+                </a:cxn>
+                <a:cxn ang="0">
+                  <a:pos x="connsiteX2" y="connsiteY2"/>
+                </a:cxn>
+                <a:cxn ang="0">
+                  <a:pos x="connsiteX3" y="connsiteY3"/>
+                </a:cxn>
+              </a:cxnLst>
+              <a:rect l="l" t="t" r="r" b="b"/>
+              <a:pathLst>
+                <a:path w="3240350" h="648488">
+                  <a:moveTo>
+                    <a:pt x="0" y="648488"/>
+                  </a:moveTo>
+                  <a:cubicBezTo>
+                    <a:pt x="230079" y="333330"/>
+                    <a:pt x="460159" y="18173"/>
+                    <a:pt x="719091" y="418"/>
+                  </a:cubicBezTo>
+                  <a:cubicBezTo>
+                    <a:pt x="978023" y="-17338"/>
+                    <a:pt x="1133382" y="536037"/>
+                    <a:pt x="1553592" y="541955"/>
+                  </a:cubicBezTo>
+                  <a:cubicBezTo>
+                    <a:pt x="1973802" y="547873"/>
+                    <a:pt x="2607076" y="291900"/>
+                    <a:pt x="3240350" y="35928"/>
+                  </a:cubicBezTo>
+                </a:path>
+              </a:pathLst>
+            </a:custGeom>
+            <a:ln w="28575">
+              <a:solidFill>
+                <a:schemeClr val="accent2">
+                  <a:lumMod val="75000"/>
+                </a:schemeClr>
+              </a:solidFill>
+            </a:ln>
+          </p:spPr>
+          <p:style>
+            <a:lnRef idx="1">
+              <a:schemeClr val="accent2"/>
+            </a:lnRef>
+            <a:fillRef idx="0">
+              <a:schemeClr val="accent2"/>
+            </a:fillRef>
+            <a:effectRef idx="0">
+              <a:schemeClr val="accent2"/>
+            </a:effectRef>
+            <a:fontRef idx="minor">
+              <a:schemeClr val="tx1"/>
+            </a:fontRef>
+          </p:style>
+          <p:txBody>
+            <a:bodyPr rtlCol="0" anchor="ctr"/>
+            <a:lstStyle/>
+            <a:p>
+              <a:pPr algn="ctr"/>
+              <a:endParaRPr lang="de-CH">
+                <a:solidFill>
+                  <a:srgbClr val="FF0000"/>
+                </a:solidFill>
+              </a:endParaRPr>
+            </a:p>
+          </p:txBody>
+        </p:sp>
+        <p:sp>
+          <p:nvSpPr>
+            <p:cNvPr id="3" name="Rechteck 2">
+              <a:extLst>
+                <a:ext uri="{FF2B5EF4-FFF2-40B4-BE49-F238E27FC236}">
+                  <a16:creationId xmlns:a16="http://schemas.microsoft.com/office/drawing/2014/main" id="{FD3B7B29-CC40-43B5-ABC4-72D77B5A54EF}"/>
+                </a:ext>
+              </a:extLst>
+            </p:cNvPr>
+            <p:cNvSpPr/>
+            <p:nvPr/>
+          </p:nvSpPr>
+          <p:spPr>
+            <a:xfrm>
+              <a:off x="4798489" y="914390"/>
+              <a:ext cx="463117" cy="2574543"/>
+            </a:xfrm>
+            <a:prstGeom prst="rect">
+              <a:avLst/>
+            </a:prstGeom>
+            <a:solidFill>
+              <a:schemeClr val="accent6">
+                <a:lumMod val="60000"/>
+                <a:lumOff val="40000"/>
+              </a:schemeClr>
+            </a:solidFill>
+            <a:ln>
+              <a:solidFill>
+                <a:schemeClr val="tx1"/>
+              </a:solidFill>
+            </a:ln>
+            <a:effectLst/>
+          </p:spPr>
+          <p:style>
+            <a:lnRef idx="2">
+              <a:schemeClr val="accent1">
+                <a:shade val="50000"/>
+              </a:schemeClr>
+            </a:lnRef>
+            <a:fillRef idx="1">
+              <a:schemeClr val="accent1"/>
+            </a:fillRef>
+            <a:effectRef idx="0">
+              <a:schemeClr val="accent1"/>
+            </a:effectRef>
+            <a:fontRef idx="minor">
+              <a:schemeClr val="lt1"/>
+            </a:fontRef>
+          </p:style>
+          <p:txBody>
+            <a:bodyPr rtlCol="0" anchor="ctr"/>
+            <a:lstStyle/>
+            <a:p>
+              <a:pPr algn="ctr"/>
+              <a:endParaRPr lang="de-CH"/>
+            </a:p>
+          </p:txBody>
+        </p:sp>
+        <p:sp>
+          <p:nvSpPr>
+            <p:cNvPr id="4" name="Rechteck 3">
+              <a:extLst>
+                <a:ext uri="{FF2B5EF4-FFF2-40B4-BE49-F238E27FC236}">
+                  <a16:creationId xmlns:a16="http://schemas.microsoft.com/office/drawing/2014/main" id="{F7B0D917-978C-45B5-9677-52AF6F87DDCD}"/>
+                </a:ext>
+              </a:extLst>
+            </p:cNvPr>
+            <p:cNvSpPr/>
+            <p:nvPr/>
+          </p:nvSpPr>
+          <p:spPr>
+            <a:xfrm rot="21443954">
+              <a:off x="1042379" y="914390"/>
+              <a:ext cx="463117" cy="2456969"/>
+            </a:xfrm>
+            <a:prstGeom prst="rect">
+              <a:avLst/>
+            </a:prstGeom>
+            <a:solidFill>
+              <a:schemeClr val="accent6">
+                <a:lumMod val="60000"/>
+                <a:lumOff val="40000"/>
+                <a:alpha val="56000"/>
+              </a:schemeClr>
+            </a:solidFill>
+            <a:ln>
+              <a:solidFill>
+                <a:schemeClr val="tx1"/>
+              </a:solidFill>
+            </a:ln>
+            <a:effectLst/>
+          </p:spPr>
+          <p:style>
+            <a:lnRef idx="2">
+              <a:schemeClr val="accent1">
+                <a:shade val="50000"/>
+              </a:schemeClr>
+            </a:lnRef>
+            <a:fillRef idx="1">
+              <a:schemeClr val="accent1"/>
+            </a:fillRef>
+            <a:effectRef idx="0">
+              <a:schemeClr val="accent1"/>
+            </a:effectRef>
+            <a:fontRef idx="minor">
+              <a:schemeClr val="lt1"/>
+            </a:fontRef>
+          </p:style>
+          <p:txBody>
+            <a:bodyPr rtlCol="0" anchor="ctr"/>
+            <a:lstStyle/>
+            <a:p>
+              <a:pPr algn="ctr"/>
+              <a:endParaRPr lang="de-CH"/>
+            </a:p>
+          </p:txBody>
+        </p:sp>
+        <p:grpSp>
+          <p:nvGrpSpPr>
+            <p:cNvPr id="39" name="Gruppieren 38">
+              <a:extLst>
+                <a:ext uri="{FF2B5EF4-FFF2-40B4-BE49-F238E27FC236}">
+                  <a16:creationId xmlns:a16="http://schemas.microsoft.com/office/drawing/2014/main" id="{B4FCFECB-78A3-4AC5-8AB9-EECF39991878}"/>
+                </a:ext>
+              </a:extLst>
+            </p:cNvPr>
+            <p:cNvGrpSpPr/>
+            <p:nvPr/>
+          </p:nvGrpSpPr>
+          <p:grpSpPr>
+            <a:xfrm>
+              <a:off x="2909859" y="1970527"/>
+              <a:ext cx="3610431" cy="1342637"/>
+              <a:chOff x="5765904" y="4664887"/>
+              <a:chExt cx="3610431" cy="1342637"/>
+            </a:xfrm>
+          </p:grpSpPr>
+          <p:grpSp>
+            <p:nvGrpSpPr>
+              <p:cNvPr id="40" name="Gruppieren 39">
+                <a:extLst>
+                  <a:ext uri="{FF2B5EF4-FFF2-40B4-BE49-F238E27FC236}">
+                    <a16:creationId xmlns:a16="http://schemas.microsoft.com/office/drawing/2014/main" id="{7E2F037B-638E-4AF3-87DA-B281C54A5CEC}"/>
+                  </a:ext>
+                </a:extLst>
+              </p:cNvPr>
+              <p:cNvGrpSpPr/>
+              <p:nvPr/>
+            </p:nvGrpSpPr>
+            <p:grpSpPr>
+              <a:xfrm>
+                <a:off x="9257608" y="5335516"/>
+                <a:ext cx="118727" cy="254831"/>
+                <a:chOff x="9087092" y="5470329"/>
+                <a:chExt cx="118727" cy="254831"/>
+              </a:xfrm>
+            </p:grpSpPr>
+            <p:cxnSp>
+              <p:nvCxnSpPr>
+                <p:cNvPr id="48" name="Gerader Verbinder 47">
+                  <a:extLst>
+                    <a:ext uri="{FF2B5EF4-FFF2-40B4-BE49-F238E27FC236}">
+                      <a16:creationId xmlns:a16="http://schemas.microsoft.com/office/drawing/2014/main" id="{5507FD7D-EE29-4593-8AB7-9FD231A655C4}"/>
+                    </a:ext>
+                  </a:extLst>
+                </p:cNvPr>
+                <p:cNvCxnSpPr/>
+                <p:nvPr/>
+              </p:nvCxnSpPr>
+              <p:spPr>
+                <a:xfrm>
+                  <a:off x="9146092" y="5477903"/>
+                  <a:ext cx="59727" cy="247257"/>
+                </a:xfrm>
+                <a:prstGeom prst="line">
+                  <a:avLst/>
+                </a:prstGeom>
+              </p:spPr>
+              <p:style>
+                <a:lnRef idx="1">
+                  <a:schemeClr val="accent2"/>
+                </a:lnRef>
+                <a:fillRef idx="0">
+                  <a:schemeClr val="accent2"/>
+                </a:fillRef>
+                <a:effectRef idx="0">
+                  <a:schemeClr val="accent2"/>
+                </a:effectRef>
+                <a:fontRef idx="minor">
+                  <a:schemeClr val="tx1"/>
+                </a:fontRef>
+              </p:style>
+            </p:cxnSp>
+            <p:grpSp>
+              <p:nvGrpSpPr>
+                <p:cNvPr id="49" name="Gruppieren 48">
+                  <a:extLst>
+                    <a:ext uri="{FF2B5EF4-FFF2-40B4-BE49-F238E27FC236}">
+                      <a16:creationId xmlns:a16="http://schemas.microsoft.com/office/drawing/2014/main" id="{3D1D8D9F-F3EE-462C-AC25-ED7A50D3EDA1}"/>
+                    </a:ext>
+                  </a:extLst>
+                </p:cNvPr>
+                <p:cNvGrpSpPr/>
+                <p:nvPr/>
+              </p:nvGrpSpPr>
+              <p:grpSpPr>
+                <a:xfrm>
+                  <a:off x="9087092" y="5470329"/>
+                  <a:ext cx="87940" cy="249751"/>
+                  <a:chOff x="9574223" y="5681103"/>
+                  <a:chExt cx="87940" cy="249751"/>
+                </a:xfrm>
+              </p:grpSpPr>
+              <p:cxnSp>
+                <p:nvCxnSpPr>
+                  <p:cNvPr id="50" name="Gerader Verbinder 49">
+                    <a:extLst>
+                      <a:ext uri="{FF2B5EF4-FFF2-40B4-BE49-F238E27FC236}">
+                        <a16:creationId xmlns:a16="http://schemas.microsoft.com/office/drawing/2014/main" id="{FB5D3346-E42D-493A-90EE-D519EB9B3555}"/>
+                      </a:ext>
+                    </a:extLst>
+                  </p:cNvPr>
+                  <p:cNvCxnSpPr>
+                    <a:cxnSpLocks/>
+                  </p:cNvCxnSpPr>
+                  <p:nvPr/>
+                </p:nvCxnSpPr>
+                <p:spPr>
+                  <a:xfrm flipH="1">
+                    <a:off x="9574223" y="5688677"/>
+                    <a:ext cx="53303" cy="234603"/>
+                  </a:xfrm>
+                  <a:prstGeom prst="line">
+                    <a:avLst/>
+                  </a:prstGeom>
+                </p:spPr>
+                <p:style>
+                  <a:lnRef idx="1">
+                    <a:schemeClr val="accent2"/>
+                  </a:lnRef>
+                  <a:fillRef idx="0">
+                    <a:schemeClr val="accent2"/>
+                  </a:fillRef>
+                  <a:effectRef idx="0">
+                    <a:schemeClr val="accent2"/>
+                  </a:effectRef>
+                  <a:fontRef idx="minor">
+                    <a:schemeClr val="tx1"/>
+                  </a:fontRef>
+                </p:style>
+              </p:cxnSp>
+              <p:cxnSp>
+                <p:nvCxnSpPr>
+                  <p:cNvPr id="51" name="Gerader Verbinder 50">
+                    <a:extLst>
+                      <a:ext uri="{FF2B5EF4-FFF2-40B4-BE49-F238E27FC236}">
+                        <a16:creationId xmlns:a16="http://schemas.microsoft.com/office/drawing/2014/main" id="{B849E7F7-6718-495E-B45E-1DDA402297D8}"/>
+                      </a:ext>
+                    </a:extLst>
+                  </p:cNvPr>
+                  <p:cNvCxnSpPr>
+                    <a:cxnSpLocks/>
+                  </p:cNvCxnSpPr>
+                  <p:nvPr/>
+                </p:nvCxnSpPr>
+                <p:spPr>
+                  <a:xfrm>
+                    <a:off x="9627833" y="5681103"/>
+                    <a:ext cx="0" cy="242177"/>
+                  </a:xfrm>
+                  <a:prstGeom prst="line">
+                    <a:avLst/>
+                  </a:prstGeom>
+                </p:spPr>
+                <p:style>
+                  <a:lnRef idx="1">
+                    <a:schemeClr val="accent2"/>
+                  </a:lnRef>
+                  <a:fillRef idx="0">
+                    <a:schemeClr val="accent2"/>
+                  </a:fillRef>
+                  <a:effectRef idx="0">
+                    <a:schemeClr val="accent2"/>
+                  </a:effectRef>
+                  <a:fontRef idx="minor">
+                    <a:schemeClr val="tx1"/>
+                  </a:fontRef>
+                </p:style>
+              </p:cxnSp>
+              <p:cxnSp>
+                <p:nvCxnSpPr>
+                  <p:cNvPr id="52" name="Gerader Verbinder 51">
+                    <a:extLst>
+                      <a:ext uri="{FF2B5EF4-FFF2-40B4-BE49-F238E27FC236}">
+                        <a16:creationId xmlns:a16="http://schemas.microsoft.com/office/drawing/2014/main" id="{F2A20767-E019-4088-AF7C-4B9A93CADEB9}"/>
+                      </a:ext>
+                    </a:extLst>
+                  </p:cNvPr>
+                  <p:cNvCxnSpPr>
+                    <a:cxnSpLocks/>
+                  </p:cNvCxnSpPr>
+                  <p:nvPr/>
+                </p:nvCxnSpPr>
+                <p:spPr>
+                  <a:xfrm>
+                    <a:off x="9633532" y="5688677"/>
+                    <a:ext cx="28631" cy="242177"/>
+                  </a:xfrm>
+                  <a:prstGeom prst="line">
+                    <a:avLst/>
+                  </a:prstGeom>
+                </p:spPr>
+                <p:style>
+                  <a:lnRef idx="1">
+                    <a:schemeClr val="accent2"/>
+                  </a:lnRef>
+                  <a:fillRef idx="0">
+                    <a:schemeClr val="accent2"/>
+                  </a:fillRef>
+                  <a:effectRef idx="0">
+                    <a:schemeClr val="accent2"/>
+                  </a:effectRef>
+                  <a:fontRef idx="minor">
+                    <a:schemeClr val="tx1"/>
+                  </a:fontRef>
+                </p:style>
+              </p:cxnSp>
+            </p:grpSp>
+          </p:grpSp>
+          <p:sp>
+            <p:nvSpPr>
+              <p:cNvPr id="41" name="Bogen 40">
+                <a:extLst>
+                  <a:ext uri="{FF2B5EF4-FFF2-40B4-BE49-F238E27FC236}">
+                    <a16:creationId xmlns:a16="http://schemas.microsoft.com/office/drawing/2014/main" id="{2259DA07-56E6-49E6-8F99-12C356C1C26C}"/>
+                  </a:ext>
+                </a:extLst>
+              </p:cNvPr>
+              <p:cNvSpPr/>
+              <p:nvPr/>
+            </p:nvSpPr>
+            <p:spPr>
+              <a:xfrm>
+                <a:off x="5765904" y="4703419"/>
+                <a:ext cx="3551068" cy="1304105"/>
+              </a:xfrm>
+              <a:prstGeom prst="arc">
+                <a:avLst/>
+              </a:prstGeom>
+              <a:ln w="57150">
+                <a:solidFill>
+                  <a:srgbClr val="FF0000"/>
+                </a:solidFill>
+              </a:ln>
+            </p:spPr>
+            <p:style>
+              <a:lnRef idx="1">
+                <a:schemeClr val="accent1"/>
+              </a:lnRef>
+              <a:fillRef idx="0">
+                <a:schemeClr val="accent1"/>
+              </a:fillRef>
+              <a:effectRef idx="0">
+                <a:schemeClr val="accent1"/>
+              </a:effectRef>
+              <a:fontRef idx="minor">
+                <a:schemeClr val="tx1"/>
+              </a:fontRef>
+            </p:style>
+            <p:txBody>
+              <a:bodyPr rtlCol="0" anchor="ctr"/>
+              <a:lstStyle/>
+              <a:p>
+                <a:pPr algn="ctr"/>
+                <a:endParaRPr lang="de-CH"/>
+              </a:p>
+            </p:txBody>
+          </p:sp>
+          <p:grpSp>
+            <p:nvGrpSpPr>
+              <p:cNvPr id="42" name="Gruppieren 41">
+                <a:extLst>
+                  <a:ext uri="{FF2B5EF4-FFF2-40B4-BE49-F238E27FC236}">
+                    <a16:creationId xmlns:a16="http://schemas.microsoft.com/office/drawing/2014/main" id="{52CD44DB-EA3A-43B5-BFB7-8192BF9E222F}"/>
+                  </a:ext>
+                </a:extLst>
+              </p:cNvPr>
+              <p:cNvGrpSpPr/>
+              <p:nvPr/>
+            </p:nvGrpSpPr>
+            <p:grpSpPr>
+              <a:xfrm rot="4991125">
+                <a:off x="7406732" y="4596835"/>
+                <a:ext cx="118727" cy="254831"/>
+                <a:chOff x="9087092" y="5470329"/>
+                <a:chExt cx="118727" cy="254831"/>
+              </a:xfrm>
+            </p:grpSpPr>
+            <p:cxnSp>
+              <p:nvCxnSpPr>
+                <p:cNvPr id="43" name="Gerader Verbinder 42">
+                  <a:extLst>
+                    <a:ext uri="{FF2B5EF4-FFF2-40B4-BE49-F238E27FC236}">
+                      <a16:creationId xmlns:a16="http://schemas.microsoft.com/office/drawing/2014/main" id="{A85DC58F-A141-4BA2-9660-E5620A2006C8}"/>
+                    </a:ext>
+                  </a:extLst>
+                </p:cNvPr>
+                <p:cNvCxnSpPr/>
+                <p:nvPr/>
+              </p:nvCxnSpPr>
+              <p:spPr>
+                <a:xfrm>
+                  <a:off x="9146092" y="5477903"/>
+                  <a:ext cx="59727" cy="247257"/>
+                </a:xfrm>
+                <a:prstGeom prst="line">
+                  <a:avLst/>
+                </a:prstGeom>
+              </p:spPr>
+              <p:style>
+                <a:lnRef idx="1">
+                  <a:schemeClr val="accent2"/>
+                </a:lnRef>
+                <a:fillRef idx="0">
+                  <a:schemeClr val="accent2"/>
+                </a:fillRef>
+                <a:effectRef idx="0">
+                  <a:schemeClr val="accent2"/>
+                </a:effectRef>
+                <a:fontRef idx="minor">
+                  <a:schemeClr val="tx1"/>
+                </a:fontRef>
+              </p:style>
+            </p:cxnSp>
+            <p:grpSp>
+              <p:nvGrpSpPr>
+                <p:cNvPr id="44" name="Gruppieren 43">
+                  <a:extLst>
+                    <a:ext uri="{FF2B5EF4-FFF2-40B4-BE49-F238E27FC236}">
+                      <a16:creationId xmlns:a16="http://schemas.microsoft.com/office/drawing/2014/main" id="{78194D53-9C7C-4B9E-AC16-0AFBAB1787C4}"/>
+                    </a:ext>
+                  </a:extLst>
+                </p:cNvPr>
+                <p:cNvGrpSpPr/>
+                <p:nvPr/>
+              </p:nvGrpSpPr>
+              <p:grpSpPr>
+                <a:xfrm>
+                  <a:off x="9087092" y="5470329"/>
+                  <a:ext cx="87940" cy="249751"/>
+                  <a:chOff x="9574223" y="5681103"/>
+                  <a:chExt cx="87940" cy="249751"/>
+                </a:xfrm>
+              </p:grpSpPr>
+              <p:cxnSp>
+                <p:nvCxnSpPr>
+                  <p:cNvPr id="45" name="Gerader Verbinder 44">
+                    <a:extLst>
+                      <a:ext uri="{FF2B5EF4-FFF2-40B4-BE49-F238E27FC236}">
+                        <a16:creationId xmlns:a16="http://schemas.microsoft.com/office/drawing/2014/main" id="{51D58B78-C9CF-45D9-9435-442655A0E76D}"/>
+                      </a:ext>
+                    </a:extLst>
+                  </p:cNvPr>
+                  <p:cNvCxnSpPr>
+                    <a:cxnSpLocks/>
+                  </p:cNvCxnSpPr>
+                  <p:nvPr/>
+                </p:nvCxnSpPr>
+                <p:spPr>
+                  <a:xfrm flipH="1">
+                    <a:off x="9574223" y="5688677"/>
+                    <a:ext cx="53303" cy="234603"/>
+                  </a:xfrm>
+                  <a:prstGeom prst="line">
+                    <a:avLst/>
+                  </a:prstGeom>
+                </p:spPr>
+                <p:style>
+                  <a:lnRef idx="1">
+                    <a:schemeClr val="accent2"/>
+                  </a:lnRef>
+                  <a:fillRef idx="0">
+                    <a:schemeClr val="accent2"/>
+                  </a:fillRef>
+                  <a:effectRef idx="0">
+                    <a:schemeClr val="accent2"/>
+                  </a:effectRef>
+                  <a:fontRef idx="minor">
+                    <a:schemeClr val="tx1"/>
+                  </a:fontRef>
+                </p:style>
+              </p:cxnSp>
+              <p:cxnSp>
+                <p:nvCxnSpPr>
+                  <p:cNvPr id="46" name="Gerader Verbinder 45">
+                    <a:extLst>
+                      <a:ext uri="{FF2B5EF4-FFF2-40B4-BE49-F238E27FC236}">
+                        <a16:creationId xmlns:a16="http://schemas.microsoft.com/office/drawing/2014/main" id="{B91A7786-1D07-40DB-847C-A44AFC63E527}"/>
+                      </a:ext>
+                    </a:extLst>
+                  </p:cNvPr>
+                  <p:cNvCxnSpPr>
+                    <a:cxnSpLocks/>
+                  </p:cNvCxnSpPr>
+                  <p:nvPr/>
+                </p:nvCxnSpPr>
+                <p:spPr>
+                  <a:xfrm>
+                    <a:off x="9627833" y="5681103"/>
+                    <a:ext cx="0" cy="242177"/>
+                  </a:xfrm>
+                  <a:prstGeom prst="line">
+                    <a:avLst/>
+                  </a:prstGeom>
+                </p:spPr>
+                <p:style>
+                  <a:lnRef idx="1">
+                    <a:schemeClr val="accent2"/>
+                  </a:lnRef>
+                  <a:fillRef idx="0">
+                    <a:schemeClr val="accent2"/>
+                  </a:fillRef>
+                  <a:effectRef idx="0">
+                    <a:schemeClr val="accent2"/>
+                  </a:effectRef>
+                  <a:fontRef idx="minor">
+                    <a:schemeClr val="tx1"/>
+                  </a:fontRef>
+                </p:style>
+              </p:cxnSp>
+              <p:cxnSp>
+                <p:nvCxnSpPr>
+                  <p:cNvPr id="47" name="Gerader Verbinder 46">
+                    <a:extLst>
+                      <a:ext uri="{FF2B5EF4-FFF2-40B4-BE49-F238E27FC236}">
+                        <a16:creationId xmlns:a16="http://schemas.microsoft.com/office/drawing/2014/main" id="{B84ED4FD-D74E-4C94-AB48-AE289943F05B}"/>
+                      </a:ext>
+                    </a:extLst>
+                  </p:cNvPr>
+                  <p:cNvCxnSpPr>
+                    <a:cxnSpLocks/>
+                  </p:cNvCxnSpPr>
+                  <p:nvPr/>
+                </p:nvCxnSpPr>
+                <p:spPr>
+                  <a:xfrm>
+                    <a:off x="9633532" y="5688677"/>
+                    <a:ext cx="28631" cy="242177"/>
+                  </a:xfrm>
+                  <a:prstGeom prst="line">
+                    <a:avLst/>
+                  </a:prstGeom>
+                </p:spPr>
+                <p:style>
+                  <a:lnRef idx="1">
+                    <a:schemeClr val="accent2"/>
+                  </a:lnRef>
+                  <a:fillRef idx="0">
+                    <a:schemeClr val="accent2"/>
+                  </a:fillRef>
+                  <a:effectRef idx="0">
+                    <a:schemeClr val="accent2"/>
+                  </a:effectRef>
+                  <a:fontRef idx="minor">
+                    <a:schemeClr val="tx1"/>
+                  </a:fontRef>
+                </p:style>
+              </p:cxnSp>
+            </p:grpSp>
+          </p:grpSp>
+        </p:grpSp>
+      </p:grpSp>
+      <p:sp>
+        <p:nvSpPr>
+          <p:cNvPr id="55" name="Rechteck 54">
+            <a:extLst>
+              <a:ext uri="{FF2B5EF4-FFF2-40B4-BE49-F238E27FC236}">
+                <a16:creationId xmlns:a16="http://schemas.microsoft.com/office/drawing/2014/main" id="{45C590BD-0C4C-49B9-8571-420EA808E5ED}"/>
+              </a:ext>
+            </a:extLst>
+          </p:cNvPr>
+          <p:cNvSpPr/>
+          <p:nvPr/>
+        </p:nvSpPr>
+        <p:spPr>
+          <a:xfrm>
+            <a:off x="8347971" y="1837143"/>
+            <a:ext cx="502571" cy="1906682"/>
+          </a:xfrm>
+          <a:prstGeom prst="rect">
+            <a:avLst/>
+          </a:prstGeom>
+          <a:solidFill>
+            <a:schemeClr val="accent2">
+              <a:lumMod val="75000"/>
+            </a:schemeClr>
+          </a:solidFill>
+          <a:ln>
+            <a:solidFill>
+              <a:schemeClr val="tx1"/>
+            </a:solidFill>
+          </a:ln>
+          <a:effectLst/>
+        </p:spPr>
+        <p:style>
+          <a:lnRef idx="2">
+            <a:schemeClr val="accent1">
+              <a:shade val="50000"/>
+            </a:schemeClr>
+          </a:lnRef>
+          <a:fillRef idx="1">
+            <a:schemeClr val="accent1"/>
+          </a:fillRef>
+          <a:effectRef idx="0">
+            <a:schemeClr val="accent1"/>
+          </a:effectRef>
+          <a:fontRef idx="minor">
+            <a:schemeClr val="lt1"/>
+          </a:fontRef>
+        </p:style>
+        <p:txBody>
+          <a:bodyPr rtlCol="0" anchor="ctr"/>
+          <a:lstStyle/>
+          <a:p>
+            <a:pPr algn="ctr"/>
+            <a:endParaRPr lang="de-CH"/>
+          </a:p>
+        </p:txBody>
+      </p:sp>
+      <p:sp>
+        <p:nvSpPr>
+          <p:cNvPr id="56" name="Wolke 55">
+            <a:extLst>
+              <a:ext uri="{FF2B5EF4-FFF2-40B4-BE49-F238E27FC236}">
+                <a16:creationId xmlns:a16="http://schemas.microsoft.com/office/drawing/2014/main" id="{63DD63EE-B524-464B-9220-EEFA9ABBDC1C}"/>
+              </a:ext>
+            </a:extLst>
+          </p:cNvPr>
+          <p:cNvSpPr/>
+          <p:nvPr/>
+        </p:nvSpPr>
+        <p:spPr>
+          <a:xfrm>
+            <a:off x="4841279" y="4999796"/>
+            <a:ext cx="369341" cy="336093"/>
+          </a:xfrm>
+          <a:prstGeom prst="cloud">
+            <a:avLst/>
+          </a:prstGeom>
+          <a:solidFill>
+            <a:schemeClr val="bg1">
+              <a:lumMod val="75000"/>
+            </a:schemeClr>
+          </a:solidFill>
+          <a:ln>
+            <a:solidFill>
+              <a:schemeClr val="bg1">
+                <a:lumMod val="75000"/>
+              </a:schemeClr>
+            </a:solidFill>
+          </a:ln>
+        </p:spPr>
+        <p:style>
+          <a:lnRef idx="2">
+            <a:schemeClr val="accent1">
+              <a:shade val="50000"/>
+            </a:schemeClr>
+          </a:lnRef>
+          <a:fillRef idx="1">
+            <a:schemeClr val="accent1"/>
+          </a:fillRef>
+          <a:effectRef idx="0">
+            <a:schemeClr val="accent1"/>
+          </a:effectRef>
+          <a:fontRef idx="minor">
+            <a:schemeClr val="lt1"/>
+          </a:fontRef>
+        </p:style>
+        <p:txBody>
+          <a:bodyPr rtlCol="0" anchor="ctr"/>
+          <a:lstStyle/>
+          <a:p>
+            <a:pPr algn="ctr"/>
+            <a:endParaRPr lang="de-CH"/>
+          </a:p>
+        </p:txBody>
+      </p:sp>
+      <p:sp>
+        <p:nvSpPr>
+          <p:cNvPr id="57" name="Wolke 56">
+            <a:extLst>
+              <a:ext uri="{FF2B5EF4-FFF2-40B4-BE49-F238E27FC236}">
+                <a16:creationId xmlns:a16="http://schemas.microsoft.com/office/drawing/2014/main" id="{28936CF7-06E6-4228-AB3C-3D2C01660056}"/>
+              </a:ext>
+            </a:extLst>
+          </p:cNvPr>
+          <p:cNvSpPr/>
+          <p:nvPr/>
+        </p:nvSpPr>
+        <p:spPr>
+          <a:xfrm>
+            <a:off x="5708499" y="5371659"/>
+            <a:ext cx="369341" cy="336093"/>
+          </a:xfrm>
+          <a:prstGeom prst="cloud">
+            <a:avLst/>
+          </a:prstGeom>
+          <a:solidFill>
+            <a:schemeClr val="bg1">
+              <a:lumMod val="75000"/>
+            </a:schemeClr>
+          </a:solidFill>
+          <a:ln>
+            <a:solidFill>
+              <a:schemeClr val="bg1">
+                <a:lumMod val="75000"/>
+              </a:schemeClr>
+            </a:solidFill>
+          </a:ln>
+        </p:spPr>
+        <p:style>
+          <a:lnRef idx="2">
+            <a:schemeClr val="accent1">
+              <a:shade val="50000"/>
+            </a:schemeClr>
+          </a:lnRef>
+          <a:fillRef idx="1">
+            <a:schemeClr val="accent1"/>
+          </a:fillRef>
+          <a:effectRef idx="0">
+            <a:schemeClr val="accent1"/>
+          </a:effectRef>
+          <a:fontRef idx="minor">
+            <a:schemeClr val="lt1"/>
+          </a:fontRef>
+        </p:style>
+        <p:txBody>
+          <a:bodyPr rtlCol="0" anchor="ctr"/>
+          <a:lstStyle/>
+          <a:p>
+            <a:pPr algn="ctr"/>
+            <a:endParaRPr lang="de-CH"/>
+          </a:p>
+        </p:txBody>
+      </p:sp>
+      <p:sp>
+        <p:nvSpPr>
+          <p:cNvPr id="8" name="Textfeld 7">
+            <a:extLst>
+              <a:ext uri="{FF2B5EF4-FFF2-40B4-BE49-F238E27FC236}">
+                <a16:creationId xmlns:a16="http://schemas.microsoft.com/office/drawing/2014/main" id="{1945E90C-CAC9-4362-A743-C1B209379706}"/>
+              </a:ext>
+            </a:extLst>
+          </p:cNvPr>
+          <p:cNvSpPr txBox="1"/>
+          <p:nvPr/>
+        </p:nvSpPr>
+        <p:spPr>
+          <a:xfrm>
+            <a:off x="4352579" y="798274"/>
+            <a:ext cx="1871437" cy="584775"/>
+          </a:xfrm>
+          <a:prstGeom prst="rect">
+            <a:avLst/>
+          </a:prstGeom>
+          <a:noFill/>
+          <a:ln w="3175">
+            <a:solidFill>
+              <a:schemeClr val="tx1"/>
+            </a:solidFill>
+          </a:ln>
+        </p:spPr>
+        <p:txBody>
+          <a:bodyPr wrap="square" rtlCol="0">
+            <a:spAutoFit/>
+          </a:bodyPr>
+          <a:lstStyle/>
+          <a:p>
+            <a:r>
+              <a:rPr lang="de-CH" sz="1600" dirty="0"/>
+              <a:t>Description </a:t>
+            </a:r>
+            <a:r>
+              <a:rPr lang="de-CH" sz="1600" dirty="0" err="1"/>
+              <a:t>of</a:t>
+            </a:r>
+            <a:r>
+              <a:rPr lang="de-CH" sz="1600" dirty="0"/>
+              <a:t> Sample</a:t>
+            </a:r>
+          </a:p>
+        </p:txBody>
+      </p:sp>
+      <p:sp>
+        <p:nvSpPr>
+          <p:cNvPr id="58" name="Rechteck 57">
+            <a:extLst>
+              <a:ext uri="{FF2B5EF4-FFF2-40B4-BE49-F238E27FC236}">
+                <a16:creationId xmlns:a16="http://schemas.microsoft.com/office/drawing/2014/main" id="{F3F1918D-D9C3-450A-86E9-BB9C85FE263E}"/>
+              </a:ext>
+            </a:extLst>
+          </p:cNvPr>
+          <p:cNvSpPr/>
+          <p:nvPr/>
+        </p:nvSpPr>
+        <p:spPr>
+          <a:xfrm>
+            <a:off x="7971318" y="4656420"/>
+            <a:ext cx="502571" cy="1906682"/>
+          </a:xfrm>
+          <a:prstGeom prst="rect">
+            <a:avLst/>
+          </a:prstGeom>
+          <a:solidFill>
+            <a:schemeClr val="accent4">
+              <a:lumMod val="60000"/>
+              <a:lumOff val="40000"/>
+            </a:schemeClr>
+          </a:solidFill>
+          <a:ln>
+            <a:solidFill>
+              <a:schemeClr val="tx1"/>
+            </a:solidFill>
+          </a:ln>
+          <a:effectLst/>
+        </p:spPr>
+        <p:style>
+          <a:lnRef idx="2">
+            <a:schemeClr val="accent1">
+              <a:shade val="50000"/>
+            </a:schemeClr>
+          </a:lnRef>
+          <a:fillRef idx="1">
+            <a:schemeClr val="accent1"/>
+          </a:fillRef>
+          <a:effectRef idx="0">
+            <a:schemeClr val="accent1"/>
+          </a:effectRef>
+          <a:fontRef idx="minor">
+            <a:schemeClr val="lt1"/>
+          </a:fontRef>
+        </p:style>
+        <p:txBody>
+          <a:bodyPr rtlCol="0" anchor="ctr"/>
+          <a:lstStyle/>
+          <a:p>
+            <a:pPr algn="ctr"/>
+            <a:endParaRPr lang="de-CH"/>
+          </a:p>
+        </p:txBody>
+      </p:sp>
+      <p:sp>
+        <p:nvSpPr>
+          <p:cNvPr id="59" name="Rechteck 58">
+            <a:extLst>
+              <a:ext uri="{FF2B5EF4-FFF2-40B4-BE49-F238E27FC236}">
+                <a16:creationId xmlns:a16="http://schemas.microsoft.com/office/drawing/2014/main" id="{728E3D1E-EEC8-4D0C-8A83-220BD85D217E}"/>
+              </a:ext>
+            </a:extLst>
+          </p:cNvPr>
+          <p:cNvSpPr/>
+          <p:nvPr/>
+        </p:nvSpPr>
+        <p:spPr>
+          <a:xfrm>
+            <a:off x="8605704" y="4657170"/>
+            <a:ext cx="502571" cy="1906682"/>
+          </a:xfrm>
+          <a:prstGeom prst="rect">
+            <a:avLst/>
+          </a:prstGeom>
+          <a:solidFill>
+            <a:schemeClr val="accent4">
+              <a:lumMod val="60000"/>
+              <a:lumOff val="40000"/>
+            </a:schemeClr>
+          </a:solidFill>
+          <a:ln>
+            <a:solidFill>
+              <a:schemeClr val="tx1"/>
+            </a:solidFill>
+          </a:ln>
+          <a:effectLst/>
+        </p:spPr>
+        <p:style>
+          <a:lnRef idx="2">
+            <a:schemeClr val="accent1">
+              <a:shade val="50000"/>
+            </a:schemeClr>
+          </a:lnRef>
+          <a:fillRef idx="1">
+            <a:schemeClr val="accent1"/>
+          </a:fillRef>
+          <a:effectRef idx="0">
+            <a:schemeClr val="accent1"/>
+          </a:effectRef>
+          <a:fontRef idx="minor">
+            <a:schemeClr val="lt1"/>
+          </a:fontRef>
+        </p:style>
+        <p:txBody>
+          <a:bodyPr rtlCol="0" anchor="ctr"/>
+          <a:lstStyle/>
+          <a:p>
+            <a:pPr algn="ctr"/>
+            <a:endParaRPr lang="de-CH"/>
+          </a:p>
+        </p:txBody>
+      </p:sp>
+      <p:sp>
+        <p:nvSpPr>
+          <p:cNvPr id="60" name="Rechteck 59">
+            <a:extLst>
+              <a:ext uri="{FF2B5EF4-FFF2-40B4-BE49-F238E27FC236}">
+                <a16:creationId xmlns:a16="http://schemas.microsoft.com/office/drawing/2014/main" id="{E56CB50F-2E0C-46BF-ABD5-35999B458433}"/>
+              </a:ext>
+            </a:extLst>
+          </p:cNvPr>
+          <p:cNvSpPr/>
+          <p:nvPr/>
+        </p:nvSpPr>
+        <p:spPr>
+          <a:xfrm rot="5400000">
+            <a:off x="5470968" y="5207974"/>
+            <a:ext cx="502571" cy="1906682"/>
+          </a:xfrm>
+          <a:prstGeom prst="rect">
+            <a:avLst/>
+          </a:prstGeom>
+          <a:solidFill>
+            <a:schemeClr val="accent2">
+              <a:lumMod val="75000"/>
+            </a:schemeClr>
+          </a:solidFill>
+          <a:ln>
+            <a:solidFill>
+              <a:schemeClr val="tx1"/>
+            </a:solidFill>
+          </a:ln>
+          <a:effectLst/>
+        </p:spPr>
+        <p:style>
+          <a:lnRef idx="2">
+            <a:schemeClr val="accent1">
+              <a:shade val="50000"/>
+            </a:schemeClr>
+          </a:lnRef>
+          <a:fillRef idx="1">
+            <a:schemeClr val="accent1"/>
+          </a:fillRef>
+          <a:effectRef idx="0">
+            <a:schemeClr val="accent1"/>
+          </a:effectRef>
+          <a:fontRef idx="minor">
+            <a:schemeClr val="lt1"/>
+          </a:fontRef>
+        </p:style>
+        <p:txBody>
+          <a:bodyPr rtlCol="0" anchor="ctr"/>
+          <a:lstStyle/>
+          <a:p>
+            <a:pPr algn="ctr"/>
+            <a:endParaRPr lang="de-CH"/>
+          </a:p>
+        </p:txBody>
+      </p:sp>
+    </p:spTree>
+    <p:extLst>
+      <p:ext uri="{BB962C8B-B14F-4D97-AF65-F5344CB8AC3E}">
+        <p14:creationId xmlns:p14="http://schemas.microsoft.com/office/powerpoint/2010/main" val="1872723418"/>
+      </p:ext>
+    </p:extLst>
+  </p:cSld>
+  <p:clrMapOvr>
+    <a:masterClrMapping/>
+  </p:clrMapOvr>
+</p:sld>
+</file>
+
+<file path=ppt/slides/slide3.xml><?xml version="1.0" encoding="utf-8"?>
+<p:sld xmlns:a="http://schemas.openxmlformats.org/drawingml/2006/main" xmlns:r="http://schemas.openxmlformats.org/officeDocument/2006/relationships" xmlns:p="http://schemas.openxmlformats.org/presentationml/2006/main">
+  <p:cSld>
+    <p:spTree>
+      <p:nvGrpSpPr>
+        <p:cNvPr id="1" name=""/>
+        <p:cNvGrpSpPr/>
+        <p:nvPr/>
+      </p:nvGrpSpPr>
+      <p:grpSpPr>
+        <a:xfrm>
+          <a:off x="0" y="0"/>
+          <a:ext cx="0" cy="0"/>
+          <a:chOff x="0" y="0"/>
+          <a:chExt cx="0" cy="0"/>
+        </a:xfrm>
+      </p:grpSpPr>
+      <p:grpSp>
+        <p:nvGrpSpPr>
+          <p:cNvPr id="5" name="Gruppieren 4">
+            <a:extLst>
+              <a:ext uri="{FF2B5EF4-FFF2-40B4-BE49-F238E27FC236}">
+                <a16:creationId xmlns:a16="http://schemas.microsoft.com/office/drawing/2014/main" id="{51BE145A-FB59-4621-ACD1-A85C249DA2B1}"/>
+              </a:ext>
+            </a:extLst>
+          </p:cNvPr>
+          <p:cNvGrpSpPr/>
+          <p:nvPr/>
+        </p:nvGrpSpPr>
+        <p:grpSpPr>
+          <a:xfrm>
+            <a:off x="4279134" y="767374"/>
+            <a:ext cx="5847956" cy="3744996"/>
+            <a:chOff x="672334" y="80134"/>
+            <a:chExt cx="5847956" cy="3744996"/>
+          </a:xfrm>
+        </p:grpSpPr>
+        <p:sp>
+          <p:nvSpPr>
+            <p:cNvPr id="53" name="Rechteck 52">
+              <a:extLst>
+                <a:ext uri="{FF2B5EF4-FFF2-40B4-BE49-F238E27FC236}">
+                  <a16:creationId xmlns:a16="http://schemas.microsoft.com/office/drawing/2014/main" id="{8A3D7A33-E333-450D-87C3-7DDB4F750B6A}"/>
+                </a:ext>
+              </a:extLst>
+            </p:cNvPr>
+            <p:cNvSpPr/>
+            <p:nvPr/>
+          </p:nvSpPr>
+          <p:spPr>
+            <a:xfrm>
+              <a:off x="672334" y="80134"/>
+              <a:ext cx="4847208" cy="3744996"/>
+            </a:xfrm>
+            <a:prstGeom prst="rect">
+              <a:avLst/>
+            </a:prstGeom>
+            <a:solidFill>
+              <a:schemeClr val="bg1"/>
+            </a:solidFill>
+            <a:ln>
+              <a:solidFill>
+                <a:schemeClr val="tx1"/>
+              </a:solidFill>
+            </a:ln>
+            <a:effectLst/>
+          </p:spPr>
+          <p:style>
+            <a:lnRef idx="2">
+              <a:schemeClr val="accent1">
+                <a:shade val="50000"/>
+              </a:schemeClr>
+            </a:lnRef>
+            <a:fillRef idx="1">
+              <a:schemeClr val="accent1"/>
+            </a:fillRef>
+            <a:effectRef idx="0">
+              <a:schemeClr val="accent1"/>
+            </a:effectRef>
+            <a:fontRef idx="minor">
+              <a:schemeClr val="lt1"/>
+            </a:fontRef>
+          </p:style>
+          <p:txBody>
+            <a:bodyPr rtlCol="0" anchor="ctr"/>
+            <a:lstStyle/>
+            <a:p>
+              <a:pPr algn="ctr"/>
+              <a:endParaRPr lang="de-CH"/>
+            </a:p>
+          </p:txBody>
+        </p:sp>
+        <p:sp>
+          <p:nvSpPr>
+            <p:cNvPr id="6" name="Rechteck 5">
+              <a:extLst>
+                <a:ext uri="{FF2B5EF4-FFF2-40B4-BE49-F238E27FC236}">
+                  <a16:creationId xmlns:a16="http://schemas.microsoft.com/office/drawing/2014/main" id="{0DC017DB-61F4-4B9F-A851-76BDEEFC0467}"/>
+                </a:ext>
+              </a:extLst>
+            </p:cNvPr>
+            <p:cNvSpPr/>
+            <p:nvPr/>
+          </p:nvSpPr>
+          <p:spPr>
+            <a:xfrm>
+              <a:off x="861134" y="834871"/>
+              <a:ext cx="958048" cy="2733582"/>
+            </a:xfrm>
+            <a:prstGeom prst="rect">
+              <a:avLst/>
+            </a:prstGeom>
+            <a:solidFill>
+              <a:schemeClr val="accent1">
+                <a:lumMod val="60000"/>
+                <a:lumOff val="40000"/>
+              </a:schemeClr>
+            </a:solidFill>
+            <a:ln>
+              <a:solidFill>
+                <a:schemeClr val="tx1"/>
+              </a:solidFill>
+            </a:ln>
+            <a:effectLst/>
+          </p:spPr>
+          <p:style>
+            <a:lnRef idx="2">
+              <a:schemeClr val="accent1">
+                <a:shade val="50000"/>
+              </a:schemeClr>
+            </a:lnRef>
+            <a:fillRef idx="1">
+              <a:schemeClr val="accent1"/>
+            </a:fillRef>
+            <a:effectRef idx="0">
+              <a:schemeClr val="accent1"/>
+            </a:effectRef>
+            <a:fontRef idx="minor">
+              <a:schemeClr val="lt1"/>
+            </a:fontRef>
+          </p:style>
+          <p:txBody>
+            <a:bodyPr rtlCol="0" anchor="ctr"/>
+            <a:lstStyle/>
+            <a:p>
+              <a:pPr algn="ctr"/>
+              <a:endParaRPr lang="de-CH"/>
+            </a:p>
+          </p:txBody>
+        </p:sp>
+        <p:sp>
+          <p:nvSpPr>
+            <p:cNvPr id="7" name="Rechteck 6">
+              <a:extLst>
+                <a:ext uri="{FF2B5EF4-FFF2-40B4-BE49-F238E27FC236}">
+                  <a16:creationId xmlns:a16="http://schemas.microsoft.com/office/drawing/2014/main" id="{13DFBE57-9E51-47C4-8F4A-2FCA6CD094DC}"/>
+                </a:ext>
+              </a:extLst>
+            </p:cNvPr>
+            <p:cNvSpPr/>
+            <p:nvPr/>
+          </p:nvSpPr>
+          <p:spPr>
+            <a:xfrm>
+              <a:off x="4364518" y="834871"/>
+              <a:ext cx="958048" cy="2733582"/>
+            </a:xfrm>
+            <a:prstGeom prst="rect">
+              <a:avLst/>
+            </a:prstGeom>
+            <a:solidFill>
+              <a:schemeClr val="accent1">
+                <a:lumMod val="60000"/>
+                <a:lumOff val="40000"/>
+              </a:schemeClr>
+            </a:solidFill>
+            <a:ln>
+              <a:solidFill>
+                <a:schemeClr val="tx1"/>
+              </a:solidFill>
+            </a:ln>
+            <a:effectLst/>
+          </p:spPr>
+          <p:style>
+            <a:lnRef idx="2">
+              <a:schemeClr val="accent1">
+                <a:shade val="50000"/>
+              </a:schemeClr>
+            </a:lnRef>
+            <a:fillRef idx="1">
+              <a:schemeClr val="accent1"/>
+            </a:fillRef>
+            <a:effectRef idx="0">
+              <a:schemeClr val="accent1"/>
+            </a:effectRef>
+            <a:fontRef idx="minor">
+              <a:schemeClr val="lt1"/>
+            </a:fontRef>
+          </p:style>
+          <p:txBody>
+            <a:bodyPr rtlCol="0" anchor="ctr"/>
+            <a:lstStyle/>
+            <a:p>
+              <a:pPr algn="ctr"/>
+              <a:endParaRPr lang="de-CH"/>
+            </a:p>
+          </p:txBody>
+        </p:sp>
+        <p:sp>
+          <p:nvSpPr>
+            <p:cNvPr id="9" name="Freihandform: Form 8">
+              <a:extLst>
+                <a:ext uri="{FF2B5EF4-FFF2-40B4-BE49-F238E27FC236}">
+                  <a16:creationId xmlns:a16="http://schemas.microsoft.com/office/drawing/2014/main" id="{EA0284F5-64CC-4650-B183-989F9A022DC6}"/>
+                </a:ext>
+              </a:extLst>
+            </p:cNvPr>
+            <p:cNvSpPr/>
+            <p:nvPr/>
+          </p:nvSpPr>
+          <p:spPr>
+            <a:xfrm>
+              <a:off x="1340158" y="1952632"/>
+              <a:ext cx="3668722" cy="313048"/>
+            </a:xfrm>
+            <a:custGeom>
+              <a:avLst/>
+              <a:gdLst>
+                <a:gd name="connsiteX0" fmla="*/ 0 w 3240350"/>
+                <a:gd name="connsiteY0" fmla="*/ 648488 h 648488"/>
+                <a:gd name="connsiteX1" fmla="*/ 719091 w 3240350"/>
+                <a:gd name="connsiteY1" fmla="*/ 418 h 648488"/>
+                <a:gd name="connsiteX2" fmla="*/ 1553592 w 3240350"/>
+                <a:gd name="connsiteY2" fmla="*/ 541955 h 648488"/>
+                <a:gd name="connsiteX3" fmla="*/ 3240350 w 3240350"/>
+                <a:gd name="connsiteY3" fmla="*/ 35928 h 648488"/>
+              </a:gdLst>
+              <a:ahLst/>
+              <a:cxnLst>
+                <a:cxn ang="0">
+                  <a:pos x="connsiteX0" y="connsiteY0"/>
+                </a:cxn>
+                <a:cxn ang="0">
+                  <a:pos x="connsiteX1" y="connsiteY1"/>
+                </a:cxn>
+                <a:cxn ang="0">
+                  <a:pos x="connsiteX2" y="connsiteY2"/>
+                </a:cxn>
+                <a:cxn ang="0">
+                  <a:pos x="connsiteX3" y="connsiteY3"/>
+                </a:cxn>
+              </a:cxnLst>
+              <a:rect l="l" t="t" r="r" b="b"/>
+              <a:pathLst>
+                <a:path w="3240350" h="648488">
+                  <a:moveTo>
+                    <a:pt x="0" y="648488"/>
+                  </a:moveTo>
+                  <a:cubicBezTo>
+                    <a:pt x="230079" y="333330"/>
+                    <a:pt x="460159" y="18173"/>
+                    <a:pt x="719091" y="418"/>
+                  </a:cubicBezTo>
+                  <a:cubicBezTo>
+                    <a:pt x="978023" y="-17338"/>
+                    <a:pt x="1133382" y="536037"/>
+                    <a:pt x="1553592" y="541955"/>
+                  </a:cubicBezTo>
+                  <a:cubicBezTo>
+                    <a:pt x="1973802" y="547873"/>
+                    <a:pt x="2607076" y="291900"/>
+                    <a:pt x="3240350" y="35928"/>
+                  </a:cubicBezTo>
+                </a:path>
+              </a:pathLst>
+            </a:custGeom>
+            <a:ln w="28575">
+              <a:solidFill>
+                <a:schemeClr val="accent2">
+                  <a:lumMod val="75000"/>
+                </a:schemeClr>
+              </a:solidFill>
+            </a:ln>
+          </p:spPr>
+          <p:style>
+            <a:lnRef idx="1">
+              <a:schemeClr val="accent2"/>
+            </a:lnRef>
+            <a:fillRef idx="0">
+              <a:schemeClr val="accent2"/>
+            </a:fillRef>
+            <a:effectRef idx="0">
+              <a:schemeClr val="accent2"/>
+            </a:effectRef>
+            <a:fontRef idx="minor">
+              <a:schemeClr val="tx1"/>
+            </a:fontRef>
+          </p:style>
+          <p:txBody>
+            <a:bodyPr rtlCol="0" anchor="ctr"/>
+            <a:lstStyle/>
+            <a:p>
+              <a:pPr algn="ctr"/>
+              <a:endParaRPr lang="de-CH" dirty="0">
+                <a:solidFill>
+                  <a:srgbClr val="FF0000"/>
+                </a:solidFill>
+              </a:endParaRPr>
+            </a:p>
+          </p:txBody>
+        </p:sp>
+        <p:sp>
+          <p:nvSpPr>
+            <p:cNvPr id="3" name="Rechteck 2">
+              <a:extLst>
+                <a:ext uri="{FF2B5EF4-FFF2-40B4-BE49-F238E27FC236}">
+                  <a16:creationId xmlns:a16="http://schemas.microsoft.com/office/drawing/2014/main" id="{FD3B7B29-CC40-43B5-ABC4-72D77B5A54EF}"/>
+                </a:ext>
+              </a:extLst>
+            </p:cNvPr>
+            <p:cNvSpPr/>
+            <p:nvPr/>
+          </p:nvSpPr>
+          <p:spPr>
+            <a:xfrm>
+              <a:off x="4798489" y="914390"/>
+              <a:ext cx="463117" cy="2574543"/>
+            </a:xfrm>
+            <a:prstGeom prst="rect">
+              <a:avLst/>
+            </a:prstGeom>
+            <a:solidFill>
+              <a:schemeClr val="accent6">
+                <a:lumMod val="60000"/>
+                <a:lumOff val="40000"/>
+              </a:schemeClr>
+            </a:solidFill>
+            <a:ln>
+              <a:solidFill>
+                <a:schemeClr val="tx1"/>
+              </a:solidFill>
+            </a:ln>
+            <a:effectLst/>
+          </p:spPr>
+          <p:style>
+            <a:lnRef idx="2">
+              <a:schemeClr val="accent1">
+                <a:shade val="50000"/>
+              </a:schemeClr>
+            </a:lnRef>
+            <a:fillRef idx="1">
+              <a:schemeClr val="accent1"/>
+            </a:fillRef>
+            <a:effectRef idx="0">
+              <a:schemeClr val="accent1"/>
+            </a:effectRef>
+            <a:fontRef idx="minor">
+              <a:schemeClr val="lt1"/>
+            </a:fontRef>
+          </p:style>
+          <p:txBody>
+            <a:bodyPr rtlCol="0" anchor="ctr"/>
+            <a:lstStyle/>
+            <a:p>
+              <a:pPr algn="ctr"/>
+              <a:endParaRPr lang="de-CH"/>
+            </a:p>
+          </p:txBody>
+        </p:sp>
+        <p:sp>
+          <p:nvSpPr>
+            <p:cNvPr id="4" name="Rechteck 3">
+              <a:extLst>
+                <a:ext uri="{FF2B5EF4-FFF2-40B4-BE49-F238E27FC236}">
+                  <a16:creationId xmlns:a16="http://schemas.microsoft.com/office/drawing/2014/main" id="{F7B0D917-978C-45B5-9677-52AF6F87DDCD}"/>
+                </a:ext>
+              </a:extLst>
+            </p:cNvPr>
+            <p:cNvSpPr/>
+            <p:nvPr/>
+          </p:nvSpPr>
+          <p:spPr>
+            <a:xfrm rot="21443954">
+              <a:off x="1042379" y="914390"/>
+              <a:ext cx="463117" cy="2456969"/>
+            </a:xfrm>
+            <a:prstGeom prst="rect">
+              <a:avLst/>
+            </a:prstGeom>
+            <a:solidFill>
+              <a:schemeClr val="accent6">
+                <a:lumMod val="60000"/>
+                <a:lumOff val="40000"/>
+              </a:schemeClr>
+            </a:solidFill>
+            <a:ln>
+              <a:solidFill>
+                <a:schemeClr val="tx1"/>
+              </a:solidFill>
+            </a:ln>
+            <a:effectLst/>
+          </p:spPr>
+          <p:style>
+            <a:lnRef idx="2">
+              <a:schemeClr val="accent1">
+                <a:shade val="50000"/>
+              </a:schemeClr>
+            </a:lnRef>
+            <a:fillRef idx="1">
+              <a:schemeClr val="accent1"/>
+            </a:fillRef>
+            <a:effectRef idx="0">
+              <a:schemeClr val="accent1"/>
+            </a:effectRef>
+            <a:fontRef idx="minor">
+              <a:schemeClr val="lt1"/>
+            </a:fontRef>
+          </p:style>
+          <p:txBody>
+            <a:bodyPr rtlCol="0" anchor="ctr"/>
+            <a:lstStyle/>
+            <a:p>
+              <a:pPr algn="ctr"/>
+              <a:endParaRPr lang="de-CH"/>
+            </a:p>
+          </p:txBody>
+        </p:sp>
+        <p:grpSp>
+          <p:nvGrpSpPr>
+            <p:cNvPr id="39" name="Gruppieren 38">
+              <a:extLst>
+                <a:ext uri="{FF2B5EF4-FFF2-40B4-BE49-F238E27FC236}">
+                  <a16:creationId xmlns:a16="http://schemas.microsoft.com/office/drawing/2014/main" id="{B4FCFECB-78A3-4AC5-8AB9-EECF39991878}"/>
+                </a:ext>
+              </a:extLst>
+            </p:cNvPr>
+            <p:cNvGrpSpPr/>
+            <p:nvPr/>
+          </p:nvGrpSpPr>
+          <p:grpSpPr>
+            <a:xfrm>
+              <a:off x="2909859" y="1970527"/>
+              <a:ext cx="3610431" cy="1342637"/>
+              <a:chOff x="5765904" y="4664887"/>
+              <a:chExt cx="3610431" cy="1342637"/>
+            </a:xfrm>
+          </p:grpSpPr>
+          <p:grpSp>
+            <p:nvGrpSpPr>
+              <p:cNvPr id="40" name="Gruppieren 39">
+                <a:extLst>
+                  <a:ext uri="{FF2B5EF4-FFF2-40B4-BE49-F238E27FC236}">
+                    <a16:creationId xmlns:a16="http://schemas.microsoft.com/office/drawing/2014/main" id="{7E2F037B-638E-4AF3-87DA-B281C54A5CEC}"/>
+                  </a:ext>
+                </a:extLst>
+              </p:cNvPr>
+              <p:cNvGrpSpPr/>
+              <p:nvPr/>
+            </p:nvGrpSpPr>
+            <p:grpSpPr>
+              <a:xfrm>
+                <a:off x="9257608" y="5335516"/>
+                <a:ext cx="118727" cy="254831"/>
+                <a:chOff x="9087092" y="5470329"/>
+                <a:chExt cx="118727" cy="254831"/>
+              </a:xfrm>
+            </p:grpSpPr>
+            <p:cxnSp>
+              <p:nvCxnSpPr>
+                <p:cNvPr id="48" name="Gerader Verbinder 47">
+                  <a:extLst>
+                    <a:ext uri="{FF2B5EF4-FFF2-40B4-BE49-F238E27FC236}">
+                      <a16:creationId xmlns:a16="http://schemas.microsoft.com/office/drawing/2014/main" id="{5507FD7D-EE29-4593-8AB7-9FD231A655C4}"/>
+                    </a:ext>
+                  </a:extLst>
+                </p:cNvPr>
+                <p:cNvCxnSpPr/>
+                <p:nvPr/>
+              </p:nvCxnSpPr>
+              <p:spPr>
+                <a:xfrm>
+                  <a:off x="9146092" y="5477903"/>
+                  <a:ext cx="59727" cy="247257"/>
+                </a:xfrm>
+                <a:prstGeom prst="line">
+                  <a:avLst/>
+                </a:prstGeom>
+              </p:spPr>
+              <p:style>
+                <a:lnRef idx="1">
+                  <a:schemeClr val="accent2"/>
+                </a:lnRef>
+                <a:fillRef idx="0">
+                  <a:schemeClr val="accent2"/>
+                </a:fillRef>
+                <a:effectRef idx="0">
+                  <a:schemeClr val="accent2"/>
+                </a:effectRef>
+                <a:fontRef idx="minor">
+                  <a:schemeClr val="tx1"/>
+                </a:fontRef>
+              </p:style>
+            </p:cxnSp>
+            <p:grpSp>
+              <p:nvGrpSpPr>
+                <p:cNvPr id="49" name="Gruppieren 48">
+                  <a:extLst>
+                    <a:ext uri="{FF2B5EF4-FFF2-40B4-BE49-F238E27FC236}">
+                      <a16:creationId xmlns:a16="http://schemas.microsoft.com/office/drawing/2014/main" id="{3D1D8D9F-F3EE-462C-AC25-ED7A50D3EDA1}"/>
+                    </a:ext>
+                  </a:extLst>
+                </p:cNvPr>
+                <p:cNvGrpSpPr/>
+                <p:nvPr/>
+              </p:nvGrpSpPr>
+              <p:grpSpPr>
+                <a:xfrm>
+                  <a:off x="9087092" y="5470329"/>
+                  <a:ext cx="87940" cy="249751"/>
+                  <a:chOff x="9574223" y="5681103"/>
+                  <a:chExt cx="87940" cy="249751"/>
+                </a:xfrm>
+              </p:grpSpPr>
+              <p:cxnSp>
+                <p:nvCxnSpPr>
+                  <p:cNvPr id="50" name="Gerader Verbinder 49">
+                    <a:extLst>
+                      <a:ext uri="{FF2B5EF4-FFF2-40B4-BE49-F238E27FC236}">
+                        <a16:creationId xmlns:a16="http://schemas.microsoft.com/office/drawing/2014/main" id="{FB5D3346-E42D-493A-90EE-D519EB9B3555}"/>
+                      </a:ext>
+                    </a:extLst>
+                  </p:cNvPr>
+                  <p:cNvCxnSpPr>
+                    <a:cxnSpLocks/>
+                  </p:cNvCxnSpPr>
+                  <p:nvPr/>
+                </p:nvCxnSpPr>
+                <p:spPr>
+                  <a:xfrm flipH="1">
+                    <a:off x="9574223" y="5688677"/>
+                    <a:ext cx="53303" cy="234603"/>
+                  </a:xfrm>
+                  <a:prstGeom prst="line">
+                    <a:avLst/>
+                  </a:prstGeom>
+                </p:spPr>
+                <p:style>
+                  <a:lnRef idx="1">
+                    <a:schemeClr val="accent2"/>
+                  </a:lnRef>
+                  <a:fillRef idx="0">
+                    <a:schemeClr val="accent2"/>
+                  </a:fillRef>
+                  <a:effectRef idx="0">
+                    <a:schemeClr val="accent2"/>
+                  </a:effectRef>
+                  <a:fontRef idx="minor">
+                    <a:schemeClr val="tx1"/>
+                  </a:fontRef>
+                </p:style>
+              </p:cxnSp>
+              <p:cxnSp>
+                <p:nvCxnSpPr>
+                  <p:cNvPr id="51" name="Gerader Verbinder 50">
+                    <a:extLst>
+                      <a:ext uri="{FF2B5EF4-FFF2-40B4-BE49-F238E27FC236}">
+                        <a16:creationId xmlns:a16="http://schemas.microsoft.com/office/drawing/2014/main" id="{B849E7F7-6718-495E-B45E-1DDA402297D8}"/>
+                      </a:ext>
+                    </a:extLst>
+                  </p:cNvPr>
+                  <p:cNvCxnSpPr>
+                    <a:cxnSpLocks/>
+                  </p:cNvCxnSpPr>
+                  <p:nvPr/>
+                </p:nvCxnSpPr>
+                <p:spPr>
+                  <a:xfrm>
+                    <a:off x="9627833" y="5681103"/>
+                    <a:ext cx="0" cy="242177"/>
+                  </a:xfrm>
+                  <a:prstGeom prst="line">
+                    <a:avLst/>
+                  </a:prstGeom>
+                </p:spPr>
+                <p:style>
+                  <a:lnRef idx="1">
+                    <a:schemeClr val="accent2"/>
+                  </a:lnRef>
+                  <a:fillRef idx="0">
+                    <a:schemeClr val="accent2"/>
+                  </a:fillRef>
+                  <a:effectRef idx="0">
+                    <a:schemeClr val="accent2"/>
+                  </a:effectRef>
+                  <a:fontRef idx="minor">
+                    <a:schemeClr val="tx1"/>
+                  </a:fontRef>
+                </p:style>
+              </p:cxnSp>
+              <p:cxnSp>
+                <p:nvCxnSpPr>
+                  <p:cNvPr id="52" name="Gerader Verbinder 51">
+                    <a:extLst>
+                      <a:ext uri="{FF2B5EF4-FFF2-40B4-BE49-F238E27FC236}">
+                        <a16:creationId xmlns:a16="http://schemas.microsoft.com/office/drawing/2014/main" id="{F2A20767-E019-4088-AF7C-4B9A93CADEB9}"/>
+                      </a:ext>
+                    </a:extLst>
+                  </p:cNvPr>
+                  <p:cNvCxnSpPr>
+                    <a:cxnSpLocks/>
+                  </p:cNvCxnSpPr>
+                  <p:nvPr/>
+                </p:nvCxnSpPr>
+                <p:spPr>
+                  <a:xfrm>
+                    <a:off x="9633532" y="5688677"/>
+                    <a:ext cx="28631" cy="242177"/>
+                  </a:xfrm>
+                  <a:prstGeom prst="line">
+                    <a:avLst/>
+                  </a:prstGeom>
+                </p:spPr>
+                <p:style>
+                  <a:lnRef idx="1">
+                    <a:schemeClr val="accent2"/>
+                  </a:lnRef>
+                  <a:fillRef idx="0">
+                    <a:schemeClr val="accent2"/>
+                  </a:fillRef>
+                  <a:effectRef idx="0">
+                    <a:schemeClr val="accent2"/>
+                  </a:effectRef>
+                  <a:fontRef idx="minor">
+                    <a:schemeClr val="tx1"/>
+                  </a:fontRef>
+                </p:style>
+              </p:cxnSp>
+            </p:grpSp>
+          </p:grpSp>
+          <p:sp>
+            <p:nvSpPr>
+              <p:cNvPr id="41" name="Bogen 40">
+                <a:extLst>
+                  <a:ext uri="{FF2B5EF4-FFF2-40B4-BE49-F238E27FC236}">
+                    <a16:creationId xmlns:a16="http://schemas.microsoft.com/office/drawing/2014/main" id="{2259DA07-56E6-49E6-8F99-12C356C1C26C}"/>
+                  </a:ext>
+                </a:extLst>
+              </p:cNvPr>
+              <p:cNvSpPr/>
+              <p:nvPr/>
+            </p:nvSpPr>
+            <p:spPr>
+              <a:xfrm>
+                <a:off x="5765904" y="4703419"/>
+                <a:ext cx="3551068" cy="1304105"/>
+              </a:xfrm>
+              <a:prstGeom prst="arc">
+                <a:avLst/>
+              </a:prstGeom>
+              <a:ln w="57150">
+                <a:solidFill>
+                  <a:srgbClr val="FF0000"/>
+                </a:solidFill>
+              </a:ln>
+            </p:spPr>
+            <p:style>
+              <a:lnRef idx="1">
+                <a:schemeClr val="accent1"/>
+              </a:lnRef>
+              <a:fillRef idx="0">
+                <a:schemeClr val="accent1"/>
+              </a:fillRef>
+              <a:effectRef idx="0">
+                <a:schemeClr val="accent1"/>
+              </a:effectRef>
+              <a:fontRef idx="minor">
+                <a:schemeClr val="tx1"/>
+              </a:fontRef>
+            </p:style>
+            <p:txBody>
+              <a:bodyPr rtlCol="0" anchor="ctr"/>
+              <a:lstStyle/>
+              <a:p>
+                <a:pPr algn="ctr"/>
+                <a:endParaRPr lang="de-CH"/>
+              </a:p>
+            </p:txBody>
+          </p:sp>
+          <p:grpSp>
+            <p:nvGrpSpPr>
+              <p:cNvPr id="42" name="Gruppieren 41">
+                <a:extLst>
+                  <a:ext uri="{FF2B5EF4-FFF2-40B4-BE49-F238E27FC236}">
+                    <a16:creationId xmlns:a16="http://schemas.microsoft.com/office/drawing/2014/main" id="{52CD44DB-EA3A-43B5-BFB7-8192BF9E222F}"/>
+                  </a:ext>
+                </a:extLst>
+              </p:cNvPr>
+              <p:cNvGrpSpPr/>
+              <p:nvPr/>
+            </p:nvGrpSpPr>
+            <p:grpSpPr>
+              <a:xfrm rot="4991125">
+                <a:off x="7406732" y="4596835"/>
+                <a:ext cx="118727" cy="254831"/>
+                <a:chOff x="9087092" y="5470329"/>
+                <a:chExt cx="118727" cy="254831"/>
+              </a:xfrm>
+            </p:grpSpPr>
+            <p:cxnSp>
+              <p:nvCxnSpPr>
+                <p:cNvPr id="43" name="Gerader Verbinder 42">
+                  <a:extLst>
+                    <a:ext uri="{FF2B5EF4-FFF2-40B4-BE49-F238E27FC236}">
+                      <a16:creationId xmlns:a16="http://schemas.microsoft.com/office/drawing/2014/main" id="{A85DC58F-A141-4BA2-9660-E5620A2006C8}"/>
+                    </a:ext>
+                  </a:extLst>
+                </p:cNvPr>
+                <p:cNvCxnSpPr/>
+                <p:nvPr/>
+              </p:nvCxnSpPr>
+              <p:spPr>
+                <a:xfrm>
+                  <a:off x="9146092" y="5477903"/>
+                  <a:ext cx="59727" cy="247257"/>
+                </a:xfrm>
+                <a:prstGeom prst="line">
+                  <a:avLst/>
+                </a:prstGeom>
+              </p:spPr>
+              <p:style>
+                <a:lnRef idx="1">
+                  <a:schemeClr val="accent2"/>
+                </a:lnRef>
+                <a:fillRef idx="0">
+                  <a:schemeClr val="accent2"/>
+                </a:fillRef>
+                <a:effectRef idx="0">
+                  <a:schemeClr val="accent2"/>
+                </a:effectRef>
+                <a:fontRef idx="minor">
+                  <a:schemeClr val="tx1"/>
+                </a:fontRef>
+              </p:style>
+            </p:cxnSp>
+            <p:grpSp>
+              <p:nvGrpSpPr>
+                <p:cNvPr id="44" name="Gruppieren 43">
+                  <a:extLst>
+                    <a:ext uri="{FF2B5EF4-FFF2-40B4-BE49-F238E27FC236}">
+                      <a16:creationId xmlns:a16="http://schemas.microsoft.com/office/drawing/2014/main" id="{78194D53-9C7C-4B9E-AC16-0AFBAB1787C4}"/>
+                    </a:ext>
+                  </a:extLst>
+                </p:cNvPr>
+                <p:cNvGrpSpPr/>
+                <p:nvPr/>
+              </p:nvGrpSpPr>
+              <p:grpSpPr>
+                <a:xfrm>
+                  <a:off x="9087092" y="5470329"/>
+                  <a:ext cx="87940" cy="249751"/>
+                  <a:chOff x="9574223" y="5681103"/>
+                  <a:chExt cx="87940" cy="249751"/>
+                </a:xfrm>
+              </p:grpSpPr>
+              <p:cxnSp>
+                <p:nvCxnSpPr>
+                  <p:cNvPr id="45" name="Gerader Verbinder 44">
+                    <a:extLst>
+                      <a:ext uri="{FF2B5EF4-FFF2-40B4-BE49-F238E27FC236}">
+                        <a16:creationId xmlns:a16="http://schemas.microsoft.com/office/drawing/2014/main" id="{51D58B78-C9CF-45D9-9435-442655A0E76D}"/>
+                      </a:ext>
+                    </a:extLst>
+                  </p:cNvPr>
+                  <p:cNvCxnSpPr>
+                    <a:cxnSpLocks/>
+                  </p:cNvCxnSpPr>
+                  <p:nvPr/>
+                </p:nvCxnSpPr>
+                <p:spPr>
+                  <a:xfrm flipH="1">
+                    <a:off x="9574223" y="5688677"/>
+                    <a:ext cx="53303" cy="234603"/>
+                  </a:xfrm>
+                  <a:prstGeom prst="line">
+                    <a:avLst/>
+                  </a:prstGeom>
+                </p:spPr>
+                <p:style>
+                  <a:lnRef idx="1">
+                    <a:schemeClr val="accent2"/>
+                  </a:lnRef>
+                  <a:fillRef idx="0">
+                    <a:schemeClr val="accent2"/>
+                  </a:fillRef>
+                  <a:effectRef idx="0">
+                    <a:schemeClr val="accent2"/>
+                  </a:effectRef>
+                  <a:fontRef idx="minor">
+                    <a:schemeClr val="tx1"/>
+                  </a:fontRef>
+                </p:style>
+              </p:cxnSp>
+              <p:cxnSp>
+                <p:nvCxnSpPr>
+                  <p:cNvPr id="46" name="Gerader Verbinder 45">
+                    <a:extLst>
+                      <a:ext uri="{FF2B5EF4-FFF2-40B4-BE49-F238E27FC236}">
+                        <a16:creationId xmlns:a16="http://schemas.microsoft.com/office/drawing/2014/main" id="{B91A7786-1D07-40DB-847C-A44AFC63E527}"/>
+                      </a:ext>
+                    </a:extLst>
+                  </p:cNvPr>
+                  <p:cNvCxnSpPr>
+                    <a:cxnSpLocks/>
+                  </p:cNvCxnSpPr>
+                  <p:nvPr/>
+                </p:nvCxnSpPr>
+                <p:spPr>
+                  <a:xfrm>
+                    <a:off x="9627833" y="5681103"/>
+                    <a:ext cx="0" cy="242177"/>
+                  </a:xfrm>
+                  <a:prstGeom prst="line">
+                    <a:avLst/>
+                  </a:prstGeom>
+                </p:spPr>
+                <p:style>
+                  <a:lnRef idx="1">
+                    <a:schemeClr val="accent2"/>
+                  </a:lnRef>
+                  <a:fillRef idx="0">
+                    <a:schemeClr val="accent2"/>
+                  </a:fillRef>
+                  <a:effectRef idx="0">
+                    <a:schemeClr val="accent2"/>
+                  </a:effectRef>
+                  <a:fontRef idx="minor">
+                    <a:schemeClr val="tx1"/>
+                  </a:fontRef>
+                </p:style>
+              </p:cxnSp>
+              <p:cxnSp>
+                <p:nvCxnSpPr>
+                  <p:cNvPr id="47" name="Gerader Verbinder 46">
+                    <a:extLst>
+                      <a:ext uri="{FF2B5EF4-FFF2-40B4-BE49-F238E27FC236}">
+                        <a16:creationId xmlns:a16="http://schemas.microsoft.com/office/drawing/2014/main" id="{B84ED4FD-D74E-4C94-AB48-AE289943F05B}"/>
+                      </a:ext>
+                    </a:extLst>
+                  </p:cNvPr>
+                  <p:cNvCxnSpPr>
+                    <a:cxnSpLocks/>
+                  </p:cNvCxnSpPr>
+                  <p:nvPr/>
+                </p:nvCxnSpPr>
+                <p:spPr>
+                  <a:xfrm>
+                    <a:off x="9633532" y="5688677"/>
+                    <a:ext cx="28631" cy="242177"/>
+                  </a:xfrm>
+                  <a:prstGeom prst="line">
+                    <a:avLst/>
+                  </a:prstGeom>
+                </p:spPr>
+                <p:style>
+                  <a:lnRef idx="1">
+                    <a:schemeClr val="accent2"/>
+                  </a:lnRef>
+                  <a:fillRef idx="0">
+                    <a:schemeClr val="accent2"/>
+                  </a:fillRef>
+                  <a:effectRef idx="0">
+                    <a:schemeClr val="accent2"/>
+                  </a:effectRef>
+                  <a:fontRef idx="minor">
+                    <a:schemeClr val="tx1"/>
+                  </a:fontRef>
+                </p:style>
+              </p:cxnSp>
+            </p:grpSp>
+          </p:grpSp>
+        </p:grpSp>
+      </p:grpSp>
+      <p:grpSp>
+        <p:nvGrpSpPr>
+          <p:cNvPr id="38" name="Gruppieren 37">
+            <a:extLst>
+              <a:ext uri="{FF2B5EF4-FFF2-40B4-BE49-F238E27FC236}">
+                <a16:creationId xmlns:a16="http://schemas.microsoft.com/office/drawing/2014/main" id="{950CE234-F2D8-4A11-8F2F-D1F1FA92005E}"/>
+              </a:ext>
+            </a:extLst>
+          </p:cNvPr>
+          <p:cNvGrpSpPr/>
+          <p:nvPr/>
+        </p:nvGrpSpPr>
+        <p:grpSpPr>
+          <a:xfrm rot="10168959" flipV="1">
+            <a:off x="3651392" y="2681064"/>
+            <a:ext cx="3423945" cy="2163040"/>
+            <a:chOff x="5765904" y="4664887"/>
+            <a:chExt cx="3610431" cy="1342637"/>
+          </a:xfrm>
+        </p:grpSpPr>
+        <p:grpSp>
+          <p:nvGrpSpPr>
+            <p:cNvPr id="30" name="Gruppieren 29">
+              <a:extLst>
+                <a:ext uri="{FF2B5EF4-FFF2-40B4-BE49-F238E27FC236}">
+                  <a16:creationId xmlns:a16="http://schemas.microsoft.com/office/drawing/2014/main" id="{42B41345-C430-455C-A826-4AA2B5A2FAC5}"/>
+                </a:ext>
+              </a:extLst>
+            </p:cNvPr>
+            <p:cNvGrpSpPr/>
+            <p:nvPr/>
+          </p:nvGrpSpPr>
+          <p:grpSpPr>
+            <a:xfrm>
+              <a:off x="9257608" y="5335516"/>
+              <a:ext cx="118727" cy="254831"/>
+              <a:chOff x="9087092" y="5470329"/>
+              <a:chExt cx="118727" cy="254831"/>
+            </a:xfrm>
+          </p:grpSpPr>
+          <p:cxnSp>
+            <p:nvCxnSpPr>
+              <p:cNvPr id="17" name="Gerader Verbinder 16">
+                <a:extLst>
+                  <a:ext uri="{FF2B5EF4-FFF2-40B4-BE49-F238E27FC236}">
+                    <a16:creationId xmlns:a16="http://schemas.microsoft.com/office/drawing/2014/main" id="{7A8989A8-F69D-4776-A321-7DD37F1F24BF}"/>
+                  </a:ext>
+                </a:extLst>
+              </p:cNvPr>
+              <p:cNvCxnSpPr/>
+              <p:nvPr/>
+            </p:nvCxnSpPr>
+            <p:spPr>
+              <a:xfrm>
+                <a:off x="9146092" y="5477903"/>
+                <a:ext cx="59727" cy="247257"/>
+              </a:xfrm>
+              <a:prstGeom prst="line">
+                <a:avLst/>
+              </a:prstGeom>
+            </p:spPr>
+            <p:style>
+              <a:lnRef idx="1">
+                <a:schemeClr val="accent2"/>
+              </a:lnRef>
+              <a:fillRef idx="0">
+                <a:schemeClr val="accent2"/>
+              </a:fillRef>
+              <a:effectRef idx="0">
+                <a:schemeClr val="accent2"/>
+              </a:effectRef>
+              <a:fontRef idx="minor">
+                <a:schemeClr val="tx1"/>
+              </a:fontRef>
+            </p:style>
+          </p:cxnSp>
+          <p:grpSp>
+            <p:nvGrpSpPr>
+              <p:cNvPr id="29" name="Gruppieren 28">
+                <a:extLst>
+                  <a:ext uri="{FF2B5EF4-FFF2-40B4-BE49-F238E27FC236}">
+                    <a16:creationId xmlns:a16="http://schemas.microsoft.com/office/drawing/2014/main" id="{427A6699-2DF2-44DF-A6DD-506D3E928E55}"/>
+                  </a:ext>
+                </a:extLst>
+              </p:cNvPr>
+              <p:cNvGrpSpPr/>
+              <p:nvPr/>
+            </p:nvGrpSpPr>
+            <p:grpSpPr>
+              <a:xfrm>
+                <a:off x="9087092" y="5470329"/>
+                <a:ext cx="87940" cy="249751"/>
+                <a:chOff x="9574223" y="5681103"/>
+                <a:chExt cx="87940" cy="249751"/>
+              </a:xfrm>
+            </p:grpSpPr>
+            <p:cxnSp>
+              <p:nvCxnSpPr>
+                <p:cNvPr id="22" name="Gerader Verbinder 21">
+                  <a:extLst>
+                    <a:ext uri="{FF2B5EF4-FFF2-40B4-BE49-F238E27FC236}">
+                      <a16:creationId xmlns:a16="http://schemas.microsoft.com/office/drawing/2014/main" id="{DBD77CF3-11BE-463F-AFB8-D740B568DC13}"/>
+                    </a:ext>
+                  </a:extLst>
+                </p:cNvPr>
+                <p:cNvCxnSpPr>
+                  <a:cxnSpLocks/>
+                </p:cNvCxnSpPr>
+                <p:nvPr/>
+              </p:nvCxnSpPr>
+              <p:spPr>
+                <a:xfrm flipH="1">
+                  <a:off x="9574223" y="5688677"/>
+                  <a:ext cx="53303" cy="234603"/>
+                </a:xfrm>
+                <a:prstGeom prst="line">
+                  <a:avLst/>
+                </a:prstGeom>
+              </p:spPr>
+              <p:style>
+                <a:lnRef idx="1">
+                  <a:schemeClr val="accent2"/>
+                </a:lnRef>
+                <a:fillRef idx="0">
+                  <a:schemeClr val="accent2"/>
+                </a:fillRef>
+                <a:effectRef idx="0">
+                  <a:schemeClr val="accent2"/>
+                </a:effectRef>
+                <a:fontRef idx="minor">
+                  <a:schemeClr val="tx1"/>
+                </a:fontRef>
+              </p:style>
+            </p:cxnSp>
+            <p:cxnSp>
+              <p:nvCxnSpPr>
+                <p:cNvPr id="23" name="Gerader Verbinder 22">
+                  <a:extLst>
+                    <a:ext uri="{FF2B5EF4-FFF2-40B4-BE49-F238E27FC236}">
+                      <a16:creationId xmlns:a16="http://schemas.microsoft.com/office/drawing/2014/main" id="{99FFB983-EFDD-40A5-8C73-13958AD5FC5B}"/>
+                    </a:ext>
+                  </a:extLst>
+                </p:cNvPr>
+                <p:cNvCxnSpPr>
+                  <a:cxnSpLocks/>
+                </p:cNvCxnSpPr>
+                <p:nvPr/>
+              </p:nvCxnSpPr>
+              <p:spPr>
+                <a:xfrm>
+                  <a:off x="9627833" y="5681103"/>
+                  <a:ext cx="0" cy="242177"/>
+                </a:xfrm>
+                <a:prstGeom prst="line">
+                  <a:avLst/>
+                </a:prstGeom>
+              </p:spPr>
+              <p:style>
+                <a:lnRef idx="1">
+                  <a:schemeClr val="accent2"/>
+                </a:lnRef>
+                <a:fillRef idx="0">
+                  <a:schemeClr val="accent2"/>
+                </a:fillRef>
+                <a:effectRef idx="0">
+                  <a:schemeClr val="accent2"/>
+                </a:effectRef>
+                <a:fontRef idx="minor">
+                  <a:schemeClr val="tx1"/>
+                </a:fontRef>
+              </p:style>
+            </p:cxnSp>
+            <p:cxnSp>
+              <p:nvCxnSpPr>
+                <p:cNvPr id="24" name="Gerader Verbinder 23">
+                  <a:extLst>
+                    <a:ext uri="{FF2B5EF4-FFF2-40B4-BE49-F238E27FC236}">
+                      <a16:creationId xmlns:a16="http://schemas.microsoft.com/office/drawing/2014/main" id="{587C4A09-9D24-4117-933C-49189F25C201}"/>
+                    </a:ext>
+                  </a:extLst>
+                </p:cNvPr>
+                <p:cNvCxnSpPr>
+                  <a:cxnSpLocks/>
+                </p:cNvCxnSpPr>
+                <p:nvPr/>
+              </p:nvCxnSpPr>
+              <p:spPr>
+                <a:xfrm>
+                  <a:off x="9633532" y="5688677"/>
+                  <a:ext cx="28631" cy="242177"/>
+                </a:xfrm>
+                <a:prstGeom prst="line">
+                  <a:avLst/>
+                </a:prstGeom>
+              </p:spPr>
+              <p:style>
+                <a:lnRef idx="1">
+                  <a:schemeClr val="accent2"/>
+                </a:lnRef>
+                <a:fillRef idx="0">
+                  <a:schemeClr val="accent2"/>
+                </a:fillRef>
+                <a:effectRef idx="0">
+                  <a:schemeClr val="accent2"/>
+                </a:effectRef>
+                <a:fontRef idx="minor">
+                  <a:schemeClr val="tx1"/>
+                </a:fontRef>
+              </p:style>
+            </p:cxnSp>
+          </p:grpSp>
+        </p:grpSp>
+        <p:sp>
+          <p:nvSpPr>
+            <p:cNvPr id="14" name="Bogen 13">
+              <a:extLst>
+                <a:ext uri="{FF2B5EF4-FFF2-40B4-BE49-F238E27FC236}">
+                  <a16:creationId xmlns:a16="http://schemas.microsoft.com/office/drawing/2014/main" id="{81EE660A-6B67-40C3-B29F-8F9E6C85A14C}"/>
+                </a:ext>
+              </a:extLst>
+            </p:cNvPr>
+            <p:cNvSpPr/>
+            <p:nvPr/>
+          </p:nvSpPr>
+          <p:spPr>
+            <a:xfrm>
+              <a:off x="5765904" y="4703419"/>
+              <a:ext cx="3551068" cy="1304105"/>
+            </a:xfrm>
+            <a:prstGeom prst="arc">
+              <a:avLst/>
+            </a:prstGeom>
+            <a:ln w="57150">
+              <a:solidFill>
+                <a:srgbClr val="FF0000"/>
+              </a:solidFill>
+            </a:ln>
+          </p:spPr>
+          <p:style>
+            <a:lnRef idx="1">
+              <a:schemeClr val="accent1"/>
+            </a:lnRef>
+            <a:fillRef idx="0">
+              <a:schemeClr val="accent1"/>
+            </a:fillRef>
+            <a:effectRef idx="0">
+              <a:schemeClr val="accent1"/>
+            </a:effectRef>
+            <a:fontRef idx="minor">
+              <a:schemeClr val="tx1"/>
+            </a:fontRef>
+          </p:style>
+          <p:txBody>
+            <a:bodyPr rtlCol="0" anchor="ctr"/>
+            <a:lstStyle/>
+            <a:p>
+              <a:pPr algn="ctr"/>
+              <a:endParaRPr lang="de-CH"/>
+            </a:p>
+          </p:txBody>
+        </p:sp>
+        <p:grpSp>
+          <p:nvGrpSpPr>
+            <p:cNvPr id="32" name="Gruppieren 31">
+              <a:extLst>
+                <a:ext uri="{FF2B5EF4-FFF2-40B4-BE49-F238E27FC236}">
+                  <a16:creationId xmlns:a16="http://schemas.microsoft.com/office/drawing/2014/main" id="{2E45A633-5958-4206-BFC4-E3E0583C3F0A}"/>
+                </a:ext>
+              </a:extLst>
+            </p:cNvPr>
+            <p:cNvGrpSpPr/>
+            <p:nvPr/>
+          </p:nvGrpSpPr>
+          <p:grpSpPr>
+            <a:xfrm rot="4991125">
+              <a:off x="7406732" y="4596835"/>
+              <a:ext cx="118727" cy="254831"/>
+              <a:chOff x="9087092" y="5470329"/>
+              <a:chExt cx="118727" cy="254831"/>
+            </a:xfrm>
+          </p:grpSpPr>
+          <p:cxnSp>
+            <p:nvCxnSpPr>
+              <p:cNvPr id="33" name="Gerader Verbinder 32">
+                <a:extLst>
+                  <a:ext uri="{FF2B5EF4-FFF2-40B4-BE49-F238E27FC236}">
+                    <a16:creationId xmlns:a16="http://schemas.microsoft.com/office/drawing/2014/main" id="{880C92DE-5DBE-4A48-B722-F0AEADD24297}"/>
+                  </a:ext>
+                </a:extLst>
+              </p:cNvPr>
+              <p:cNvCxnSpPr/>
+              <p:nvPr/>
+            </p:nvCxnSpPr>
+            <p:spPr>
+              <a:xfrm>
+                <a:off x="9146092" y="5477903"/>
+                <a:ext cx="59727" cy="247257"/>
+              </a:xfrm>
+              <a:prstGeom prst="line">
+                <a:avLst/>
+              </a:prstGeom>
+            </p:spPr>
+            <p:style>
+              <a:lnRef idx="1">
+                <a:schemeClr val="accent2"/>
+              </a:lnRef>
+              <a:fillRef idx="0">
+                <a:schemeClr val="accent2"/>
+              </a:fillRef>
+              <a:effectRef idx="0">
+                <a:schemeClr val="accent2"/>
+              </a:effectRef>
+              <a:fontRef idx="minor">
+                <a:schemeClr val="tx1"/>
+              </a:fontRef>
+            </p:style>
+          </p:cxnSp>
+          <p:grpSp>
+            <p:nvGrpSpPr>
+              <p:cNvPr id="34" name="Gruppieren 33">
+                <a:extLst>
+                  <a:ext uri="{FF2B5EF4-FFF2-40B4-BE49-F238E27FC236}">
+                    <a16:creationId xmlns:a16="http://schemas.microsoft.com/office/drawing/2014/main" id="{0B3CABD8-443A-4C00-9BE8-8667C3CF0163}"/>
+                  </a:ext>
+                </a:extLst>
+              </p:cNvPr>
+              <p:cNvGrpSpPr/>
+              <p:nvPr/>
+            </p:nvGrpSpPr>
+            <p:grpSpPr>
+              <a:xfrm>
+                <a:off x="9087092" y="5470329"/>
+                <a:ext cx="87940" cy="249751"/>
+                <a:chOff x="9574223" y="5681103"/>
+                <a:chExt cx="87940" cy="249751"/>
+              </a:xfrm>
+            </p:grpSpPr>
+            <p:cxnSp>
+              <p:nvCxnSpPr>
+                <p:cNvPr id="35" name="Gerader Verbinder 34">
+                  <a:extLst>
+                    <a:ext uri="{FF2B5EF4-FFF2-40B4-BE49-F238E27FC236}">
+                      <a16:creationId xmlns:a16="http://schemas.microsoft.com/office/drawing/2014/main" id="{07B8001F-6DEE-4C2B-9D88-174B05B2D615}"/>
+                    </a:ext>
+                  </a:extLst>
+                </p:cNvPr>
+                <p:cNvCxnSpPr>
+                  <a:cxnSpLocks/>
+                </p:cNvCxnSpPr>
+                <p:nvPr/>
+              </p:nvCxnSpPr>
+              <p:spPr>
+                <a:xfrm flipH="1">
+                  <a:off x="9574223" y="5688677"/>
+                  <a:ext cx="53303" cy="234603"/>
+                </a:xfrm>
+                <a:prstGeom prst="line">
+                  <a:avLst/>
+                </a:prstGeom>
+              </p:spPr>
+              <p:style>
+                <a:lnRef idx="1">
+                  <a:schemeClr val="accent2"/>
+                </a:lnRef>
+                <a:fillRef idx="0">
+                  <a:schemeClr val="accent2"/>
+                </a:fillRef>
+                <a:effectRef idx="0">
+                  <a:schemeClr val="accent2"/>
+                </a:effectRef>
+                <a:fontRef idx="minor">
+                  <a:schemeClr val="tx1"/>
+                </a:fontRef>
+              </p:style>
+            </p:cxnSp>
+            <p:cxnSp>
+              <p:nvCxnSpPr>
+                <p:cNvPr id="36" name="Gerader Verbinder 35">
+                  <a:extLst>
+                    <a:ext uri="{FF2B5EF4-FFF2-40B4-BE49-F238E27FC236}">
+                      <a16:creationId xmlns:a16="http://schemas.microsoft.com/office/drawing/2014/main" id="{137E0C27-52EB-450B-B204-83BB650CC7F9}"/>
+                    </a:ext>
+                  </a:extLst>
+                </p:cNvPr>
+                <p:cNvCxnSpPr>
+                  <a:cxnSpLocks/>
+                </p:cNvCxnSpPr>
+                <p:nvPr/>
+              </p:nvCxnSpPr>
+              <p:spPr>
+                <a:xfrm>
+                  <a:off x="9627833" y="5681103"/>
+                  <a:ext cx="0" cy="242177"/>
+                </a:xfrm>
+                <a:prstGeom prst="line">
+                  <a:avLst/>
+                </a:prstGeom>
+              </p:spPr>
+              <p:style>
+                <a:lnRef idx="1">
+                  <a:schemeClr val="accent2"/>
+                </a:lnRef>
+                <a:fillRef idx="0">
+                  <a:schemeClr val="accent2"/>
+                </a:fillRef>
+                <a:effectRef idx="0">
+                  <a:schemeClr val="accent2"/>
+                </a:effectRef>
+                <a:fontRef idx="minor">
+                  <a:schemeClr val="tx1"/>
+                </a:fontRef>
+              </p:style>
+            </p:cxnSp>
+            <p:cxnSp>
+              <p:nvCxnSpPr>
+                <p:cNvPr id="37" name="Gerader Verbinder 36">
+                  <a:extLst>
+                    <a:ext uri="{FF2B5EF4-FFF2-40B4-BE49-F238E27FC236}">
+                      <a16:creationId xmlns:a16="http://schemas.microsoft.com/office/drawing/2014/main" id="{8EE24DFC-D5F1-4D75-8EC7-5C613F509C75}"/>
+                    </a:ext>
+                  </a:extLst>
+                </p:cNvPr>
+                <p:cNvCxnSpPr>
+                  <a:cxnSpLocks/>
+                </p:cNvCxnSpPr>
+                <p:nvPr/>
+              </p:nvCxnSpPr>
+              <p:spPr>
+                <a:xfrm>
+                  <a:off x="9633532" y="5688677"/>
+                  <a:ext cx="28631" cy="242177"/>
+                </a:xfrm>
+                <a:prstGeom prst="line">
+                  <a:avLst/>
+                </a:prstGeom>
+              </p:spPr>
+              <p:style>
+                <a:lnRef idx="1">
+                  <a:schemeClr val="accent2"/>
+                </a:lnRef>
+                <a:fillRef idx="0">
+                  <a:schemeClr val="accent2"/>
+                </a:fillRef>
+                <a:effectRef idx="0">
+                  <a:schemeClr val="accent2"/>
+                </a:effectRef>
+                <a:fontRef idx="minor">
+                  <a:schemeClr val="tx1"/>
+                </a:fontRef>
+              </p:style>
+            </p:cxnSp>
+          </p:grpSp>
+        </p:grpSp>
+      </p:grpSp>
+      <p:sp>
+        <p:nvSpPr>
+          <p:cNvPr id="54" name="Wolke 53">
+            <a:extLst>
+              <a:ext uri="{FF2B5EF4-FFF2-40B4-BE49-F238E27FC236}">
+                <a16:creationId xmlns:a16="http://schemas.microsoft.com/office/drawing/2014/main" id="{6C1089BF-139F-4EEA-AC59-DDFFD19D0E32}"/>
+              </a:ext>
+            </a:extLst>
+          </p:cNvPr>
+          <p:cNvSpPr/>
+          <p:nvPr/>
+        </p:nvSpPr>
+        <p:spPr>
+          <a:xfrm>
+            <a:off x="8000867" y="2587831"/>
+            <a:ext cx="369341" cy="336093"/>
+          </a:xfrm>
+          <a:prstGeom prst="cloud">
+            <a:avLst/>
+          </a:prstGeom>
+          <a:solidFill>
+            <a:schemeClr val="bg1">
+              <a:lumMod val="75000"/>
+            </a:schemeClr>
+          </a:solidFill>
+          <a:ln>
+            <a:solidFill>
+              <a:schemeClr val="bg1">
+                <a:lumMod val="75000"/>
+              </a:schemeClr>
+            </a:solidFill>
+          </a:ln>
+        </p:spPr>
+        <p:style>
+          <a:lnRef idx="2">
+            <a:schemeClr val="accent1">
+              <a:shade val="50000"/>
+            </a:schemeClr>
+          </a:lnRef>
+          <a:fillRef idx="1">
+            <a:schemeClr val="accent1"/>
+          </a:fillRef>
+          <a:effectRef idx="0">
+            <a:schemeClr val="accent1"/>
+          </a:effectRef>
+          <a:fontRef idx="minor">
+            <a:schemeClr val="lt1"/>
+          </a:fontRef>
+        </p:style>
+        <p:txBody>
+          <a:bodyPr rtlCol="0" anchor="ctr"/>
+          <a:lstStyle/>
+          <a:p>
+            <a:pPr algn="ctr"/>
+            <a:endParaRPr lang="de-CH"/>
+          </a:p>
+        </p:txBody>
+      </p:sp>
+      <p:sp>
+        <p:nvSpPr>
+          <p:cNvPr id="10" name="Wolke 9">
+            <a:extLst>
+              <a:ext uri="{FF2B5EF4-FFF2-40B4-BE49-F238E27FC236}">
+                <a16:creationId xmlns:a16="http://schemas.microsoft.com/office/drawing/2014/main" id="{C3C6F406-F943-40D8-A149-72A6262FFCCE}"/>
+              </a:ext>
+            </a:extLst>
+          </p:cNvPr>
+          <p:cNvSpPr/>
+          <p:nvPr/>
+        </p:nvSpPr>
+        <p:spPr>
+          <a:xfrm>
+            <a:off x="5038752" y="2623147"/>
+            <a:ext cx="369341" cy="336093"/>
+          </a:xfrm>
+          <a:prstGeom prst="cloud">
+            <a:avLst/>
+          </a:prstGeom>
+          <a:solidFill>
+            <a:schemeClr val="bg1">
+              <a:lumMod val="75000"/>
+            </a:schemeClr>
+          </a:solidFill>
+          <a:ln>
+            <a:solidFill>
+              <a:schemeClr val="bg1">
+                <a:lumMod val="75000"/>
+              </a:schemeClr>
+            </a:solidFill>
+          </a:ln>
+        </p:spPr>
+        <p:style>
+          <a:lnRef idx="2">
+            <a:schemeClr val="accent1">
+              <a:shade val="50000"/>
+            </a:schemeClr>
+          </a:lnRef>
+          <a:fillRef idx="1">
+            <a:schemeClr val="accent1"/>
+          </a:fillRef>
+          <a:effectRef idx="0">
+            <a:schemeClr val="accent1"/>
+          </a:effectRef>
+          <a:fontRef idx="minor">
+            <a:schemeClr val="lt1"/>
+          </a:fontRef>
+        </p:style>
+        <p:txBody>
+          <a:bodyPr rtlCol="0" anchor="ctr"/>
+          <a:lstStyle/>
+          <a:p>
+            <a:pPr algn="ctr"/>
+            <a:endParaRPr lang="de-CH"/>
+          </a:p>
+        </p:txBody>
+      </p:sp>
+      <p:sp>
+        <p:nvSpPr>
+          <p:cNvPr id="55" name="Rechteck 54">
+            <a:extLst>
+              <a:ext uri="{FF2B5EF4-FFF2-40B4-BE49-F238E27FC236}">
+                <a16:creationId xmlns:a16="http://schemas.microsoft.com/office/drawing/2014/main" id="{AB8A5ECF-E1E9-4EE1-8650-AC3EAD07F32F}"/>
+              </a:ext>
+            </a:extLst>
+          </p:cNvPr>
+          <p:cNvSpPr/>
+          <p:nvPr/>
+        </p:nvSpPr>
+        <p:spPr>
+          <a:xfrm rot="184000">
+            <a:off x="8385561" y="1793530"/>
+            <a:ext cx="502571" cy="1906682"/>
+          </a:xfrm>
+          <a:prstGeom prst="rect">
+            <a:avLst/>
+          </a:prstGeom>
+          <a:solidFill>
+            <a:schemeClr val="accent2">
+              <a:lumMod val="75000"/>
+            </a:schemeClr>
+          </a:solidFill>
+          <a:ln>
+            <a:solidFill>
+              <a:schemeClr val="tx1"/>
+            </a:solidFill>
+          </a:ln>
+          <a:effectLst/>
+        </p:spPr>
+        <p:style>
+          <a:lnRef idx="2">
+            <a:schemeClr val="accent1">
+              <a:shade val="50000"/>
+            </a:schemeClr>
+          </a:lnRef>
+          <a:fillRef idx="1">
+            <a:schemeClr val="accent1"/>
+          </a:fillRef>
+          <a:effectRef idx="0">
+            <a:schemeClr val="accent1"/>
+          </a:effectRef>
+          <a:fontRef idx="minor">
+            <a:schemeClr val="lt1"/>
+          </a:fontRef>
+        </p:style>
+        <p:txBody>
+          <a:bodyPr rtlCol="0" anchor="ctr"/>
+          <a:lstStyle/>
+          <a:p>
+            <a:pPr algn="ctr"/>
+            <a:endParaRPr lang="de-CH"/>
+          </a:p>
+        </p:txBody>
+      </p:sp>
+      <p:sp>
+        <p:nvSpPr>
+          <p:cNvPr id="56" name="Textfeld 55">
+            <a:extLst>
+              <a:ext uri="{FF2B5EF4-FFF2-40B4-BE49-F238E27FC236}">
+                <a16:creationId xmlns:a16="http://schemas.microsoft.com/office/drawing/2014/main" id="{7710C2EC-2055-4BA3-9FD2-E4EAB7DB4392}"/>
+              </a:ext>
+            </a:extLst>
+          </p:cNvPr>
+          <p:cNvSpPr txBox="1"/>
+          <p:nvPr/>
+        </p:nvSpPr>
+        <p:spPr>
+          <a:xfrm>
+            <a:off x="4352579" y="798274"/>
+            <a:ext cx="1871437" cy="584775"/>
+          </a:xfrm>
+          <a:prstGeom prst="rect">
+            <a:avLst/>
+          </a:prstGeom>
+          <a:noFill/>
+          <a:ln w="3175">
+            <a:solidFill>
+              <a:schemeClr val="tx1"/>
+            </a:solidFill>
+          </a:ln>
+        </p:spPr>
+        <p:txBody>
+          <a:bodyPr wrap="square" rtlCol="0">
+            <a:spAutoFit/>
+          </a:bodyPr>
+          <a:lstStyle/>
+          <a:p>
+            <a:r>
+              <a:rPr lang="de-CH" sz="1600" dirty="0"/>
+              <a:t>Description </a:t>
+            </a:r>
+            <a:r>
+              <a:rPr lang="de-CH" sz="1600" dirty="0" err="1"/>
+              <a:t>of</a:t>
+            </a:r>
+            <a:r>
+              <a:rPr lang="de-CH" sz="1600" dirty="0"/>
+              <a:t> Sample</a:t>
+            </a:r>
+          </a:p>
+        </p:txBody>
+      </p:sp>
+      <p:sp>
+        <p:nvSpPr>
+          <p:cNvPr id="57" name="Rechteck 56">
+            <a:extLst>
+              <a:ext uri="{FF2B5EF4-FFF2-40B4-BE49-F238E27FC236}">
+                <a16:creationId xmlns:a16="http://schemas.microsoft.com/office/drawing/2014/main" id="{44146866-9B4C-42A7-AFA0-661774BBD053}"/>
+              </a:ext>
+            </a:extLst>
+          </p:cNvPr>
+          <p:cNvSpPr/>
+          <p:nvPr/>
+        </p:nvSpPr>
+        <p:spPr>
+          <a:xfrm>
+            <a:off x="6741418" y="4633956"/>
+            <a:ext cx="502571" cy="1906682"/>
+          </a:xfrm>
+          <a:prstGeom prst="rect">
+            <a:avLst/>
+          </a:prstGeom>
+          <a:solidFill>
+            <a:schemeClr val="accent4">
+              <a:lumMod val="60000"/>
+              <a:lumOff val="40000"/>
+            </a:schemeClr>
+          </a:solidFill>
+          <a:ln>
+            <a:solidFill>
+              <a:schemeClr val="tx1"/>
+            </a:solidFill>
+          </a:ln>
+          <a:effectLst/>
+        </p:spPr>
+        <p:style>
+          <a:lnRef idx="2">
+            <a:schemeClr val="accent1">
+              <a:shade val="50000"/>
+            </a:schemeClr>
+          </a:lnRef>
+          <a:fillRef idx="1">
+            <a:schemeClr val="accent1"/>
+          </a:fillRef>
+          <a:effectRef idx="0">
+            <a:schemeClr val="accent1"/>
+          </a:effectRef>
+          <a:fontRef idx="minor">
+            <a:schemeClr val="lt1"/>
+          </a:fontRef>
+        </p:style>
+        <p:txBody>
+          <a:bodyPr rtlCol="0" anchor="ctr"/>
+          <a:lstStyle/>
+          <a:p>
+            <a:pPr algn="ctr"/>
+            <a:endParaRPr lang="de-CH"/>
+          </a:p>
+        </p:txBody>
+      </p:sp>
+      <p:sp>
+        <p:nvSpPr>
+          <p:cNvPr id="58" name="Rechteck 57">
+            <a:extLst>
+              <a:ext uri="{FF2B5EF4-FFF2-40B4-BE49-F238E27FC236}">
+                <a16:creationId xmlns:a16="http://schemas.microsoft.com/office/drawing/2014/main" id="{11826987-7E79-4D96-8148-6AD5D0EFB426}"/>
+              </a:ext>
+            </a:extLst>
+          </p:cNvPr>
+          <p:cNvSpPr/>
+          <p:nvPr/>
+        </p:nvSpPr>
+        <p:spPr>
+          <a:xfrm>
+            <a:off x="7990799" y="1837852"/>
+            <a:ext cx="502571" cy="1906682"/>
+          </a:xfrm>
+          <a:prstGeom prst="rect">
+            <a:avLst/>
+          </a:prstGeom>
+          <a:solidFill>
+            <a:schemeClr val="accent4">
+              <a:lumMod val="60000"/>
+              <a:lumOff val="40000"/>
+            </a:schemeClr>
+          </a:solidFill>
+          <a:ln>
+            <a:solidFill>
+              <a:schemeClr val="tx1"/>
+            </a:solidFill>
+          </a:ln>
+          <a:effectLst/>
+        </p:spPr>
+        <p:style>
+          <a:lnRef idx="2">
+            <a:schemeClr val="accent1">
+              <a:shade val="50000"/>
+            </a:schemeClr>
+          </a:lnRef>
+          <a:fillRef idx="1">
+            <a:schemeClr val="accent1"/>
+          </a:fillRef>
+          <a:effectRef idx="0">
+            <a:schemeClr val="accent1"/>
+          </a:effectRef>
+          <a:fontRef idx="minor">
+            <a:schemeClr val="lt1"/>
+          </a:fontRef>
+        </p:style>
+        <p:txBody>
+          <a:bodyPr rtlCol="0" anchor="ctr"/>
+          <a:lstStyle/>
+          <a:p>
+            <a:pPr algn="ctr"/>
+            <a:endParaRPr lang="de-CH"/>
+          </a:p>
+        </p:txBody>
+      </p:sp>
+      <p:sp>
+        <p:nvSpPr>
+          <p:cNvPr id="59" name="Rechteck 58">
+            <a:extLst>
+              <a:ext uri="{FF2B5EF4-FFF2-40B4-BE49-F238E27FC236}">
+                <a16:creationId xmlns:a16="http://schemas.microsoft.com/office/drawing/2014/main" id="{513553B0-1F09-48C9-A5AB-3AF895AD02E7}"/>
+              </a:ext>
+            </a:extLst>
+          </p:cNvPr>
+          <p:cNvSpPr/>
+          <p:nvPr/>
+        </p:nvSpPr>
+        <p:spPr>
+          <a:xfrm>
+            <a:off x="4570911" y="1900875"/>
+            <a:ext cx="502571" cy="1906682"/>
+          </a:xfrm>
+          <a:prstGeom prst="rect">
+            <a:avLst/>
+          </a:prstGeom>
+          <a:solidFill>
+            <a:schemeClr val="accent2">
+              <a:lumMod val="75000"/>
+            </a:schemeClr>
+          </a:solidFill>
+          <a:ln>
+            <a:solidFill>
+              <a:schemeClr val="tx1"/>
+            </a:solidFill>
+          </a:ln>
+          <a:effectLst/>
+        </p:spPr>
+        <p:style>
+          <a:lnRef idx="2">
+            <a:schemeClr val="accent1">
+              <a:shade val="50000"/>
+            </a:schemeClr>
+          </a:lnRef>
+          <a:fillRef idx="1">
+            <a:schemeClr val="accent1"/>
+          </a:fillRef>
+          <a:effectRef idx="0">
+            <a:schemeClr val="accent1"/>
+          </a:effectRef>
+          <a:fontRef idx="minor">
+            <a:schemeClr val="lt1"/>
+          </a:fontRef>
+        </p:style>
+        <p:txBody>
+          <a:bodyPr rtlCol="0" anchor="ctr"/>
+          <a:lstStyle/>
+          <a:p>
+            <a:pPr algn="ctr"/>
+            <a:endParaRPr lang="de-CH"/>
+          </a:p>
+        </p:txBody>
+      </p:sp>
+    </p:spTree>
+    <p:extLst>
+      <p:ext uri="{BB962C8B-B14F-4D97-AF65-F5344CB8AC3E}">
+        <p14:creationId xmlns:p14="http://schemas.microsoft.com/office/powerpoint/2010/main" val="793202791"/>
+      </p:ext>
+    </p:extLst>
+  </p:cSld>
+  <p:clrMapOvr>
+    <a:masterClrMapping/>
+  </p:clrMapOvr>
+</p:sld>
+</file>
+
+<file path=ppt/slides/slide4.xml><?xml version="1.0" encoding="utf-8"?>
+<p:sld xmlns:a="http://schemas.openxmlformats.org/drawingml/2006/main" xmlns:r="http://schemas.openxmlformats.org/officeDocument/2006/relationships" xmlns:p="http://schemas.openxmlformats.org/presentationml/2006/main">
+  <p:cSld>
+    <p:spTree>
+      <p:nvGrpSpPr>
+        <p:cNvPr id="1" name=""/>
+        <p:cNvGrpSpPr/>
+        <p:nvPr/>
+      </p:nvGrpSpPr>
+      <p:grpSpPr>
+        <a:xfrm>
+          <a:off x="0" y="0"/>
+          <a:ext cx="0" cy="0"/>
+          <a:chOff x="0" y="0"/>
+          <a:chExt cx="0" cy="0"/>
+        </a:xfrm>
+      </p:grpSpPr>
+      <p:sp>
+        <p:nvSpPr>
+          <p:cNvPr id="2" name="Titel 1">
+            <a:extLst>
+              <a:ext uri="{FF2B5EF4-FFF2-40B4-BE49-F238E27FC236}">
+                <a16:creationId xmlns:a16="http://schemas.microsoft.com/office/drawing/2014/main" id="{110BECFC-E0B5-4A36-8224-AE0EF51E9E33}"/>
+              </a:ext>
+            </a:extLst>
+          </p:cNvPr>
+          <p:cNvSpPr>
+            <a:spLocks noGrp="1"/>
+          </p:cNvSpPr>
+          <p:nvPr>
+            <p:ph type="title"/>
+          </p:nvPr>
+        </p:nvSpPr>
+        <p:spPr/>
+        <p:txBody>
+          <a:bodyPr/>
+          <a:lstStyle/>
+          <a:p>
+            <a:endParaRPr lang="de-CH"/>
+          </a:p>
+        </p:txBody>
+      </p:sp>
+      <p:sp>
+        <p:nvSpPr>
+          <p:cNvPr id="3" name="Inhaltsplatzhalter 2">
+            <a:extLst>
+              <a:ext uri="{FF2B5EF4-FFF2-40B4-BE49-F238E27FC236}">
+                <a16:creationId xmlns:a16="http://schemas.microsoft.com/office/drawing/2014/main" id="{BD15DBF9-162A-4A36-9C36-D19A0F95BAA1}"/>
+              </a:ext>
+            </a:extLst>
+          </p:cNvPr>
+          <p:cNvSpPr>
+            <a:spLocks noGrp="1"/>
+          </p:cNvSpPr>
+          <p:nvPr>
+            <p:ph idx="1"/>
+          </p:nvPr>
+        </p:nvSpPr>
+        <p:spPr/>
+        <p:txBody>
+          <a:bodyPr/>
+          <a:lstStyle/>
+          <a:p>
+            <a:endParaRPr lang="de-CH"/>
+          </a:p>
+        </p:txBody>
+      </p:sp>
+    </p:spTree>
+    <p:extLst>
+      <p:ext uri="{BB962C8B-B14F-4D97-AF65-F5344CB8AC3E}">
+        <p14:creationId xmlns:p14="http://schemas.microsoft.com/office/powerpoint/2010/main" val="3063416379"/>
       </p:ext>
     </p:extLst>
   </p:cSld>

--- a/Drawing Board.pptx
+++ b/Drawing Board.pptx
@@ -4709,23 +4709,7 @@
           <a:p>
             <a:r>
               <a:rPr lang="de-CH" dirty="0"/>
-              <a:t>8 </a:t>
-            </a:r>
-            <a:r>
-              <a:rPr lang="de-CH" dirty="0" err="1"/>
-              <a:t>Pieces</a:t>
-            </a:r>
-            <a:r>
-              <a:rPr lang="de-CH" dirty="0"/>
-              <a:t> </a:t>
-            </a:r>
-            <a:r>
-              <a:rPr lang="de-CH" dirty="0" err="1"/>
-              <a:t>of</a:t>
-            </a:r>
-            <a:r>
-              <a:rPr lang="de-CH" dirty="0"/>
-              <a:t> Tape</a:t>
+              <a:t>8 Pieces of Tape</a:t>
             </a:r>
           </a:p>
         </p:txBody>
@@ -4794,18 +4778,9 @@
           <a:lstStyle/>
           <a:p>
             <a:r>
-              <a:rPr lang="de-CH" dirty="0" err="1"/>
-              <a:t>Silver</a:t>
+              <a:rPr lang="de-CH" dirty="0"/>
+              <a:t>Silver Epoxy</a:t>
             </a:r>
-            <a:r>
-              <a:rPr lang="de-CH" dirty="0"/>
-              <a:t> </a:t>
-            </a:r>
-            <a:r>
-              <a:rPr lang="de-CH" dirty="0" err="1"/>
-              <a:t>Epoxy</a:t>
-            </a:r>
-            <a:endParaRPr lang="de-CH" dirty="0"/>
           </a:p>
         </p:txBody>
       </p:sp>
@@ -4839,29 +4814,8 @@
           <a:p>
             <a:r>
               <a:rPr lang="de-CH" dirty="0"/>
-              <a:t>Cable </a:t>
+              <a:t>Cable with derubberized ends</a:t>
             </a:r>
-            <a:r>
-              <a:rPr lang="de-CH" dirty="0" err="1"/>
-              <a:t>with</a:t>
-            </a:r>
-            <a:r>
-              <a:rPr lang="de-CH" dirty="0"/>
-              <a:t> </a:t>
-            </a:r>
-            <a:r>
-              <a:rPr lang="de-CH" dirty="0" err="1"/>
-              <a:t>derubberized</a:t>
-            </a:r>
-            <a:r>
-              <a:rPr lang="de-CH" dirty="0"/>
-              <a:t> </a:t>
-            </a:r>
-            <a:r>
-              <a:rPr lang="de-CH" dirty="0" err="1"/>
-              <a:t>ends</a:t>
-            </a:r>
-            <a:endParaRPr lang="de-CH" dirty="0"/>
           </a:p>
         </p:txBody>
       </p:sp>
@@ -6765,15 +6719,7 @@
           <a:p>
             <a:r>
               <a:rPr lang="de-CH" sz="1600" dirty="0"/>
-              <a:t>Description </a:t>
-            </a:r>
-            <a:r>
-              <a:rPr lang="de-CH" sz="1600" dirty="0" err="1"/>
-              <a:t>of</a:t>
-            </a:r>
-            <a:r>
-              <a:rPr lang="de-CH" sz="1600" dirty="0"/>
-              <a:t> Sample</a:t>
+              <a:t>Description of Sample</a:t>
             </a:r>
           </a:p>
         </p:txBody>
@@ -8508,15 +8454,7 @@
           <a:p>
             <a:r>
               <a:rPr lang="de-CH" sz="1600" dirty="0"/>
-              <a:t>Description </a:t>
-            </a:r>
-            <a:r>
-              <a:rPr lang="de-CH" sz="1600" dirty="0" err="1"/>
-              <a:t>of</a:t>
-            </a:r>
-            <a:r>
-              <a:rPr lang="de-CH" sz="1600" dirty="0"/>
-              <a:t> Sample</a:t>
+              <a:t>Description of Sample</a:t>
             </a:r>
           </a:p>
         </p:txBody>

--- a/Drawing Board.pptx
+++ b/Drawing Board.pptx
@@ -4947,7 +4947,7 @@
         </p:nvSpPr>
         <p:spPr>
           <a:xfrm>
-            <a:off x="4550543" y="5418326"/>
+            <a:off x="4579286" y="5452248"/>
             <a:ext cx="369341" cy="336093"/>
           </a:xfrm>
           <a:prstGeom prst="cloud">
